--- a/Week2_PeopleAspects/People and Security.pptx
+++ b/Week2_PeopleAspects/People and Security.pptx
@@ -5,7 +5,7 @@
     <p:sldMasterId id="2147483745" r:id="rId1"/>
   </p:sldMasterIdLst>
   <p:notesMasterIdLst>
-    <p:notesMasterId r:id="rId12"/>
+    <p:notesMasterId r:id="rId20"/>
   </p:notesMasterIdLst>
   <p:sldIdLst>
     <p:sldId id="256" r:id="rId2"/>
@@ -14,10 +14,18 @@
     <p:sldId id="259" r:id="rId5"/>
     <p:sldId id="260" r:id="rId6"/>
     <p:sldId id="261" r:id="rId7"/>
-    <p:sldId id="265" r:id="rId8"/>
-    <p:sldId id="262" r:id="rId9"/>
-    <p:sldId id="263" r:id="rId10"/>
-    <p:sldId id="264" r:id="rId11"/>
+    <p:sldId id="262" r:id="rId8"/>
+    <p:sldId id="263" r:id="rId9"/>
+    <p:sldId id="264" r:id="rId10"/>
+    <p:sldId id="265" r:id="rId11"/>
+    <p:sldId id="266" r:id="rId12"/>
+    <p:sldId id="267" r:id="rId13"/>
+    <p:sldId id="268" r:id="rId14"/>
+    <p:sldId id="269" r:id="rId15"/>
+    <p:sldId id="270" r:id="rId16"/>
+    <p:sldId id="271" r:id="rId17"/>
+    <p:sldId id="272" r:id="rId18"/>
+    <p:sldId id="273" r:id="rId19"/>
   </p:sldIdLst>
   <p:sldSz cx="12192000" cy="6858000"/>
   <p:notesSz cx="6858000" cy="9144000"/>
@@ -124,2932 +132,6 @@
 </p:presentation>
 </file>
 
-<file path=ppt/diagrams/colors1.xml><?xml version="1.0" encoding="utf-8"?>
-<dgm:colorsDef xmlns:dgm="http://schemas.openxmlformats.org/drawingml/2006/diagram" xmlns:a="http://schemas.openxmlformats.org/drawingml/2006/main" uniqueId="urn:microsoft.com/office/officeart/2005/8/colors/colorful2">
-  <dgm:title val=""/>
-  <dgm:desc val=""/>
-  <dgm:catLst>
-    <dgm:cat type="colorful" pri="10200"/>
-  </dgm:catLst>
-  <dgm:styleLbl name="node0">
-    <dgm:fillClrLst meth="repeat">
-      <a:schemeClr val="accent1"/>
-    </dgm:fillClrLst>
-    <dgm:linClrLst meth="repeat">
-      <a:schemeClr val="lt1"/>
-    </dgm:linClrLst>
-    <dgm:effectClrLst/>
-    <dgm:txLinClrLst/>
-    <dgm:txFillClrLst/>
-    <dgm:txEffectClrLst/>
-  </dgm:styleLbl>
-  <dgm:styleLbl name="node1">
-    <dgm:fillClrLst>
-      <a:schemeClr val="accent2"/>
-      <a:schemeClr val="accent3"/>
-    </dgm:fillClrLst>
-    <dgm:linClrLst meth="repeat">
-      <a:schemeClr val="lt1"/>
-    </dgm:linClrLst>
-    <dgm:effectClrLst/>
-    <dgm:txLinClrLst/>
-    <dgm:txFillClrLst/>
-    <dgm:txEffectClrLst/>
-  </dgm:styleLbl>
-  <dgm:styleLbl name="alignNode1">
-    <dgm:fillClrLst>
-      <a:schemeClr val="accent2"/>
-      <a:schemeClr val="accent3"/>
-    </dgm:fillClrLst>
-    <dgm:linClrLst>
-      <a:schemeClr val="accent2"/>
-      <a:schemeClr val="accent3"/>
-    </dgm:linClrLst>
-    <dgm:effectClrLst/>
-    <dgm:txLinClrLst/>
-    <dgm:txFillClrLst/>
-    <dgm:txEffectClrLst/>
-  </dgm:styleLbl>
-  <dgm:styleLbl name="lnNode1">
-    <dgm:fillClrLst>
-      <a:schemeClr val="accent2"/>
-      <a:schemeClr val="accent3"/>
-    </dgm:fillClrLst>
-    <dgm:linClrLst meth="repeat">
-      <a:schemeClr val="lt1"/>
-    </dgm:linClrLst>
-    <dgm:effectClrLst/>
-    <dgm:txLinClrLst/>
-    <dgm:txFillClrLst/>
-    <dgm:txEffectClrLst/>
-  </dgm:styleLbl>
-  <dgm:styleLbl name="vennNode1">
-    <dgm:fillClrLst>
-      <a:schemeClr val="accent2">
-        <a:alpha val="50000"/>
-      </a:schemeClr>
-      <a:schemeClr val="accent3">
-        <a:alpha val="50000"/>
-      </a:schemeClr>
-    </dgm:fillClrLst>
-    <dgm:linClrLst meth="repeat">
-      <a:schemeClr val="lt1"/>
-    </dgm:linClrLst>
-    <dgm:effectClrLst/>
-    <dgm:txLinClrLst/>
-    <dgm:txFillClrLst/>
-    <dgm:txEffectClrLst/>
-  </dgm:styleLbl>
-  <dgm:styleLbl name="node2">
-    <dgm:fillClrLst>
-      <a:schemeClr val="accent3"/>
-    </dgm:fillClrLst>
-    <dgm:linClrLst meth="repeat">
-      <a:schemeClr val="lt1"/>
-    </dgm:linClrLst>
-    <dgm:effectClrLst/>
-    <dgm:txLinClrLst/>
-    <dgm:txFillClrLst/>
-    <dgm:txEffectClrLst/>
-  </dgm:styleLbl>
-  <dgm:styleLbl name="node3">
-    <dgm:fillClrLst>
-      <a:schemeClr val="accent4"/>
-    </dgm:fillClrLst>
-    <dgm:linClrLst meth="repeat">
-      <a:schemeClr val="lt1"/>
-    </dgm:linClrLst>
-    <dgm:effectClrLst/>
-    <dgm:txLinClrLst/>
-    <dgm:txFillClrLst/>
-    <dgm:txEffectClrLst/>
-  </dgm:styleLbl>
-  <dgm:styleLbl name="node4">
-    <dgm:fillClrLst>
-      <a:schemeClr val="accent5"/>
-    </dgm:fillClrLst>
-    <dgm:linClrLst meth="repeat">
-      <a:schemeClr val="lt1"/>
-    </dgm:linClrLst>
-    <dgm:effectClrLst/>
-    <dgm:txLinClrLst/>
-    <dgm:txFillClrLst/>
-    <dgm:txEffectClrLst/>
-  </dgm:styleLbl>
-  <dgm:styleLbl name="fgImgPlace1">
-    <dgm:fillClrLst>
-      <a:schemeClr val="accent2">
-        <a:tint val="50000"/>
-      </a:schemeClr>
-      <a:schemeClr val="accent3">
-        <a:tint val="50000"/>
-      </a:schemeClr>
-    </dgm:fillClrLst>
-    <dgm:linClrLst meth="repeat">
-      <a:schemeClr val="lt1"/>
-    </dgm:linClrLst>
-    <dgm:effectClrLst/>
-    <dgm:txLinClrLst/>
-    <dgm:txFillClrLst meth="repeat">
-      <a:schemeClr val="lt1"/>
-    </dgm:txFillClrLst>
-    <dgm:txEffectClrLst/>
-  </dgm:styleLbl>
-  <dgm:styleLbl name="alignImgPlace1">
-    <dgm:fillClrLst>
-      <a:schemeClr val="accent2">
-        <a:tint val="50000"/>
-      </a:schemeClr>
-      <a:schemeClr val="accent3">
-        <a:tint val="20000"/>
-      </a:schemeClr>
-    </dgm:fillClrLst>
-    <dgm:linClrLst meth="repeat">
-      <a:schemeClr val="lt1"/>
-    </dgm:linClrLst>
-    <dgm:effectClrLst/>
-    <dgm:txLinClrLst/>
-    <dgm:txFillClrLst meth="repeat">
-      <a:schemeClr val="lt1"/>
-    </dgm:txFillClrLst>
-    <dgm:txEffectClrLst/>
-  </dgm:styleLbl>
-  <dgm:styleLbl name="bgImgPlace1">
-    <dgm:fillClrLst>
-      <a:schemeClr val="accent2">
-        <a:tint val="50000"/>
-      </a:schemeClr>
-      <a:schemeClr val="accent3">
-        <a:tint val="20000"/>
-      </a:schemeClr>
-    </dgm:fillClrLst>
-    <dgm:linClrLst meth="repeat">
-      <a:schemeClr val="lt1"/>
-    </dgm:linClrLst>
-    <dgm:effectClrLst/>
-    <dgm:txLinClrLst/>
-    <dgm:txFillClrLst meth="repeat">
-      <a:schemeClr val="lt1"/>
-    </dgm:txFillClrLst>
-    <dgm:txEffectClrLst/>
-  </dgm:styleLbl>
-  <dgm:styleLbl name="sibTrans2D1">
-    <dgm:fillClrLst>
-      <a:schemeClr val="accent2"/>
-      <a:schemeClr val="accent3"/>
-    </dgm:fillClrLst>
-    <dgm:linClrLst meth="repeat">
-      <a:schemeClr val="lt1"/>
-    </dgm:linClrLst>
-    <dgm:effectClrLst/>
-    <dgm:txLinClrLst/>
-    <dgm:txFillClrLst/>
-    <dgm:txEffectClrLst/>
-  </dgm:styleLbl>
-  <dgm:styleLbl name="fgSibTrans2D1">
-    <dgm:fillClrLst>
-      <a:schemeClr val="accent2"/>
-      <a:schemeClr val="accent3"/>
-    </dgm:fillClrLst>
-    <dgm:linClrLst meth="repeat">
-      <a:schemeClr val="lt1"/>
-    </dgm:linClrLst>
-    <dgm:effectClrLst/>
-    <dgm:txLinClrLst/>
-    <dgm:txFillClrLst meth="repeat">
-      <a:schemeClr val="lt1"/>
-    </dgm:txFillClrLst>
-    <dgm:txEffectClrLst/>
-  </dgm:styleLbl>
-  <dgm:styleLbl name="bgSibTrans2D1">
-    <dgm:fillClrLst>
-      <a:schemeClr val="accent2"/>
-      <a:schemeClr val="accent3"/>
-    </dgm:fillClrLst>
-    <dgm:linClrLst meth="repeat">
-      <a:schemeClr val="lt1"/>
-    </dgm:linClrLst>
-    <dgm:effectClrLst/>
-    <dgm:txLinClrLst/>
-    <dgm:txFillClrLst meth="repeat">
-      <a:schemeClr val="lt1"/>
-    </dgm:txFillClrLst>
-    <dgm:txEffectClrLst/>
-  </dgm:styleLbl>
-  <dgm:styleLbl name="sibTrans1D1">
-    <dgm:fillClrLst/>
-    <dgm:linClrLst>
-      <a:schemeClr val="accent2"/>
-      <a:schemeClr val="accent3"/>
-    </dgm:linClrLst>
-    <dgm:effectClrLst/>
-    <dgm:txLinClrLst/>
-    <dgm:txFillClrLst meth="repeat">
-      <a:schemeClr val="tx1"/>
-    </dgm:txFillClrLst>
-    <dgm:txEffectClrLst/>
-  </dgm:styleLbl>
-  <dgm:styleLbl name="callout">
-    <dgm:fillClrLst meth="repeat">
-      <a:schemeClr val="accent2"/>
-    </dgm:fillClrLst>
-    <dgm:linClrLst meth="repeat">
-      <a:schemeClr val="accent2">
-        <a:tint val="50000"/>
-      </a:schemeClr>
-    </dgm:linClrLst>
-    <dgm:effectClrLst/>
-    <dgm:txLinClrLst/>
-    <dgm:txFillClrLst meth="repeat">
-      <a:schemeClr val="tx1"/>
-    </dgm:txFillClrLst>
-    <dgm:txEffectClrLst/>
-  </dgm:styleLbl>
-  <dgm:styleLbl name="asst0">
-    <dgm:fillClrLst meth="repeat">
-      <a:schemeClr val="accent2"/>
-    </dgm:fillClrLst>
-    <dgm:linClrLst meth="repeat">
-      <a:schemeClr val="lt1">
-        <a:shade val="80000"/>
-      </a:schemeClr>
-    </dgm:linClrLst>
-    <dgm:effectClrLst/>
-    <dgm:txLinClrLst/>
-    <dgm:txFillClrLst/>
-    <dgm:txEffectClrLst/>
-  </dgm:styleLbl>
-  <dgm:styleLbl name="asst1">
-    <dgm:fillClrLst meth="repeat">
-      <a:schemeClr val="accent3"/>
-    </dgm:fillClrLst>
-    <dgm:linClrLst meth="repeat">
-      <a:schemeClr val="lt1">
-        <a:shade val="80000"/>
-      </a:schemeClr>
-    </dgm:linClrLst>
-    <dgm:effectClrLst/>
-    <dgm:txLinClrLst/>
-    <dgm:txFillClrLst/>
-    <dgm:txEffectClrLst/>
-  </dgm:styleLbl>
-  <dgm:styleLbl name="asst2">
-    <dgm:fillClrLst>
-      <a:schemeClr val="accent4"/>
-    </dgm:fillClrLst>
-    <dgm:linClrLst meth="repeat">
-      <a:schemeClr val="lt1"/>
-    </dgm:linClrLst>
-    <dgm:effectClrLst/>
-    <dgm:txLinClrLst/>
-    <dgm:txFillClrLst/>
-    <dgm:txEffectClrLst/>
-  </dgm:styleLbl>
-  <dgm:styleLbl name="asst3">
-    <dgm:fillClrLst>
-      <a:schemeClr val="accent5"/>
-    </dgm:fillClrLst>
-    <dgm:linClrLst meth="repeat">
-      <a:schemeClr val="lt1"/>
-    </dgm:linClrLst>
-    <dgm:effectClrLst/>
-    <dgm:txLinClrLst/>
-    <dgm:txFillClrLst/>
-    <dgm:txEffectClrLst/>
-  </dgm:styleLbl>
-  <dgm:styleLbl name="asst4">
-    <dgm:fillClrLst>
-      <a:schemeClr val="accent6"/>
-    </dgm:fillClrLst>
-    <dgm:linClrLst meth="repeat">
-      <a:schemeClr val="lt1"/>
-    </dgm:linClrLst>
-    <dgm:effectClrLst/>
-    <dgm:txLinClrLst/>
-    <dgm:txFillClrLst/>
-    <dgm:txEffectClrLst/>
-  </dgm:styleLbl>
-  <dgm:styleLbl name="parChTrans2D1">
-    <dgm:fillClrLst meth="repeat">
-      <a:schemeClr val="accent2"/>
-    </dgm:fillClrLst>
-    <dgm:linClrLst meth="repeat">
-      <a:schemeClr val="lt1"/>
-    </dgm:linClrLst>
-    <dgm:effectClrLst/>
-    <dgm:txLinClrLst/>
-    <dgm:txFillClrLst meth="repeat">
-      <a:schemeClr val="lt1"/>
-    </dgm:txFillClrLst>
-    <dgm:txEffectClrLst/>
-  </dgm:styleLbl>
-  <dgm:styleLbl name="parChTrans2D2">
-    <dgm:fillClrLst meth="repeat">
-      <a:schemeClr val="accent3"/>
-    </dgm:fillClrLst>
-    <dgm:linClrLst meth="repeat">
-      <a:schemeClr val="lt1"/>
-    </dgm:linClrLst>
-    <dgm:effectClrLst/>
-    <dgm:txLinClrLst/>
-    <dgm:txFillClrLst/>
-    <dgm:txEffectClrLst/>
-  </dgm:styleLbl>
-  <dgm:styleLbl name="parChTrans2D3">
-    <dgm:fillClrLst meth="repeat">
-      <a:schemeClr val="accent4"/>
-    </dgm:fillClrLst>
-    <dgm:linClrLst meth="repeat">
-      <a:schemeClr val="lt1"/>
-    </dgm:linClrLst>
-    <dgm:effectClrLst/>
-    <dgm:txLinClrLst/>
-    <dgm:txFillClrLst/>
-    <dgm:txEffectClrLst/>
-  </dgm:styleLbl>
-  <dgm:styleLbl name="parChTrans2D4">
-    <dgm:fillClrLst meth="repeat">
-      <a:schemeClr val="accent5"/>
-    </dgm:fillClrLst>
-    <dgm:linClrLst meth="repeat">
-      <a:schemeClr val="lt1"/>
-    </dgm:linClrLst>
-    <dgm:effectClrLst/>
-    <dgm:txLinClrLst/>
-    <dgm:txFillClrLst meth="repeat">
-      <a:schemeClr val="lt1"/>
-    </dgm:txFillClrLst>
-    <dgm:txEffectClrLst/>
-  </dgm:styleLbl>
-  <dgm:styleLbl name="parChTrans1D1">
-    <dgm:fillClrLst meth="repeat">
-      <a:schemeClr val="accent2"/>
-    </dgm:fillClrLst>
-    <dgm:linClrLst meth="repeat">
-      <a:schemeClr val="accent2"/>
-    </dgm:linClrLst>
-    <dgm:effectClrLst/>
-    <dgm:txLinClrLst/>
-    <dgm:txFillClrLst meth="repeat">
-      <a:schemeClr val="tx1"/>
-    </dgm:txFillClrLst>
-    <dgm:txEffectClrLst/>
-  </dgm:styleLbl>
-  <dgm:styleLbl name="parChTrans1D2">
-    <dgm:fillClrLst meth="repeat">
-      <a:schemeClr val="accent2">
-        <a:tint val="90000"/>
-      </a:schemeClr>
-    </dgm:fillClrLst>
-    <dgm:linClrLst meth="repeat">
-      <a:schemeClr val="accent3"/>
-    </dgm:linClrLst>
-    <dgm:effectClrLst/>
-    <dgm:txLinClrLst/>
-    <dgm:txFillClrLst meth="repeat">
-      <a:schemeClr val="tx1"/>
-    </dgm:txFillClrLst>
-    <dgm:txEffectClrLst/>
-  </dgm:styleLbl>
-  <dgm:styleLbl name="parChTrans1D3">
-    <dgm:fillClrLst meth="repeat">
-      <a:schemeClr val="accent2">
-        <a:tint val="70000"/>
-      </a:schemeClr>
-    </dgm:fillClrLst>
-    <dgm:linClrLst meth="repeat">
-      <a:schemeClr val="accent4"/>
-    </dgm:linClrLst>
-    <dgm:effectClrLst/>
-    <dgm:txLinClrLst/>
-    <dgm:txFillClrLst meth="repeat">
-      <a:schemeClr val="tx1"/>
-    </dgm:txFillClrLst>
-    <dgm:txEffectClrLst/>
-  </dgm:styleLbl>
-  <dgm:styleLbl name="parChTrans1D4">
-    <dgm:fillClrLst meth="repeat">
-      <a:schemeClr val="accent2">
-        <a:tint val="50000"/>
-      </a:schemeClr>
-    </dgm:fillClrLst>
-    <dgm:linClrLst meth="repeat">
-      <a:schemeClr val="accent5"/>
-    </dgm:linClrLst>
-    <dgm:effectClrLst/>
-    <dgm:txLinClrLst/>
-    <dgm:txFillClrLst meth="repeat">
-      <a:schemeClr val="tx1"/>
-    </dgm:txFillClrLst>
-    <dgm:txEffectClrLst/>
-  </dgm:styleLbl>
-  <dgm:styleLbl name="fgAcc1">
-    <dgm:fillClrLst meth="repeat">
-      <a:schemeClr val="lt1">
-        <a:alpha val="90000"/>
-      </a:schemeClr>
-    </dgm:fillClrLst>
-    <dgm:linClrLst>
-      <a:schemeClr val="accent2"/>
-      <a:schemeClr val="accent3"/>
-    </dgm:linClrLst>
-    <dgm:effectClrLst/>
-    <dgm:txLinClrLst/>
-    <dgm:txFillClrLst meth="repeat">
-      <a:schemeClr val="dk1"/>
-    </dgm:txFillClrLst>
-    <dgm:txEffectClrLst/>
-  </dgm:styleLbl>
-  <dgm:styleLbl name="conFgAcc1">
-    <dgm:fillClrLst meth="repeat">
-      <a:schemeClr val="lt1">
-        <a:alpha val="90000"/>
-      </a:schemeClr>
-    </dgm:fillClrLst>
-    <dgm:linClrLst>
-      <a:schemeClr val="accent2"/>
-      <a:schemeClr val="accent3"/>
-    </dgm:linClrLst>
-    <dgm:effectClrLst/>
-    <dgm:txLinClrLst/>
-    <dgm:txFillClrLst meth="repeat">
-      <a:schemeClr val="dk1"/>
-    </dgm:txFillClrLst>
-    <dgm:txEffectClrLst/>
-  </dgm:styleLbl>
-  <dgm:styleLbl name="alignAcc1">
-    <dgm:fillClrLst meth="repeat">
-      <a:schemeClr val="lt1">
-        <a:alpha val="90000"/>
-      </a:schemeClr>
-    </dgm:fillClrLst>
-    <dgm:linClrLst>
-      <a:schemeClr val="accent2"/>
-      <a:schemeClr val="accent3"/>
-    </dgm:linClrLst>
-    <dgm:effectClrLst/>
-    <dgm:txLinClrLst/>
-    <dgm:txFillClrLst meth="repeat">
-      <a:schemeClr val="dk1"/>
-    </dgm:txFillClrLst>
-    <dgm:txEffectClrLst/>
-  </dgm:styleLbl>
-  <dgm:styleLbl name="trAlignAcc1">
-    <dgm:fillClrLst meth="repeat">
-      <a:schemeClr val="lt1">
-        <a:alpha val="40000"/>
-      </a:schemeClr>
-    </dgm:fillClrLst>
-    <dgm:linClrLst meth="repeat">
-      <a:schemeClr val="accent2"/>
-    </dgm:linClrLst>
-    <dgm:effectClrLst/>
-    <dgm:txLinClrLst/>
-    <dgm:txFillClrLst meth="repeat">
-      <a:schemeClr val="dk1"/>
-    </dgm:txFillClrLst>
-    <dgm:txEffectClrLst/>
-  </dgm:styleLbl>
-  <dgm:styleLbl name="bgAcc1">
-    <dgm:fillClrLst meth="repeat">
-      <a:schemeClr val="lt1">
-        <a:alpha val="90000"/>
-      </a:schemeClr>
-    </dgm:fillClrLst>
-    <dgm:linClrLst>
-      <a:schemeClr val="accent2"/>
-      <a:schemeClr val="accent3"/>
-    </dgm:linClrLst>
-    <dgm:effectClrLst/>
-    <dgm:txLinClrLst/>
-    <dgm:txFillClrLst meth="repeat">
-      <a:schemeClr val="dk1"/>
-    </dgm:txFillClrLst>
-    <dgm:txEffectClrLst/>
-  </dgm:styleLbl>
-  <dgm:styleLbl name="solidFgAcc1">
-    <dgm:fillClrLst meth="repeat">
-      <a:schemeClr val="lt1"/>
-    </dgm:fillClrLst>
-    <dgm:linClrLst>
-      <a:schemeClr val="accent2"/>
-      <a:schemeClr val="accent3"/>
-    </dgm:linClrLst>
-    <dgm:effectClrLst/>
-    <dgm:txLinClrLst/>
-    <dgm:txFillClrLst meth="repeat">
-      <a:schemeClr val="dk1"/>
-    </dgm:txFillClrLst>
-    <dgm:txEffectClrLst/>
-  </dgm:styleLbl>
-  <dgm:styleLbl name="solidAlignAcc1">
-    <dgm:fillClrLst meth="repeat">
-      <a:schemeClr val="lt1"/>
-    </dgm:fillClrLst>
-    <dgm:linClrLst>
-      <a:schemeClr val="accent2"/>
-      <a:schemeClr val="accent3"/>
-    </dgm:linClrLst>
-    <dgm:effectClrLst/>
-    <dgm:txLinClrLst/>
-    <dgm:txFillClrLst meth="repeat">
-      <a:schemeClr val="dk1"/>
-    </dgm:txFillClrLst>
-    <dgm:txEffectClrLst/>
-  </dgm:styleLbl>
-  <dgm:styleLbl name="solidBgAcc1">
-    <dgm:fillClrLst meth="repeat">
-      <a:schemeClr val="lt1"/>
-    </dgm:fillClrLst>
-    <dgm:linClrLst>
-      <a:schemeClr val="accent2"/>
-      <a:schemeClr val="accent3"/>
-    </dgm:linClrLst>
-    <dgm:effectClrLst/>
-    <dgm:txLinClrLst/>
-    <dgm:txFillClrLst meth="repeat">
-      <a:schemeClr val="dk1"/>
-    </dgm:txFillClrLst>
-    <dgm:txEffectClrLst/>
-  </dgm:styleLbl>
-  <dgm:styleLbl name="fgAccFollowNode1">
-    <dgm:fillClrLst>
-      <a:schemeClr val="accent2">
-        <a:tint val="40000"/>
-        <a:alpha val="90000"/>
-      </a:schemeClr>
-      <a:schemeClr val="accent3">
-        <a:tint val="40000"/>
-        <a:alpha val="90000"/>
-      </a:schemeClr>
-    </dgm:fillClrLst>
-    <dgm:linClrLst>
-      <a:schemeClr val="accent2">
-        <a:tint val="40000"/>
-        <a:alpha val="90000"/>
-      </a:schemeClr>
-      <a:schemeClr val="accent3">
-        <a:tint val="40000"/>
-        <a:alpha val="90000"/>
-      </a:schemeClr>
-    </dgm:linClrLst>
-    <dgm:effectClrLst/>
-    <dgm:txLinClrLst/>
-    <dgm:txFillClrLst meth="repeat">
-      <a:schemeClr val="dk1"/>
-    </dgm:txFillClrLst>
-    <dgm:txEffectClrLst/>
-  </dgm:styleLbl>
-  <dgm:styleLbl name="alignAccFollowNode1">
-    <dgm:fillClrLst>
-      <a:schemeClr val="accent2">
-        <a:tint val="40000"/>
-        <a:alpha val="90000"/>
-      </a:schemeClr>
-      <a:schemeClr val="accent3">
-        <a:tint val="40000"/>
-        <a:alpha val="90000"/>
-      </a:schemeClr>
-    </dgm:fillClrLst>
-    <dgm:linClrLst>
-      <a:schemeClr val="accent2">
-        <a:tint val="40000"/>
-        <a:alpha val="90000"/>
-      </a:schemeClr>
-      <a:schemeClr val="accent3">
-        <a:tint val="40000"/>
-        <a:alpha val="90000"/>
-      </a:schemeClr>
-    </dgm:linClrLst>
-    <dgm:effectClrLst/>
-    <dgm:txLinClrLst/>
-    <dgm:txFillClrLst meth="repeat">
-      <a:schemeClr val="dk1"/>
-    </dgm:txFillClrLst>
-    <dgm:txEffectClrLst/>
-  </dgm:styleLbl>
-  <dgm:styleLbl name="bgAccFollowNode1">
-    <dgm:fillClrLst>
-      <a:schemeClr val="accent2">
-        <a:tint val="40000"/>
-        <a:alpha val="90000"/>
-      </a:schemeClr>
-      <a:schemeClr val="accent3">
-        <a:tint val="40000"/>
-        <a:alpha val="90000"/>
-      </a:schemeClr>
-    </dgm:fillClrLst>
-    <dgm:linClrLst>
-      <a:schemeClr val="accent2">
-        <a:tint val="40000"/>
-        <a:alpha val="90000"/>
-      </a:schemeClr>
-      <a:schemeClr val="accent3">
-        <a:tint val="40000"/>
-        <a:alpha val="90000"/>
-      </a:schemeClr>
-    </dgm:linClrLst>
-    <dgm:effectClrLst/>
-    <dgm:txLinClrLst/>
-    <dgm:txFillClrLst meth="repeat">
-      <a:schemeClr val="dk1"/>
-    </dgm:txFillClrLst>
-    <dgm:txEffectClrLst/>
-  </dgm:styleLbl>
-  <dgm:styleLbl name="fgAcc0">
-    <dgm:fillClrLst meth="repeat">
-      <a:schemeClr val="lt1">
-        <a:alpha val="90000"/>
-      </a:schemeClr>
-    </dgm:fillClrLst>
-    <dgm:linClrLst>
-      <a:schemeClr val="accent1"/>
-    </dgm:linClrLst>
-    <dgm:effectClrLst/>
-    <dgm:txLinClrLst/>
-    <dgm:txFillClrLst meth="repeat">
-      <a:schemeClr val="dk1"/>
-    </dgm:txFillClrLst>
-    <dgm:txEffectClrLst/>
-  </dgm:styleLbl>
-  <dgm:styleLbl name="fgAcc2">
-    <dgm:fillClrLst meth="repeat">
-      <a:schemeClr val="lt1">
-        <a:alpha val="90000"/>
-      </a:schemeClr>
-    </dgm:fillClrLst>
-    <dgm:linClrLst>
-      <a:schemeClr val="accent3"/>
-    </dgm:linClrLst>
-    <dgm:effectClrLst/>
-    <dgm:txLinClrLst/>
-    <dgm:txFillClrLst meth="repeat">
-      <a:schemeClr val="dk1"/>
-    </dgm:txFillClrLst>
-    <dgm:txEffectClrLst/>
-  </dgm:styleLbl>
-  <dgm:styleLbl name="fgAcc3">
-    <dgm:fillClrLst meth="repeat">
-      <a:schemeClr val="lt1">
-        <a:alpha val="90000"/>
-      </a:schemeClr>
-    </dgm:fillClrLst>
-    <dgm:linClrLst>
-      <a:schemeClr val="accent4"/>
-    </dgm:linClrLst>
-    <dgm:effectClrLst/>
-    <dgm:txLinClrLst/>
-    <dgm:txFillClrLst meth="repeat">
-      <a:schemeClr val="dk1"/>
-    </dgm:txFillClrLst>
-    <dgm:txEffectClrLst/>
-  </dgm:styleLbl>
-  <dgm:styleLbl name="fgAcc4">
-    <dgm:fillClrLst meth="repeat">
-      <a:schemeClr val="lt1">
-        <a:alpha val="90000"/>
-      </a:schemeClr>
-    </dgm:fillClrLst>
-    <dgm:linClrLst>
-      <a:schemeClr val="accent5"/>
-    </dgm:linClrLst>
-    <dgm:effectClrLst/>
-    <dgm:txLinClrLst/>
-    <dgm:txFillClrLst meth="repeat">
-      <a:schemeClr val="dk1"/>
-    </dgm:txFillClrLst>
-    <dgm:txEffectClrLst/>
-  </dgm:styleLbl>
-  <dgm:styleLbl name="bgShp">
-    <dgm:fillClrLst meth="repeat">
-      <a:schemeClr val="accent2">
-        <a:tint val="40000"/>
-      </a:schemeClr>
-    </dgm:fillClrLst>
-    <dgm:linClrLst meth="repeat">
-      <a:schemeClr val="dk1"/>
-    </dgm:linClrLst>
-    <dgm:effectClrLst/>
-    <dgm:txLinClrLst/>
-    <dgm:txFillClrLst meth="repeat">
-      <a:schemeClr val="dk1"/>
-    </dgm:txFillClrLst>
-    <dgm:txEffectClrLst/>
-  </dgm:styleLbl>
-  <dgm:styleLbl name="dkBgShp">
-    <dgm:fillClrLst meth="repeat">
-      <a:schemeClr val="accent2">
-        <a:shade val="90000"/>
-      </a:schemeClr>
-    </dgm:fillClrLst>
-    <dgm:linClrLst meth="repeat">
-      <a:schemeClr val="dk1"/>
-    </dgm:linClrLst>
-    <dgm:effectClrLst/>
-    <dgm:txLinClrLst/>
-    <dgm:txFillClrLst meth="repeat">
-      <a:schemeClr val="lt1"/>
-    </dgm:txFillClrLst>
-    <dgm:txEffectClrLst/>
-  </dgm:styleLbl>
-  <dgm:styleLbl name="trBgShp">
-    <dgm:fillClrLst meth="repeat">
-      <a:schemeClr val="accent2">
-        <a:tint val="50000"/>
-        <a:alpha val="40000"/>
-      </a:schemeClr>
-    </dgm:fillClrLst>
-    <dgm:linClrLst meth="repeat">
-      <a:schemeClr val="accent2"/>
-    </dgm:linClrLst>
-    <dgm:effectClrLst/>
-    <dgm:txLinClrLst/>
-    <dgm:txFillClrLst meth="repeat">
-      <a:schemeClr val="lt1"/>
-    </dgm:txFillClrLst>
-    <dgm:txEffectClrLst/>
-  </dgm:styleLbl>
-  <dgm:styleLbl name="fgShp">
-    <dgm:fillClrLst meth="repeat">
-      <a:schemeClr val="accent2">
-        <a:tint val="40000"/>
-      </a:schemeClr>
-    </dgm:fillClrLst>
-    <dgm:linClrLst meth="repeat">
-      <a:schemeClr val="lt1"/>
-    </dgm:linClrLst>
-    <dgm:effectClrLst/>
-    <dgm:txLinClrLst/>
-    <dgm:txFillClrLst meth="repeat">
-      <a:schemeClr val="dk1"/>
-    </dgm:txFillClrLst>
-    <dgm:txEffectClrLst/>
-  </dgm:styleLbl>
-  <dgm:styleLbl name="revTx">
-    <dgm:fillClrLst meth="repeat">
-      <a:schemeClr val="lt1">
-        <a:alpha val="0"/>
-      </a:schemeClr>
-    </dgm:fillClrLst>
-    <dgm:linClrLst meth="repeat">
-      <a:schemeClr val="dk1">
-        <a:alpha val="0"/>
-      </a:schemeClr>
-    </dgm:linClrLst>
-    <dgm:effectClrLst/>
-    <dgm:txLinClrLst/>
-    <dgm:txFillClrLst meth="repeat">
-      <a:schemeClr val="tx1"/>
-    </dgm:txFillClrLst>
-    <dgm:txEffectClrLst/>
-  </dgm:styleLbl>
-</dgm:colorsDef>
-</file>
-
-<file path=ppt/diagrams/data1.xml><?xml version="1.0" encoding="utf-8"?>
-<dgm:dataModel xmlns:dgm="http://schemas.openxmlformats.org/drawingml/2006/diagram" xmlns:a="http://schemas.openxmlformats.org/drawingml/2006/main">
-  <dgm:ptLst>
-    <dgm:pt modelId="{8297860E-00E6-48FD-B178-9346151E3DDF}" type="doc">
-      <dgm:prSet loTypeId="urn:microsoft.com/office/officeart/2005/8/layout/vList2" loCatId="list" qsTypeId="urn:microsoft.com/office/officeart/2005/8/quickstyle/simple4" qsCatId="simple" csTypeId="urn:microsoft.com/office/officeart/2005/8/colors/colorful2" csCatId="colorful" phldr="1"/>
-      <dgm:spPr/>
-      <dgm:t>
-        <a:bodyPr/>
-        <a:lstStyle/>
-        <a:p>
-          <a:endParaRPr lang="en-US"/>
-        </a:p>
-      </dgm:t>
-    </dgm:pt>
-    <dgm:pt modelId="{622108F8-11D5-471F-8BB8-5982C29F33CC}">
-      <dgm:prSet/>
-      <dgm:spPr/>
-      <dgm:t>
-        <a:bodyPr/>
-        <a:lstStyle/>
-        <a:p>
-          <a:pPr>
-            <a:defRPr b="1"/>
-          </a:pPr>
-          <a:r>
-            <a:rPr lang="en-US" dirty="0"/>
-            <a:t>STRIDE</a:t>
-          </a:r>
-        </a:p>
-      </dgm:t>
-    </dgm:pt>
-    <dgm:pt modelId="{C564E5CE-B9FA-4158-BF04-D80C9C4DDD0B}" type="parTrans" cxnId="{8D4CB428-839C-461D-9F84-4ED768B24686}">
-      <dgm:prSet/>
-      <dgm:spPr/>
-      <dgm:t>
-        <a:bodyPr/>
-        <a:lstStyle/>
-        <a:p>
-          <a:endParaRPr lang="en-US"/>
-        </a:p>
-      </dgm:t>
-    </dgm:pt>
-    <dgm:pt modelId="{D679234A-7FC9-48E6-8B54-B0BE4182035D}" type="sibTrans" cxnId="{8D4CB428-839C-461D-9F84-4ED768B24686}">
-      <dgm:prSet/>
-      <dgm:spPr/>
-      <dgm:t>
-        <a:bodyPr/>
-        <a:lstStyle/>
-        <a:p>
-          <a:endParaRPr lang="en-US"/>
-        </a:p>
-      </dgm:t>
-    </dgm:pt>
-    <dgm:pt modelId="{9E776737-4034-4893-A872-EA43FFC775E3}">
-      <dgm:prSet/>
-      <dgm:spPr/>
-      <dgm:t>
-        <a:bodyPr/>
-        <a:lstStyle/>
-        <a:p>
-          <a:r>
-            <a:rPr lang="en-US"/>
-            <a:t>Spoofing</a:t>
-          </a:r>
-        </a:p>
-      </dgm:t>
-    </dgm:pt>
-    <dgm:pt modelId="{59B7D4D0-B2D2-4DB6-8954-56593D0904A6}" type="parTrans" cxnId="{D8E58947-1D47-4C39-B83A-7C9B6F2416F4}">
-      <dgm:prSet/>
-      <dgm:spPr/>
-      <dgm:t>
-        <a:bodyPr/>
-        <a:lstStyle/>
-        <a:p>
-          <a:endParaRPr lang="en-US"/>
-        </a:p>
-      </dgm:t>
-    </dgm:pt>
-    <dgm:pt modelId="{19C33DEF-467A-49E6-9B58-F9CA8B67AC45}" type="sibTrans" cxnId="{D8E58947-1D47-4C39-B83A-7C9B6F2416F4}">
-      <dgm:prSet/>
-      <dgm:spPr/>
-      <dgm:t>
-        <a:bodyPr/>
-        <a:lstStyle/>
-        <a:p>
-          <a:endParaRPr lang="en-US"/>
-        </a:p>
-      </dgm:t>
-    </dgm:pt>
-    <dgm:pt modelId="{121DCA9D-6795-466B-A7DA-2C8AAFD711C1}">
-      <dgm:prSet/>
-      <dgm:spPr/>
-      <dgm:t>
-        <a:bodyPr/>
-        <a:lstStyle/>
-        <a:p>
-          <a:r>
-            <a:rPr lang="en-US"/>
-            <a:t>Tampering</a:t>
-          </a:r>
-        </a:p>
-      </dgm:t>
-    </dgm:pt>
-    <dgm:pt modelId="{5BBE532F-F2DC-40A2-ABB2-705115D9A01F}" type="parTrans" cxnId="{125038BB-D24A-4F79-A78F-DE61B647DB6C}">
-      <dgm:prSet/>
-      <dgm:spPr/>
-      <dgm:t>
-        <a:bodyPr/>
-        <a:lstStyle/>
-        <a:p>
-          <a:endParaRPr lang="en-US"/>
-        </a:p>
-      </dgm:t>
-    </dgm:pt>
-    <dgm:pt modelId="{99B767CD-7E00-4095-92DB-81B3D7EB3174}" type="sibTrans" cxnId="{125038BB-D24A-4F79-A78F-DE61B647DB6C}">
-      <dgm:prSet/>
-      <dgm:spPr/>
-      <dgm:t>
-        <a:bodyPr/>
-        <a:lstStyle/>
-        <a:p>
-          <a:endParaRPr lang="en-US"/>
-        </a:p>
-      </dgm:t>
-    </dgm:pt>
-    <dgm:pt modelId="{F71E9142-0458-484D-8EEB-02A1E5C30DCD}">
-      <dgm:prSet/>
-      <dgm:spPr/>
-      <dgm:t>
-        <a:bodyPr/>
-        <a:lstStyle/>
-        <a:p>
-          <a:r>
-            <a:rPr lang="en-US"/>
-            <a:t>Repudiation</a:t>
-          </a:r>
-        </a:p>
-      </dgm:t>
-    </dgm:pt>
-    <dgm:pt modelId="{6E755E52-7AE6-41C7-8A64-E1A027FAC68F}" type="parTrans" cxnId="{CAD2BAC5-8655-4DCB-8849-A453350A2F45}">
-      <dgm:prSet/>
-      <dgm:spPr/>
-      <dgm:t>
-        <a:bodyPr/>
-        <a:lstStyle/>
-        <a:p>
-          <a:endParaRPr lang="en-US"/>
-        </a:p>
-      </dgm:t>
-    </dgm:pt>
-    <dgm:pt modelId="{2CCDCEF4-772C-49F5-8028-2CF6666E4112}" type="sibTrans" cxnId="{CAD2BAC5-8655-4DCB-8849-A453350A2F45}">
-      <dgm:prSet/>
-      <dgm:spPr/>
-      <dgm:t>
-        <a:bodyPr/>
-        <a:lstStyle/>
-        <a:p>
-          <a:endParaRPr lang="en-US"/>
-        </a:p>
-      </dgm:t>
-    </dgm:pt>
-    <dgm:pt modelId="{08D74046-C557-4698-89D5-B927C6C56FD0}">
-      <dgm:prSet/>
-      <dgm:spPr/>
-      <dgm:t>
-        <a:bodyPr/>
-        <a:lstStyle/>
-        <a:p>
-          <a:r>
-            <a:rPr lang="en-US"/>
-            <a:t>Information Disclosure</a:t>
-          </a:r>
-        </a:p>
-      </dgm:t>
-    </dgm:pt>
-    <dgm:pt modelId="{0EFDE6F6-73A0-4350-AB24-66CBBF8EB7BD}" type="parTrans" cxnId="{052906AB-0FD1-4794-8FE3-1ED09665CFAD}">
-      <dgm:prSet/>
-      <dgm:spPr/>
-      <dgm:t>
-        <a:bodyPr/>
-        <a:lstStyle/>
-        <a:p>
-          <a:endParaRPr lang="en-US"/>
-        </a:p>
-      </dgm:t>
-    </dgm:pt>
-    <dgm:pt modelId="{9412B1AC-E60F-4100-AA01-8C7DA33A8ECB}" type="sibTrans" cxnId="{052906AB-0FD1-4794-8FE3-1ED09665CFAD}">
-      <dgm:prSet/>
-      <dgm:spPr/>
-      <dgm:t>
-        <a:bodyPr/>
-        <a:lstStyle/>
-        <a:p>
-          <a:endParaRPr lang="en-US"/>
-        </a:p>
-      </dgm:t>
-    </dgm:pt>
-    <dgm:pt modelId="{F54DD014-FCB8-4F86-98D8-EBC28612BF89}">
-      <dgm:prSet/>
-      <dgm:spPr/>
-      <dgm:t>
-        <a:bodyPr/>
-        <a:lstStyle/>
-        <a:p>
-          <a:r>
-            <a:rPr lang="en-US"/>
-            <a:t>Denial of Service</a:t>
-          </a:r>
-        </a:p>
-      </dgm:t>
-    </dgm:pt>
-    <dgm:pt modelId="{AD6D16B9-DFAA-438C-A41E-4C59648596B5}" type="parTrans" cxnId="{30FB039B-7F72-47BE-8D3D-F4AF0E3DC39D}">
-      <dgm:prSet/>
-      <dgm:spPr/>
-      <dgm:t>
-        <a:bodyPr/>
-        <a:lstStyle/>
-        <a:p>
-          <a:endParaRPr lang="en-US"/>
-        </a:p>
-      </dgm:t>
-    </dgm:pt>
-    <dgm:pt modelId="{AE8E5801-5C67-4AC0-B721-84209BC1DFF4}" type="sibTrans" cxnId="{30FB039B-7F72-47BE-8D3D-F4AF0E3DC39D}">
-      <dgm:prSet/>
-      <dgm:spPr/>
-      <dgm:t>
-        <a:bodyPr/>
-        <a:lstStyle/>
-        <a:p>
-          <a:endParaRPr lang="en-US"/>
-        </a:p>
-      </dgm:t>
-    </dgm:pt>
-    <dgm:pt modelId="{CC853BFC-167D-4DBB-9CFD-EBB97AB26359}">
-      <dgm:prSet/>
-      <dgm:spPr/>
-      <dgm:t>
-        <a:bodyPr/>
-        <a:lstStyle/>
-        <a:p>
-          <a:r>
-            <a:rPr lang="en-US"/>
-            <a:t>Elevation of Priviledge</a:t>
-          </a:r>
-        </a:p>
-      </dgm:t>
-    </dgm:pt>
-    <dgm:pt modelId="{642B3BA1-034D-4036-80D5-015CBB191D10}" type="parTrans" cxnId="{64A7DFE1-A8E4-4D80-AAA8-83321FD00505}">
-      <dgm:prSet/>
-      <dgm:spPr/>
-      <dgm:t>
-        <a:bodyPr/>
-        <a:lstStyle/>
-        <a:p>
-          <a:endParaRPr lang="en-US"/>
-        </a:p>
-      </dgm:t>
-    </dgm:pt>
-    <dgm:pt modelId="{0B71E6EF-6BDD-4E55-989A-0D235E7458F4}" type="sibTrans" cxnId="{64A7DFE1-A8E4-4D80-AAA8-83321FD00505}">
-      <dgm:prSet/>
-      <dgm:spPr/>
-      <dgm:t>
-        <a:bodyPr/>
-        <a:lstStyle/>
-        <a:p>
-          <a:endParaRPr lang="en-US"/>
-        </a:p>
-      </dgm:t>
-    </dgm:pt>
-    <dgm:pt modelId="{186A6722-8F66-4EB6-AD19-76C2B4B59ED9}">
-      <dgm:prSet/>
-      <dgm:spPr/>
-      <dgm:t>
-        <a:bodyPr/>
-        <a:lstStyle/>
-        <a:p>
-          <a:pPr>
-            <a:defRPr b="1"/>
-          </a:pPr>
-          <a:r>
-            <a:rPr lang="en-US" dirty="0"/>
-            <a:t>Golden Rule</a:t>
-          </a:r>
-        </a:p>
-      </dgm:t>
-    </dgm:pt>
-    <dgm:pt modelId="{18BA9342-E1B6-4A94-A93B-D6E4A92604A3}" type="parTrans" cxnId="{AA0B685C-387D-4C1C-B498-A2EF1B3C6286}">
-      <dgm:prSet/>
-      <dgm:spPr/>
-      <dgm:t>
-        <a:bodyPr/>
-        <a:lstStyle/>
-        <a:p>
-          <a:endParaRPr lang="en-US"/>
-        </a:p>
-      </dgm:t>
-    </dgm:pt>
-    <dgm:pt modelId="{392FE82C-597B-4AA3-81DD-AEA432772B48}" type="sibTrans" cxnId="{AA0B685C-387D-4C1C-B498-A2EF1B3C6286}">
-      <dgm:prSet/>
-      <dgm:spPr/>
-      <dgm:t>
-        <a:bodyPr/>
-        <a:lstStyle/>
-        <a:p>
-          <a:endParaRPr lang="en-US"/>
-        </a:p>
-      </dgm:t>
-    </dgm:pt>
-    <dgm:pt modelId="{9A77DEB1-E7D4-49FB-B16F-E0E97CBA1B86}">
-      <dgm:prSet/>
-      <dgm:spPr/>
-      <dgm:t>
-        <a:bodyPr/>
-        <a:lstStyle/>
-        <a:p>
-          <a:r>
-            <a:rPr lang="en-US"/>
-            <a:t>Authenticate</a:t>
-          </a:r>
-        </a:p>
-      </dgm:t>
-    </dgm:pt>
-    <dgm:pt modelId="{64AA4996-5817-4573-BEB9-2915441DA04D}" type="parTrans" cxnId="{0916BC6D-3EEA-41EA-AB2A-33A1307F787C}">
-      <dgm:prSet/>
-      <dgm:spPr/>
-      <dgm:t>
-        <a:bodyPr/>
-        <a:lstStyle/>
-        <a:p>
-          <a:endParaRPr lang="en-US"/>
-        </a:p>
-      </dgm:t>
-    </dgm:pt>
-    <dgm:pt modelId="{CBD51E6F-8F44-4A77-9912-2F5946ADF708}" type="sibTrans" cxnId="{0916BC6D-3EEA-41EA-AB2A-33A1307F787C}">
-      <dgm:prSet/>
-      <dgm:spPr/>
-      <dgm:t>
-        <a:bodyPr/>
-        <a:lstStyle/>
-        <a:p>
-          <a:endParaRPr lang="en-US"/>
-        </a:p>
-      </dgm:t>
-    </dgm:pt>
-    <dgm:pt modelId="{266A0272-026B-4C1B-9445-74A6B04430BD}">
-      <dgm:prSet/>
-      <dgm:spPr/>
-      <dgm:t>
-        <a:bodyPr/>
-        <a:lstStyle/>
-        <a:p>
-          <a:r>
-            <a:rPr lang="en-US"/>
-            <a:t>Authorize</a:t>
-          </a:r>
-        </a:p>
-      </dgm:t>
-    </dgm:pt>
-    <dgm:pt modelId="{58A47B45-E429-4AC6-9E3C-22F0DE6D2C39}" type="parTrans" cxnId="{443C14B8-9356-42D6-8F57-2F1427B7A93C}">
-      <dgm:prSet/>
-      <dgm:spPr/>
-      <dgm:t>
-        <a:bodyPr/>
-        <a:lstStyle/>
-        <a:p>
-          <a:endParaRPr lang="en-US"/>
-        </a:p>
-      </dgm:t>
-    </dgm:pt>
-    <dgm:pt modelId="{E865A22F-C298-49CB-B538-C142A9CE3756}" type="sibTrans" cxnId="{443C14B8-9356-42D6-8F57-2F1427B7A93C}">
-      <dgm:prSet/>
-      <dgm:spPr/>
-      <dgm:t>
-        <a:bodyPr/>
-        <a:lstStyle/>
-        <a:p>
-          <a:endParaRPr lang="en-US"/>
-        </a:p>
-      </dgm:t>
-    </dgm:pt>
-    <dgm:pt modelId="{1E50E02F-390E-43A4-8379-901C1AA475A8}">
-      <dgm:prSet/>
-      <dgm:spPr/>
-      <dgm:t>
-        <a:bodyPr/>
-        <a:lstStyle/>
-        <a:p>
-          <a:r>
-            <a:rPr lang="en-US" dirty="0"/>
-            <a:t>Audit</a:t>
-          </a:r>
-        </a:p>
-      </dgm:t>
-    </dgm:pt>
-    <dgm:pt modelId="{54DD6476-8CD5-4A30-8F3A-964FE45D787F}" type="parTrans" cxnId="{51E69BA5-61CC-4D28-AD63-D360214B60E5}">
-      <dgm:prSet/>
-      <dgm:spPr/>
-      <dgm:t>
-        <a:bodyPr/>
-        <a:lstStyle/>
-        <a:p>
-          <a:endParaRPr lang="en-US"/>
-        </a:p>
-      </dgm:t>
-    </dgm:pt>
-    <dgm:pt modelId="{1123D217-1DEC-4D81-B9CA-ACACA78BB6A7}" type="sibTrans" cxnId="{51E69BA5-61CC-4D28-AD63-D360214B60E5}">
-      <dgm:prSet/>
-      <dgm:spPr/>
-      <dgm:t>
-        <a:bodyPr/>
-        <a:lstStyle/>
-        <a:p>
-          <a:endParaRPr lang="en-US"/>
-        </a:p>
-      </dgm:t>
-    </dgm:pt>
-    <dgm:pt modelId="{0F2068BA-E4C2-495A-8A26-BED5D4B491C6}" type="pres">
-      <dgm:prSet presAssocID="{8297860E-00E6-48FD-B178-9346151E3DDF}" presName="linear" presStyleCnt="0">
-        <dgm:presLayoutVars>
-          <dgm:animLvl val="lvl"/>
-          <dgm:resizeHandles val="exact"/>
-        </dgm:presLayoutVars>
-      </dgm:prSet>
-      <dgm:spPr/>
-    </dgm:pt>
-    <dgm:pt modelId="{85429F3B-E1D2-4140-B11C-A065AC10ACAA}" type="pres">
-      <dgm:prSet presAssocID="{622108F8-11D5-471F-8BB8-5982C29F33CC}" presName="parentText" presStyleLbl="node1" presStyleIdx="0" presStyleCnt="2">
-        <dgm:presLayoutVars>
-          <dgm:chMax val="0"/>
-          <dgm:bulletEnabled val="1"/>
-        </dgm:presLayoutVars>
-      </dgm:prSet>
-      <dgm:spPr/>
-    </dgm:pt>
-    <dgm:pt modelId="{A2F449D0-3FF5-487D-9BDF-C82D8E00E055}" type="pres">
-      <dgm:prSet presAssocID="{622108F8-11D5-471F-8BB8-5982C29F33CC}" presName="childText" presStyleLbl="revTx" presStyleIdx="0" presStyleCnt="2">
-        <dgm:presLayoutVars>
-          <dgm:bulletEnabled val="1"/>
-        </dgm:presLayoutVars>
-      </dgm:prSet>
-      <dgm:spPr/>
-    </dgm:pt>
-    <dgm:pt modelId="{7295B756-61AA-436E-9728-2B1D587226E7}" type="pres">
-      <dgm:prSet presAssocID="{186A6722-8F66-4EB6-AD19-76C2B4B59ED9}" presName="parentText" presStyleLbl="node1" presStyleIdx="1" presStyleCnt="2">
-        <dgm:presLayoutVars>
-          <dgm:chMax val="0"/>
-          <dgm:bulletEnabled val="1"/>
-        </dgm:presLayoutVars>
-      </dgm:prSet>
-      <dgm:spPr/>
-    </dgm:pt>
-    <dgm:pt modelId="{AFB04C40-2678-404E-A1CE-29B03276AA11}" type="pres">
-      <dgm:prSet presAssocID="{186A6722-8F66-4EB6-AD19-76C2B4B59ED9}" presName="childText" presStyleLbl="revTx" presStyleIdx="1" presStyleCnt="2">
-        <dgm:presLayoutVars>
-          <dgm:bulletEnabled val="1"/>
-        </dgm:presLayoutVars>
-      </dgm:prSet>
-      <dgm:spPr/>
-    </dgm:pt>
-  </dgm:ptLst>
-  <dgm:cxnLst>
-    <dgm:cxn modelId="{1073DB04-6649-459E-8B97-BEB12F80C877}" type="presOf" srcId="{08D74046-C557-4698-89D5-B927C6C56FD0}" destId="{A2F449D0-3FF5-487D-9BDF-C82D8E00E055}" srcOrd="0" destOrd="3" presId="urn:microsoft.com/office/officeart/2005/8/layout/vList2"/>
-    <dgm:cxn modelId="{DCC06706-8500-40D9-A2B5-BAAA0EB8A77C}" type="presOf" srcId="{622108F8-11D5-471F-8BB8-5982C29F33CC}" destId="{85429F3B-E1D2-4140-B11C-A065AC10ACAA}" srcOrd="0" destOrd="0" presId="urn:microsoft.com/office/officeart/2005/8/layout/vList2"/>
-    <dgm:cxn modelId="{0391AF14-1EA0-49AD-A32C-D110A10E81DC}" type="presOf" srcId="{266A0272-026B-4C1B-9445-74A6B04430BD}" destId="{AFB04C40-2678-404E-A1CE-29B03276AA11}" srcOrd="0" destOrd="1" presId="urn:microsoft.com/office/officeart/2005/8/layout/vList2"/>
-    <dgm:cxn modelId="{8D4CB428-839C-461D-9F84-4ED768B24686}" srcId="{8297860E-00E6-48FD-B178-9346151E3DDF}" destId="{622108F8-11D5-471F-8BB8-5982C29F33CC}" srcOrd="0" destOrd="0" parTransId="{C564E5CE-B9FA-4158-BF04-D80C9C4DDD0B}" sibTransId="{D679234A-7FC9-48E6-8B54-B0BE4182035D}"/>
-    <dgm:cxn modelId="{AA0B685C-387D-4C1C-B498-A2EF1B3C6286}" srcId="{8297860E-00E6-48FD-B178-9346151E3DDF}" destId="{186A6722-8F66-4EB6-AD19-76C2B4B59ED9}" srcOrd="1" destOrd="0" parTransId="{18BA9342-E1B6-4A94-A93B-D6E4A92604A3}" sibTransId="{392FE82C-597B-4AA3-81DD-AEA432772B48}"/>
-    <dgm:cxn modelId="{D8E58947-1D47-4C39-B83A-7C9B6F2416F4}" srcId="{622108F8-11D5-471F-8BB8-5982C29F33CC}" destId="{9E776737-4034-4893-A872-EA43FFC775E3}" srcOrd="0" destOrd="0" parTransId="{59B7D4D0-B2D2-4DB6-8954-56593D0904A6}" sibTransId="{19C33DEF-467A-49E6-9B58-F9CA8B67AC45}"/>
-    <dgm:cxn modelId="{0916BC6D-3EEA-41EA-AB2A-33A1307F787C}" srcId="{186A6722-8F66-4EB6-AD19-76C2B4B59ED9}" destId="{9A77DEB1-E7D4-49FB-B16F-E0E97CBA1B86}" srcOrd="0" destOrd="0" parTransId="{64AA4996-5817-4573-BEB9-2915441DA04D}" sibTransId="{CBD51E6F-8F44-4A77-9912-2F5946ADF708}"/>
-    <dgm:cxn modelId="{83B5D66E-A41F-4312-9790-0FAF8A098AEE}" type="presOf" srcId="{186A6722-8F66-4EB6-AD19-76C2B4B59ED9}" destId="{7295B756-61AA-436E-9728-2B1D587226E7}" srcOrd="0" destOrd="0" presId="urn:microsoft.com/office/officeart/2005/8/layout/vList2"/>
-    <dgm:cxn modelId="{3E7D5D57-B162-4040-A115-33D41753DA1D}" type="presOf" srcId="{9E776737-4034-4893-A872-EA43FFC775E3}" destId="{A2F449D0-3FF5-487D-9BDF-C82D8E00E055}" srcOrd="0" destOrd="0" presId="urn:microsoft.com/office/officeart/2005/8/layout/vList2"/>
-    <dgm:cxn modelId="{FEFB2586-3574-4E6E-AC88-867BFAB588D5}" type="presOf" srcId="{CC853BFC-167D-4DBB-9CFD-EBB97AB26359}" destId="{A2F449D0-3FF5-487D-9BDF-C82D8E00E055}" srcOrd="0" destOrd="5" presId="urn:microsoft.com/office/officeart/2005/8/layout/vList2"/>
-    <dgm:cxn modelId="{BF606192-9C57-453F-9103-7760E96203A1}" type="presOf" srcId="{1E50E02F-390E-43A4-8379-901C1AA475A8}" destId="{AFB04C40-2678-404E-A1CE-29B03276AA11}" srcOrd="0" destOrd="2" presId="urn:microsoft.com/office/officeart/2005/8/layout/vList2"/>
-    <dgm:cxn modelId="{30FB039B-7F72-47BE-8D3D-F4AF0E3DC39D}" srcId="{622108F8-11D5-471F-8BB8-5982C29F33CC}" destId="{F54DD014-FCB8-4F86-98D8-EBC28612BF89}" srcOrd="4" destOrd="0" parTransId="{AD6D16B9-DFAA-438C-A41E-4C59648596B5}" sibTransId="{AE8E5801-5C67-4AC0-B721-84209BC1DFF4}"/>
-    <dgm:cxn modelId="{F5F566A2-F885-4A2E-9A8F-F0A9B1C6DE7E}" type="presOf" srcId="{121DCA9D-6795-466B-A7DA-2C8AAFD711C1}" destId="{A2F449D0-3FF5-487D-9BDF-C82D8E00E055}" srcOrd="0" destOrd="1" presId="urn:microsoft.com/office/officeart/2005/8/layout/vList2"/>
-    <dgm:cxn modelId="{51E69BA5-61CC-4D28-AD63-D360214B60E5}" srcId="{186A6722-8F66-4EB6-AD19-76C2B4B59ED9}" destId="{1E50E02F-390E-43A4-8379-901C1AA475A8}" srcOrd="2" destOrd="0" parTransId="{54DD6476-8CD5-4A30-8F3A-964FE45D787F}" sibTransId="{1123D217-1DEC-4D81-B9CA-ACACA78BB6A7}"/>
-    <dgm:cxn modelId="{052906AB-0FD1-4794-8FE3-1ED09665CFAD}" srcId="{622108F8-11D5-471F-8BB8-5982C29F33CC}" destId="{08D74046-C557-4698-89D5-B927C6C56FD0}" srcOrd="3" destOrd="0" parTransId="{0EFDE6F6-73A0-4350-AB24-66CBBF8EB7BD}" sibTransId="{9412B1AC-E60F-4100-AA01-8C7DA33A8ECB}"/>
-    <dgm:cxn modelId="{6354A0AF-AB86-49A1-876D-8CD3185C04F0}" type="presOf" srcId="{F54DD014-FCB8-4F86-98D8-EBC28612BF89}" destId="{A2F449D0-3FF5-487D-9BDF-C82D8E00E055}" srcOrd="0" destOrd="4" presId="urn:microsoft.com/office/officeart/2005/8/layout/vList2"/>
-    <dgm:cxn modelId="{443C14B8-9356-42D6-8F57-2F1427B7A93C}" srcId="{186A6722-8F66-4EB6-AD19-76C2B4B59ED9}" destId="{266A0272-026B-4C1B-9445-74A6B04430BD}" srcOrd="1" destOrd="0" parTransId="{58A47B45-E429-4AC6-9E3C-22F0DE6D2C39}" sibTransId="{E865A22F-C298-49CB-B538-C142A9CE3756}"/>
-    <dgm:cxn modelId="{125038BB-D24A-4F79-A78F-DE61B647DB6C}" srcId="{622108F8-11D5-471F-8BB8-5982C29F33CC}" destId="{121DCA9D-6795-466B-A7DA-2C8AAFD711C1}" srcOrd="1" destOrd="0" parTransId="{5BBE532F-F2DC-40A2-ABB2-705115D9A01F}" sibTransId="{99B767CD-7E00-4095-92DB-81B3D7EB3174}"/>
-    <dgm:cxn modelId="{7CC74FC0-D5A8-408C-B19D-76ED7C0DF194}" type="presOf" srcId="{9A77DEB1-E7D4-49FB-B16F-E0E97CBA1B86}" destId="{AFB04C40-2678-404E-A1CE-29B03276AA11}" srcOrd="0" destOrd="0" presId="urn:microsoft.com/office/officeart/2005/8/layout/vList2"/>
-    <dgm:cxn modelId="{73AD52C4-C94C-43D7-A442-56531461323A}" type="presOf" srcId="{8297860E-00E6-48FD-B178-9346151E3DDF}" destId="{0F2068BA-E4C2-495A-8A26-BED5D4B491C6}" srcOrd="0" destOrd="0" presId="urn:microsoft.com/office/officeart/2005/8/layout/vList2"/>
-    <dgm:cxn modelId="{CAD2BAC5-8655-4DCB-8849-A453350A2F45}" srcId="{622108F8-11D5-471F-8BB8-5982C29F33CC}" destId="{F71E9142-0458-484D-8EEB-02A1E5C30DCD}" srcOrd="2" destOrd="0" parTransId="{6E755E52-7AE6-41C7-8A64-E1A027FAC68F}" sibTransId="{2CCDCEF4-772C-49F5-8028-2CF6666E4112}"/>
-    <dgm:cxn modelId="{FAAD7ADF-6B11-4ADA-983F-B10BF9B6F689}" type="presOf" srcId="{F71E9142-0458-484D-8EEB-02A1E5C30DCD}" destId="{A2F449D0-3FF5-487D-9BDF-C82D8E00E055}" srcOrd="0" destOrd="2" presId="urn:microsoft.com/office/officeart/2005/8/layout/vList2"/>
-    <dgm:cxn modelId="{64A7DFE1-A8E4-4D80-AAA8-83321FD00505}" srcId="{622108F8-11D5-471F-8BB8-5982C29F33CC}" destId="{CC853BFC-167D-4DBB-9CFD-EBB97AB26359}" srcOrd="5" destOrd="0" parTransId="{642B3BA1-034D-4036-80D5-015CBB191D10}" sibTransId="{0B71E6EF-6BDD-4E55-989A-0D235E7458F4}"/>
-    <dgm:cxn modelId="{259D9AD6-573F-4745-99EF-B746831A13EB}" type="presParOf" srcId="{0F2068BA-E4C2-495A-8A26-BED5D4B491C6}" destId="{85429F3B-E1D2-4140-B11C-A065AC10ACAA}" srcOrd="0" destOrd="0" presId="urn:microsoft.com/office/officeart/2005/8/layout/vList2"/>
-    <dgm:cxn modelId="{DC4D76DC-C3C6-4D2D-9113-B82B18967C2F}" type="presParOf" srcId="{0F2068BA-E4C2-495A-8A26-BED5D4B491C6}" destId="{A2F449D0-3FF5-487D-9BDF-C82D8E00E055}" srcOrd="1" destOrd="0" presId="urn:microsoft.com/office/officeart/2005/8/layout/vList2"/>
-    <dgm:cxn modelId="{883C9BEC-1969-4E30-88CA-73FD1FEE0C4A}" type="presParOf" srcId="{0F2068BA-E4C2-495A-8A26-BED5D4B491C6}" destId="{7295B756-61AA-436E-9728-2B1D587226E7}" srcOrd="2" destOrd="0" presId="urn:microsoft.com/office/officeart/2005/8/layout/vList2"/>
-    <dgm:cxn modelId="{7C239534-6EDA-42EB-B7BE-369A19BCCBCE}" type="presParOf" srcId="{0F2068BA-E4C2-495A-8A26-BED5D4B491C6}" destId="{AFB04C40-2678-404E-A1CE-29B03276AA11}" srcOrd="3" destOrd="0" presId="urn:microsoft.com/office/officeart/2005/8/layout/vList2"/>
-  </dgm:cxnLst>
-  <dgm:bg/>
-  <dgm:whole/>
-  <dgm:extLst>
-    <a:ext uri="http://schemas.microsoft.com/office/drawing/2008/diagram">
-      <dsp:dataModelExt xmlns:dsp="http://schemas.microsoft.com/office/drawing/2008/diagram" relId="rId8" minVer="http://schemas.openxmlformats.org/drawingml/2006/diagram"/>
-    </a:ext>
-  </dgm:extLst>
-</dgm:dataModel>
-</file>
-
-<file path=ppt/diagrams/drawing1.xml><?xml version="1.0" encoding="utf-8"?>
-<dsp:drawing xmlns:dgm="http://schemas.openxmlformats.org/drawingml/2006/diagram" xmlns:dsp="http://schemas.microsoft.com/office/drawing/2008/diagram" xmlns:a="http://schemas.openxmlformats.org/drawingml/2006/main">
-  <dsp:spTree>
-    <dsp:nvGrpSpPr>
-      <dsp:cNvPr id="0" name=""/>
-      <dsp:cNvGrpSpPr/>
-    </dsp:nvGrpSpPr>
-    <dsp:grpSpPr/>
-    <dsp:sp modelId="{85429F3B-E1D2-4140-B11C-A065AC10ACAA}">
-      <dsp:nvSpPr>
-        <dsp:cNvPr id="0" name=""/>
-        <dsp:cNvSpPr/>
-      </dsp:nvSpPr>
-      <dsp:spPr>
-        <a:xfrm>
-          <a:off x="0" y="103338"/>
-          <a:ext cx="6266011" cy="651105"/>
-        </a:xfrm>
-        <a:prstGeom prst="roundRect">
-          <a:avLst/>
-        </a:prstGeom>
-        <a:gradFill rotWithShape="0">
-          <a:gsLst>
-            <a:gs pos="0">
-              <a:schemeClr val="accent2">
-                <a:hueOff val="0"/>
-                <a:satOff val="0"/>
-                <a:lumOff val="0"/>
-                <a:alphaOff val="0"/>
-                <a:tint val="96000"/>
-                <a:lumMod val="104000"/>
-              </a:schemeClr>
-            </a:gs>
-            <a:gs pos="100000">
-              <a:schemeClr val="accent2">
-                <a:hueOff val="0"/>
-                <a:satOff val="0"/>
-                <a:lumOff val="0"/>
-                <a:alphaOff val="0"/>
-                <a:shade val="90000"/>
-                <a:lumMod val="90000"/>
-              </a:schemeClr>
-            </a:gs>
-          </a:gsLst>
-          <a:lin ang="5400000" scaled="0"/>
-        </a:gradFill>
-        <a:ln>
-          <a:noFill/>
-        </a:ln>
-        <a:effectLst>
-          <a:outerShdw blurRad="63500" dist="25400" dir="5400000" rotWithShape="0">
-            <a:srgbClr val="000000">
-              <a:alpha val="60000"/>
-            </a:srgbClr>
-          </a:outerShdw>
-        </a:effectLst>
-      </dsp:spPr>
-      <dsp:style>
-        <a:lnRef idx="0">
-          <a:scrgbClr r="0" g="0" b="0"/>
-        </a:lnRef>
-        <a:fillRef idx="3">
-          <a:scrgbClr r="0" g="0" b="0"/>
-        </a:fillRef>
-        <a:effectRef idx="2">
-          <a:scrgbClr r="0" g="0" b="0"/>
-        </a:effectRef>
-        <a:fontRef idx="minor">
-          <a:schemeClr val="lt1"/>
-        </a:fontRef>
-      </dsp:style>
-      <dsp:txBody>
-        <a:bodyPr spcFirstLastPara="0" vert="horz" wrap="square" lIns="80010" tIns="80010" rIns="80010" bIns="80010" numCol="1" spcCol="1270" anchor="ctr" anchorCtr="0">
-          <a:noAutofit/>
-        </a:bodyPr>
-        <a:lstStyle/>
-        <a:p>
-          <a:pPr marL="0" lvl="0" indent="0" algn="l" defTabSz="933450">
-            <a:lnSpc>
-              <a:spcPct val="90000"/>
-            </a:lnSpc>
-            <a:spcBef>
-              <a:spcPct val="0"/>
-            </a:spcBef>
-            <a:spcAft>
-              <a:spcPct val="35000"/>
-            </a:spcAft>
-            <a:buNone/>
-            <a:defRPr b="1"/>
-          </a:pPr>
-          <a:r>
-            <a:rPr lang="en-US" sz="2100" kern="1200" dirty="0"/>
-            <a:t>STRIDE</a:t>
-          </a:r>
-        </a:p>
-      </dsp:txBody>
-      <dsp:txXfrm>
-        <a:off x="31784" y="135122"/>
-        <a:ext cx="6202443" cy="587537"/>
-      </dsp:txXfrm>
-    </dsp:sp>
-    <dsp:sp modelId="{A2F449D0-3FF5-487D-9BDF-C82D8E00E055}">
-      <dsp:nvSpPr>
-        <dsp:cNvPr id="0" name=""/>
-        <dsp:cNvSpPr/>
-      </dsp:nvSpPr>
-      <dsp:spPr>
-        <a:xfrm>
-          <a:off x="0" y="754443"/>
-          <a:ext cx="6266011" cy="2260440"/>
-        </a:xfrm>
-        <a:prstGeom prst="rect">
-          <a:avLst/>
-        </a:prstGeom>
-        <a:noFill/>
-        <a:ln>
-          <a:noFill/>
-        </a:ln>
-        <a:effectLst/>
-      </dsp:spPr>
-      <dsp:style>
-        <a:lnRef idx="0">
-          <a:scrgbClr r="0" g="0" b="0"/>
-        </a:lnRef>
-        <a:fillRef idx="0">
-          <a:scrgbClr r="0" g="0" b="0"/>
-        </a:fillRef>
-        <a:effectRef idx="0">
-          <a:scrgbClr r="0" g="0" b="0"/>
-        </a:effectRef>
-        <a:fontRef idx="minor"/>
-      </dsp:style>
-      <dsp:txBody>
-        <a:bodyPr spcFirstLastPara="0" vert="horz" wrap="square" lIns="198946" tIns="26670" rIns="149352" bIns="26670" numCol="1" spcCol="1270" anchor="t" anchorCtr="0">
-          <a:noAutofit/>
-        </a:bodyPr>
-        <a:lstStyle/>
-        <a:p>
-          <a:pPr marL="171450" lvl="1" indent="-171450" algn="l" defTabSz="711200">
-            <a:lnSpc>
-              <a:spcPct val="90000"/>
-            </a:lnSpc>
-            <a:spcBef>
-              <a:spcPct val="0"/>
-            </a:spcBef>
-            <a:spcAft>
-              <a:spcPct val="20000"/>
-            </a:spcAft>
-            <a:buChar char="•"/>
-          </a:pPr>
-          <a:r>
-            <a:rPr lang="en-US" sz="1600" kern="1200"/>
-            <a:t>Spoofing</a:t>
-          </a:r>
-        </a:p>
-        <a:p>
-          <a:pPr marL="171450" lvl="1" indent="-171450" algn="l" defTabSz="711200">
-            <a:lnSpc>
-              <a:spcPct val="90000"/>
-            </a:lnSpc>
-            <a:spcBef>
-              <a:spcPct val="0"/>
-            </a:spcBef>
-            <a:spcAft>
-              <a:spcPct val="20000"/>
-            </a:spcAft>
-            <a:buChar char="•"/>
-          </a:pPr>
-          <a:r>
-            <a:rPr lang="en-US" sz="1600" kern="1200"/>
-            <a:t>Tampering</a:t>
-          </a:r>
-        </a:p>
-        <a:p>
-          <a:pPr marL="171450" lvl="1" indent="-171450" algn="l" defTabSz="711200">
-            <a:lnSpc>
-              <a:spcPct val="90000"/>
-            </a:lnSpc>
-            <a:spcBef>
-              <a:spcPct val="0"/>
-            </a:spcBef>
-            <a:spcAft>
-              <a:spcPct val="20000"/>
-            </a:spcAft>
-            <a:buChar char="•"/>
-          </a:pPr>
-          <a:r>
-            <a:rPr lang="en-US" sz="1600" kern="1200"/>
-            <a:t>Repudiation</a:t>
-          </a:r>
-        </a:p>
-        <a:p>
-          <a:pPr marL="171450" lvl="1" indent="-171450" algn="l" defTabSz="711200">
-            <a:lnSpc>
-              <a:spcPct val="90000"/>
-            </a:lnSpc>
-            <a:spcBef>
-              <a:spcPct val="0"/>
-            </a:spcBef>
-            <a:spcAft>
-              <a:spcPct val="20000"/>
-            </a:spcAft>
-            <a:buChar char="•"/>
-          </a:pPr>
-          <a:r>
-            <a:rPr lang="en-US" sz="1600" kern="1200"/>
-            <a:t>Information Disclosure</a:t>
-          </a:r>
-        </a:p>
-        <a:p>
-          <a:pPr marL="171450" lvl="1" indent="-171450" algn="l" defTabSz="711200">
-            <a:lnSpc>
-              <a:spcPct val="90000"/>
-            </a:lnSpc>
-            <a:spcBef>
-              <a:spcPct val="0"/>
-            </a:spcBef>
-            <a:spcAft>
-              <a:spcPct val="20000"/>
-            </a:spcAft>
-            <a:buChar char="•"/>
-          </a:pPr>
-          <a:r>
-            <a:rPr lang="en-US" sz="1600" kern="1200"/>
-            <a:t>Denial of Service</a:t>
-          </a:r>
-        </a:p>
-        <a:p>
-          <a:pPr marL="171450" lvl="1" indent="-171450" algn="l" defTabSz="711200">
-            <a:lnSpc>
-              <a:spcPct val="90000"/>
-            </a:lnSpc>
-            <a:spcBef>
-              <a:spcPct val="0"/>
-            </a:spcBef>
-            <a:spcAft>
-              <a:spcPct val="20000"/>
-            </a:spcAft>
-            <a:buChar char="•"/>
-          </a:pPr>
-          <a:r>
-            <a:rPr lang="en-US" sz="1600" kern="1200"/>
-            <a:t>Elevation of Priviledge</a:t>
-          </a:r>
-        </a:p>
-      </dsp:txBody>
-      <dsp:txXfrm>
-        <a:off x="0" y="754443"/>
-        <a:ext cx="6266011" cy="2260440"/>
-      </dsp:txXfrm>
-    </dsp:sp>
-    <dsp:sp modelId="{7295B756-61AA-436E-9728-2B1D587226E7}">
-      <dsp:nvSpPr>
-        <dsp:cNvPr id="0" name=""/>
-        <dsp:cNvSpPr/>
-      </dsp:nvSpPr>
-      <dsp:spPr>
-        <a:xfrm>
-          <a:off x="0" y="3014883"/>
-          <a:ext cx="6266011" cy="651105"/>
-        </a:xfrm>
-        <a:prstGeom prst="roundRect">
-          <a:avLst/>
-        </a:prstGeom>
-        <a:gradFill rotWithShape="0">
-          <a:gsLst>
-            <a:gs pos="0">
-              <a:schemeClr val="accent2">
-                <a:hueOff val="1547159"/>
-                <a:satOff val="-9757"/>
-                <a:lumOff val="-2156"/>
-                <a:alphaOff val="0"/>
-                <a:tint val="96000"/>
-                <a:lumMod val="104000"/>
-              </a:schemeClr>
-            </a:gs>
-            <a:gs pos="100000">
-              <a:schemeClr val="accent2">
-                <a:hueOff val="1547159"/>
-                <a:satOff val="-9757"/>
-                <a:lumOff val="-2156"/>
-                <a:alphaOff val="0"/>
-                <a:shade val="90000"/>
-                <a:lumMod val="90000"/>
-              </a:schemeClr>
-            </a:gs>
-          </a:gsLst>
-          <a:lin ang="5400000" scaled="0"/>
-        </a:gradFill>
-        <a:ln>
-          <a:noFill/>
-        </a:ln>
-        <a:effectLst>
-          <a:outerShdw blurRad="63500" dist="25400" dir="5400000" rotWithShape="0">
-            <a:srgbClr val="000000">
-              <a:alpha val="60000"/>
-            </a:srgbClr>
-          </a:outerShdw>
-        </a:effectLst>
-      </dsp:spPr>
-      <dsp:style>
-        <a:lnRef idx="0">
-          <a:scrgbClr r="0" g="0" b="0"/>
-        </a:lnRef>
-        <a:fillRef idx="3">
-          <a:scrgbClr r="0" g="0" b="0"/>
-        </a:fillRef>
-        <a:effectRef idx="2">
-          <a:scrgbClr r="0" g="0" b="0"/>
-        </a:effectRef>
-        <a:fontRef idx="minor">
-          <a:schemeClr val="lt1"/>
-        </a:fontRef>
-      </dsp:style>
-      <dsp:txBody>
-        <a:bodyPr spcFirstLastPara="0" vert="horz" wrap="square" lIns="80010" tIns="80010" rIns="80010" bIns="80010" numCol="1" spcCol="1270" anchor="ctr" anchorCtr="0">
-          <a:noAutofit/>
-        </a:bodyPr>
-        <a:lstStyle/>
-        <a:p>
-          <a:pPr marL="0" lvl="0" indent="0" algn="l" defTabSz="933450">
-            <a:lnSpc>
-              <a:spcPct val="90000"/>
-            </a:lnSpc>
-            <a:spcBef>
-              <a:spcPct val="0"/>
-            </a:spcBef>
-            <a:spcAft>
-              <a:spcPct val="35000"/>
-            </a:spcAft>
-            <a:buNone/>
-            <a:defRPr b="1"/>
-          </a:pPr>
-          <a:r>
-            <a:rPr lang="en-US" sz="2100" kern="1200" dirty="0"/>
-            <a:t>Golden Rule</a:t>
-          </a:r>
-        </a:p>
-      </dsp:txBody>
-      <dsp:txXfrm>
-        <a:off x="31784" y="3046667"/>
-        <a:ext cx="6202443" cy="587537"/>
-      </dsp:txXfrm>
-    </dsp:sp>
-    <dsp:sp modelId="{AFB04C40-2678-404E-A1CE-29B03276AA11}">
-      <dsp:nvSpPr>
-        <dsp:cNvPr id="0" name=""/>
-        <dsp:cNvSpPr/>
-      </dsp:nvSpPr>
-      <dsp:spPr>
-        <a:xfrm>
-          <a:off x="0" y="3665988"/>
-          <a:ext cx="6266011" cy="1130220"/>
-        </a:xfrm>
-        <a:prstGeom prst="rect">
-          <a:avLst/>
-        </a:prstGeom>
-        <a:noFill/>
-        <a:ln>
-          <a:noFill/>
-        </a:ln>
-        <a:effectLst/>
-      </dsp:spPr>
-      <dsp:style>
-        <a:lnRef idx="0">
-          <a:scrgbClr r="0" g="0" b="0"/>
-        </a:lnRef>
-        <a:fillRef idx="0">
-          <a:scrgbClr r="0" g="0" b="0"/>
-        </a:fillRef>
-        <a:effectRef idx="0">
-          <a:scrgbClr r="0" g="0" b="0"/>
-        </a:effectRef>
-        <a:fontRef idx="minor"/>
-      </dsp:style>
-      <dsp:txBody>
-        <a:bodyPr spcFirstLastPara="0" vert="horz" wrap="square" lIns="198946" tIns="26670" rIns="149352" bIns="26670" numCol="1" spcCol="1270" anchor="t" anchorCtr="0">
-          <a:noAutofit/>
-        </a:bodyPr>
-        <a:lstStyle/>
-        <a:p>
-          <a:pPr marL="171450" lvl="1" indent="-171450" algn="l" defTabSz="711200">
-            <a:lnSpc>
-              <a:spcPct val="90000"/>
-            </a:lnSpc>
-            <a:spcBef>
-              <a:spcPct val="0"/>
-            </a:spcBef>
-            <a:spcAft>
-              <a:spcPct val="20000"/>
-            </a:spcAft>
-            <a:buChar char="•"/>
-          </a:pPr>
-          <a:r>
-            <a:rPr lang="en-US" sz="1600" kern="1200"/>
-            <a:t>Authenticate</a:t>
-          </a:r>
-        </a:p>
-        <a:p>
-          <a:pPr marL="171450" lvl="1" indent="-171450" algn="l" defTabSz="711200">
-            <a:lnSpc>
-              <a:spcPct val="90000"/>
-            </a:lnSpc>
-            <a:spcBef>
-              <a:spcPct val="0"/>
-            </a:spcBef>
-            <a:spcAft>
-              <a:spcPct val="20000"/>
-            </a:spcAft>
-            <a:buChar char="•"/>
-          </a:pPr>
-          <a:r>
-            <a:rPr lang="en-US" sz="1600" kern="1200"/>
-            <a:t>Authorize</a:t>
-          </a:r>
-        </a:p>
-        <a:p>
-          <a:pPr marL="171450" lvl="1" indent="-171450" algn="l" defTabSz="711200">
-            <a:lnSpc>
-              <a:spcPct val="90000"/>
-            </a:lnSpc>
-            <a:spcBef>
-              <a:spcPct val="0"/>
-            </a:spcBef>
-            <a:spcAft>
-              <a:spcPct val="20000"/>
-            </a:spcAft>
-            <a:buChar char="•"/>
-          </a:pPr>
-          <a:r>
-            <a:rPr lang="en-US" sz="1600" kern="1200" dirty="0"/>
-            <a:t>Audit</a:t>
-          </a:r>
-        </a:p>
-      </dsp:txBody>
-      <dsp:txXfrm>
-        <a:off x="0" y="3665988"/>
-        <a:ext cx="6266011" cy="1130220"/>
-      </dsp:txXfrm>
-    </dsp:sp>
-  </dsp:spTree>
-</dsp:drawing>
-</file>
-
-<file path=ppt/diagrams/layout1.xml><?xml version="1.0" encoding="utf-8"?>
-<dgm:layoutDef xmlns:dgm="http://schemas.openxmlformats.org/drawingml/2006/diagram" xmlns:a="http://schemas.openxmlformats.org/drawingml/2006/main" uniqueId="urn:microsoft.com/office/officeart/2005/8/layout/vList2">
-  <dgm:title val=""/>
-  <dgm:desc val=""/>
-  <dgm:catLst>
-    <dgm:cat type="list" pri="3000"/>
-    <dgm:cat type="convert" pri="1000"/>
-  </dgm:catLst>
-  <dgm:sampData>
-    <dgm:dataModel>
-      <dgm:ptLst>
-        <dgm:pt modelId="0" type="doc"/>
-        <dgm:pt modelId="1">
-          <dgm:prSet phldr="1"/>
-        </dgm:pt>
-        <dgm:pt modelId="11">
-          <dgm:prSet phldr="1"/>
-        </dgm:pt>
-        <dgm:pt modelId="2">
-          <dgm:prSet phldr="1"/>
-        </dgm:pt>
-        <dgm:pt modelId="21">
-          <dgm:prSet phldr="1"/>
-        </dgm:pt>
-      </dgm:ptLst>
-      <dgm:cxnLst>
-        <dgm:cxn modelId="4" srcId="0" destId="1" srcOrd="0" destOrd="0"/>
-        <dgm:cxn modelId="5" srcId="0" destId="2" srcOrd="1" destOrd="0"/>
-        <dgm:cxn modelId="12" srcId="1" destId="11" srcOrd="0" destOrd="0"/>
-        <dgm:cxn modelId="23" srcId="2" destId="21" srcOrd="0" destOrd="0"/>
-      </dgm:cxnLst>
-      <dgm:bg/>
-      <dgm:whole/>
-    </dgm:dataModel>
-  </dgm:sampData>
-  <dgm:styleData>
-    <dgm:dataModel>
-      <dgm:ptLst>
-        <dgm:pt modelId="0" type="doc"/>
-        <dgm:pt modelId="1"/>
-        <dgm:pt modelId="2"/>
-      </dgm:ptLst>
-      <dgm:cxnLst>
-        <dgm:cxn modelId="3" srcId="0" destId="1" srcOrd="0" destOrd="0"/>
-        <dgm:cxn modelId="4" srcId="0" destId="2" srcOrd="1" destOrd="0"/>
-      </dgm:cxnLst>
-      <dgm:bg/>
-      <dgm:whole/>
-    </dgm:dataModel>
-  </dgm:styleData>
-  <dgm:clrData>
-    <dgm:dataModel>
-      <dgm:ptLst>
-        <dgm:pt modelId="0" type="doc"/>
-        <dgm:pt modelId="1"/>
-        <dgm:pt modelId="2"/>
-        <dgm:pt modelId="3"/>
-        <dgm:pt modelId="4"/>
-      </dgm:ptLst>
-      <dgm:cxnLst>
-        <dgm:cxn modelId="5" srcId="0" destId="1" srcOrd="0" destOrd="0"/>
-        <dgm:cxn modelId="6" srcId="0" destId="2" srcOrd="1" destOrd="0"/>
-        <dgm:cxn modelId="7" srcId="0" destId="3" srcOrd="2" destOrd="0"/>
-        <dgm:cxn modelId="8" srcId="0" destId="4" srcOrd="3" destOrd="0"/>
-      </dgm:cxnLst>
-      <dgm:bg/>
-      <dgm:whole/>
-    </dgm:dataModel>
-  </dgm:clrData>
-  <dgm:layoutNode name="linear">
-    <dgm:varLst>
-      <dgm:animLvl val="lvl"/>
-      <dgm:resizeHandles val="exact"/>
-    </dgm:varLst>
-    <dgm:alg type="lin">
-      <dgm:param type="linDir" val="fromT"/>
-      <dgm:param type="vertAlign" val="mid"/>
-    </dgm:alg>
-    <dgm:shape xmlns:r="http://schemas.openxmlformats.org/officeDocument/2006/relationships" r:blip="">
-      <dgm:adjLst/>
-    </dgm:shape>
-    <dgm:presOf/>
-    <dgm:constrLst>
-      <dgm:constr type="w" for="ch" forName="parentText" refType="w"/>
-      <dgm:constr type="h" for="ch" forName="parentText" refType="primFontSz" refFor="ch" refForName="parentText" fact="0.52"/>
-      <dgm:constr type="w" for="ch" forName="childText" refType="w"/>
-      <dgm:constr type="h" for="ch" forName="childText" refType="primFontSz" refFor="ch" refForName="parentText" fact="0.46"/>
-      <dgm:constr type="h" for="ch" forName="parentText" op="equ"/>
-      <dgm:constr type="primFontSz" for="ch" forName="parentText" op="equ" val="65"/>
-      <dgm:constr type="primFontSz" for="ch" forName="childText" refType="primFontSz" refFor="ch" refForName="parentText" op="equ"/>
-      <dgm:constr type="h" for="ch" forName="spacer" refType="primFontSz" refFor="ch" refForName="parentText" fact="0.08"/>
-    </dgm:constrLst>
-    <dgm:ruleLst>
-      <dgm:rule type="primFontSz" for="ch" forName="parentText" val="5" fact="NaN" max="NaN"/>
-    </dgm:ruleLst>
-    <dgm:forEach name="Name0" axis="ch" ptType="node">
-      <dgm:layoutNode name="parentText" styleLbl="node1">
-        <dgm:varLst>
-          <dgm:chMax val="0"/>
-          <dgm:bulletEnabled val="1"/>
-        </dgm:varLst>
-        <dgm:alg type="tx">
-          <dgm:param type="parTxLTRAlign" val="l"/>
-          <dgm:param type="parTxRTLAlign" val="r"/>
-        </dgm:alg>
-        <dgm:shape xmlns:r="http://schemas.openxmlformats.org/officeDocument/2006/relationships" type="roundRect" r:blip="">
-          <dgm:adjLst/>
-        </dgm:shape>
-        <dgm:presOf axis="self"/>
-        <dgm:constrLst>
-          <dgm:constr type="tMarg" refType="primFontSz" fact="0.3"/>
-          <dgm:constr type="bMarg" refType="primFontSz" fact="0.3"/>
-          <dgm:constr type="lMarg" refType="primFontSz" fact="0.3"/>
-          <dgm:constr type="rMarg" refType="primFontSz" fact="0.3"/>
-        </dgm:constrLst>
-        <dgm:ruleLst>
-          <dgm:rule type="h" val="INF" fact="NaN" max="NaN"/>
-        </dgm:ruleLst>
-      </dgm:layoutNode>
-      <dgm:choose name="Name1">
-        <dgm:if name="Name2" axis="ch" ptType="node" func="cnt" op="gte" val="1">
-          <dgm:layoutNode name="childText" styleLbl="revTx">
-            <dgm:varLst>
-              <dgm:bulletEnabled val="1"/>
-            </dgm:varLst>
-            <dgm:alg type="tx">
-              <dgm:param type="stBulletLvl" val="1"/>
-              <dgm:param type="lnSpAfChP" val="20"/>
-            </dgm:alg>
-            <dgm:shape xmlns:r="http://schemas.openxmlformats.org/officeDocument/2006/relationships" type="rect" r:blip="">
-              <dgm:adjLst/>
-            </dgm:shape>
-            <dgm:presOf axis="des" ptType="node"/>
-            <dgm:constrLst>
-              <dgm:constr type="tMarg" refType="primFontSz" fact="0.1"/>
-              <dgm:constr type="bMarg" refType="primFontSz" fact="0.1"/>
-              <dgm:constr type="lMarg" refType="w" fact="0.09"/>
-            </dgm:constrLst>
-            <dgm:ruleLst>
-              <dgm:rule type="h" val="INF" fact="NaN" max="NaN"/>
-            </dgm:ruleLst>
-          </dgm:layoutNode>
-        </dgm:if>
-        <dgm:else name="Name3">
-          <dgm:choose name="Name4">
-            <dgm:if name="Name5" axis="par ch" ptType="doc node" func="cnt" op="gte" val="2">
-              <dgm:forEach name="Name6" axis="followSib" ptType="sibTrans" cnt="1">
-                <dgm:layoutNode name="spacer">
-                  <dgm:alg type="sp"/>
-                  <dgm:shape xmlns:r="http://schemas.openxmlformats.org/officeDocument/2006/relationships" r:blip="">
-                    <dgm:adjLst/>
-                  </dgm:shape>
-                  <dgm:presOf/>
-                  <dgm:constrLst/>
-                  <dgm:ruleLst/>
-                </dgm:layoutNode>
-              </dgm:forEach>
-            </dgm:if>
-            <dgm:else name="Name7"/>
-          </dgm:choose>
-        </dgm:else>
-      </dgm:choose>
-    </dgm:forEach>
-  </dgm:layoutNode>
-</dgm:layoutDef>
-</file>
-
-<file path=ppt/diagrams/quickStyle1.xml><?xml version="1.0" encoding="utf-8"?>
-<dgm:styleDef xmlns:dgm="http://schemas.openxmlformats.org/drawingml/2006/diagram" xmlns:a="http://schemas.openxmlformats.org/drawingml/2006/main" uniqueId="urn:microsoft.com/office/officeart/2005/8/quickstyle/simple4">
-  <dgm:title val=""/>
-  <dgm:desc val=""/>
-  <dgm:catLst>
-    <dgm:cat type="simple" pri="10400"/>
-  </dgm:catLst>
-  <dgm:scene3d>
-    <a:camera prst="orthographicFront"/>
-    <a:lightRig rig="threePt" dir="t"/>
-  </dgm:scene3d>
-  <dgm:styleLbl name="node0">
-    <dgm:scene3d>
-      <a:camera prst="orthographicFront"/>
-      <a:lightRig rig="threePt" dir="t"/>
-    </dgm:scene3d>
-    <dgm:sp3d/>
-    <dgm:txPr/>
-    <dgm:style>
-      <a:lnRef idx="0">
-        <a:scrgbClr r="0" g="0" b="0"/>
-      </a:lnRef>
-      <a:fillRef idx="3">
-        <a:scrgbClr r="0" g="0" b="0"/>
-      </a:fillRef>
-      <a:effectRef idx="2">
-        <a:scrgbClr r="0" g="0" b="0"/>
-      </a:effectRef>
-      <a:fontRef idx="minor">
-        <a:schemeClr val="lt1"/>
-      </a:fontRef>
-    </dgm:style>
-  </dgm:styleLbl>
-  <dgm:styleLbl name="lnNode1">
-    <dgm:scene3d>
-      <a:camera prst="orthographicFront"/>
-      <a:lightRig rig="threePt" dir="t"/>
-    </dgm:scene3d>
-    <dgm:sp3d/>
-    <dgm:txPr/>
-    <dgm:style>
-      <a:lnRef idx="1">
-        <a:scrgbClr r="0" g="0" b="0"/>
-      </a:lnRef>
-      <a:fillRef idx="3">
-        <a:scrgbClr r="0" g="0" b="0"/>
-      </a:fillRef>
-      <a:effectRef idx="2">
-        <a:scrgbClr r="0" g="0" b="0"/>
-      </a:effectRef>
-      <a:fontRef idx="minor">
-        <a:schemeClr val="lt1"/>
-      </a:fontRef>
-    </dgm:style>
-  </dgm:styleLbl>
-  <dgm:styleLbl name="vennNode1">
-    <dgm:scene3d>
-      <a:camera prst="orthographicFront"/>
-      <a:lightRig rig="threePt" dir="t"/>
-    </dgm:scene3d>
-    <dgm:sp3d/>
-    <dgm:txPr/>
-    <dgm:style>
-      <a:lnRef idx="0">
-        <a:scrgbClr r="0" g="0" b="0"/>
-      </a:lnRef>
-      <a:fillRef idx="3">
-        <a:scrgbClr r="0" g="0" b="0"/>
-      </a:fillRef>
-      <a:effectRef idx="0">
-        <a:scrgbClr r="0" g="0" b="0"/>
-      </a:effectRef>
-      <a:fontRef idx="minor">
-        <a:schemeClr val="tx1"/>
-      </a:fontRef>
-    </dgm:style>
-  </dgm:styleLbl>
-  <dgm:styleLbl name="alignNode1">
-    <dgm:scene3d>
-      <a:camera prst="orthographicFront"/>
-      <a:lightRig rig="threePt" dir="t"/>
-    </dgm:scene3d>
-    <dgm:sp3d/>
-    <dgm:txPr/>
-    <dgm:style>
-      <a:lnRef idx="1">
-        <a:scrgbClr r="0" g="0" b="0"/>
-      </a:lnRef>
-      <a:fillRef idx="3">
-        <a:scrgbClr r="0" g="0" b="0"/>
-      </a:fillRef>
-      <a:effectRef idx="2">
-        <a:scrgbClr r="0" g="0" b="0"/>
-      </a:effectRef>
-      <a:fontRef idx="minor">
-        <a:schemeClr val="lt1"/>
-      </a:fontRef>
-    </dgm:style>
-  </dgm:styleLbl>
-  <dgm:styleLbl name="node1">
-    <dgm:scene3d>
-      <a:camera prst="orthographicFront"/>
-      <a:lightRig rig="threePt" dir="t"/>
-    </dgm:scene3d>
-    <dgm:sp3d/>
-    <dgm:txPr/>
-    <dgm:style>
-      <a:lnRef idx="0">
-        <a:scrgbClr r="0" g="0" b="0"/>
-      </a:lnRef>
-      <a:fillRef idx="3">
-        <a:scrgbClr r="0" g="0" b="0"/>
-      </a:fillRef>
-      <a:effectRef idx="2">
-        <a:scrgbClr r="0" g="0" b="0"/>
-      </a:effectRef>
-      <a:fontRef idx="minor">
-        <a:schemeClr val="lt1"/>
-      </a:fontRef>
-    </dgm:style>
-  </dgm:styleLbl>
-  <dgm:styleLbl name="node2">
-    <dgm:scene3d>
-      <a:camera prst="orthographicFront"/>
-      <a:lightRig rig="threePt" dir="t"/>
-    </dgm:scene3d>
-    <dgm:sp3d/>
-    <dgm:txPr/>
-    <dgm:style>
-      <a:lnRef idx="0">
-        <a:scrgbClr r="0" g="0" b="0"/>
-      </a:lnRef>
-      <a:fillRef idx="3">
-        <a:scrgbClr r="0" g="0" b="0"/>
-      </a:fillRef>
-      <a:effectRef idx="2">
-        <a:scrgbClr r="0" g="0" b="0"/>
-      </a:effectRef>
-      <a:fontRef idx="minor">
-        <a:schemeClr val="lt1"/>
-      </a:fontRef>
-    </dgm:style>
-  </dgm:styleLbl>
-  <dgm:styleLbl name="node3">
-    <dgm:scene3d>
-      <a:camera prst="orthographicFront"/>
-      <a:lightRig rig="threePt" dir="t"/>
-    </dgm:scene3d>
-    <dgm:sp3d/>
-    <dgm:txPr/>
-    <dgm:style>
-      <a:lnRef idx="0">
-        <a:scrgbClr r="0" g="0" b="0"/>
-      </a:lnRef>
-      <a:fillRef idx="3">
-        <a:scrgbClr r="0" g="0" b="0"/>
-      </a:fillRef>
-      <a:effectRef idx="2">
-        <a:scrgbClr r="0" g="0" b="0"/>
-      </a:effectRef>
-      <a:fontRef idx="minor">
-        <a:schemeClr val="lt1"/>
-      </a:fontRef>
-    </dgm:style>
-  </dgm:styleLbl>
-  <dgm:styleLbl name="node4">
-    <dgm:scene3d>
-      <a:camera prst="orthographicFront"/>
-      <a:lightRig rig="threePt" dir="t"/>
-    </dgm:scene3d>
-    <dgm:sp3d/>
-    <dgm:txPr/>
-    <dgm:style>
-      <a:lnRef idx="0">
-        <a:scrgbClr r="0" g="0" b="0"/>
-      </a:lnRef>
-      <a:fillRef idx="3">
-        <a:scrgbClr r="0" g="0" b="0"/>
-      </a:fillRef>
-      <a:effectRef idx="2">
-        <a:scrgbClr r="0" g="0" b="0"/>
-      </a:effectRef>
-      <a:fontRef idx="minor">
-        <a:schemeClr val="lt1"/>
-      </a:fontRef>
-    </dgm:style>
-  </dgm:styleLbl>
-  <dgm:styleLbl name="fgImgPlace1">
-    <dgm:scene3d>
-      <a:camera prst="orthographicFront"/>
-      <a:lightRig rig="threePt" dir="t"/>
-    </dgm:scene3d>
-    <dgm:sp3d/>
-    <dgm:txPr/>
-    <dgm:style>
-      <a:lnRef idx="0">
-        <a:scrgbClr r="0" g="0" b="0"/>
-      </a:lnRef>
-      <a:fillRef idx="1">
-        <a:scrgbClr r="0" g="0" b="0"/>
-      </a:fillRef>
-      <a:effectRef idx="2">
-        <a:scrgbClr r="0" g="0" b="0"/>
-      </a:effectRef>
-      <a:fontRef idx="minor"/>
-    </dgm:style>
-  </dgm:styleLbl>
-  <dgm:styleLbl name="alignImgPlace1">
-    <dgm:scene3d>
-      <a:camera prst="orthographicFront"/>
-      <a:lightRig rig="threePt" dir="t"/>
-    </dgm:scene3d>
-    <dgm:sp3d/>
-    <dgm:txPr/>
-    <dgm:style>
-      <a:lnRef idx="0">
-        <a:scrgbClr r="0" g="0" b="0"/>
-      </a:lnRef>
-      <a:fillRef idx="1">
-        <a:scrgbClr r="0" g="0" b="0"/>
-      </a:fillRef>
-      <a:effectRef idx="2">
-        <a:scrgbClr r="0" g="0" b="0"/>
-      </a:effectRef>
-      <a:fontRef idx="minor"/>
-    </dgm:style>
-  </dgm:styleLbl>
-  <dgm:styleLbl name="bgImgPlace1">
-    <dgm:scene3d>
-      <a:camera prst="orthographicFront"/>
-      <a:lightRig rig="threePt" dir="t"/>
-    </dgm:scene3d>
-    <dgm:sp3d/>
-    <dgm:txPr/>
-    <dgm:style>
-      <a:lnRef idx="0">
-        <a:scrgbClr r="0" g="0" b="0"/>
-      </a:lnRef>
-      <a:fillRef idx="1">
-        <a:scrgbClr r="0" g="0" b="0"/>
-      </a:fillRef>
-      <a:effectRef idx="2">
-        <a:scrgbClr r="0" g="0" b="0"/>
-      </a:effectRef>
-      <a:fontRef idx="minor"/>
-    </dgm:style>
-  </dgm:styleLbl>
-  <dgm:styleLbl name="sibTrans2D1">
-    <dgm:scene3d>
-      <a:camera prst="orthographicFront"/>
-      <a:lightRig rig="threePt" dir="t"/>
-    </dgm:scene3d>
-    <dgm:sp3d/>
-    <dgm:txPr/>
-    <dgm:style>
-      <a:lnRef idx="0">
-        <a:scrgbClr r="0" g="0" b="0"/>
-      </a:lnRef>
-      <a:fillRef idx="3">
-        <a:scrgbClr r="0" g="0" b="0"/>
-      </a:fillRef>
-      <a:effectRef idx="2">
-        <a:scrgbClr r="0" g="0" b="0"/>
-      </a:effectRef>
-      <a:fontRef idx="minor">
-        <a:schemeClr val="lt1"/>
-      </a:fontRef>
-    </dgm:style>
-  </dgm:styleLbl>
-  <dgm:styleLbl name="fgSibTrans2D1">
-    <dgm:scene3d>
-      <a:camera prst="orthographicFront"/>
-      <a:lightRig rig="threePt" dir="t"/>
-    </dgm:scene3d>
-    <dgm:sp3d/>
-    <dgm:txPr/>
-    <dgm:style>
-      <a:lnRef idx="0">
-        <a:scrgbClr r="0" g="0" b="0"/>
-      </a:lnRef>
-      <a:fillRef idx="3">
-        <a:scrgbClr r="0" g="0" b="0"/>
-      </a:fillRef>
-      <a:effectRef idx="2">
-        <a:scrgbClr r="0" g="0" b="0"/>
-      </a:effectRef>
-      <a:fontRef idx="minor">
-        <a:schemeClr val="lt1"/>
-      </a:fontRef>
-    </dgm:style>
-  </dgm:styleLbl>
-  <dgm:styleLbl name="bgSibTrans2D1">
-    <dgm:scene3d>
-      <a:camera prst="orthographicFront"/>
-      <a:lightRig rig="threePt" dir="t"/>
-    </dgm:scene3d>
-    <dgm:sp3d/>
-    <dgm:txPr/>
-    <dgm:style>
-      <a:lnRef idx="0">
-        <a:scrgbClr r="0" g="0" b="0"/>
-      </a:lnRef>
-      <a:fillRef idx="3">
-        <a:scrgbClr r="0" g="0" b="0"/>
-      </a:fillRef>
-      <a:effectRef idx="2">
-        <a:scrgbClr r="0" g="0" b="0"/>
-      </a:effectRef>
-      <a:fontRef idx="minor">
-        <a:schemeClr val="lt1"/>
-      </a:fontRef>
-    </dgm:style>
-  </dgm:styleLbl>
-  <dgm:styleLbl name="sibTrans1D1">
-    <dgm:scene3d>
-      <a:camera prst="orthographicFront"/>
-      <a:lightRig rig="threePt" dir="t"/>
-    </dgm:scene3d>
-    <dgm:sp3d/>
-    <dgm:txPr/>
-    <dgm:style>
-      <a:lnRef idx="1">
-        <a:scrgbClr r="0" g="0" b="0"/>
-      </a:lnRef>
-      <a:fillRef idx="0">
-        <a:scrgbClr r="0" g="0" b="0"/>
-      </a:fillRef>
-      <a:effectRef idx="0">
-        <a:scrgbClr r="0" g="0" b="0"/>
-      </a:effectRef>
-      <a:fontRef idx="minor"/>
-    </dgm:style>
-  </dgm:styleLbl>
-  <dgm:styleLbl name="callout">
-    <dgm:scene3d>
-      <a:camera prst="orthographicFront"/>
-      <a:lightRig rig="threePt" dir="t"/>
-    </dgm:scene3d>
-    <dgm:sp3d/>
-    <dgm:txPr/>
-    <dgm:style>
-      <a:lnRef idx="2">
-        <a:scrgbClr r="0" g="0" b="0"/>
-      </a:lnRef>
-      <a:fillRef idx="1">
-        <a:scrgbClr r="0" g="0" b="0"/>
-      </a:fillRef>
-      <a:effectRef idx="1">
-        <a:scrgbClr r="0" g="0" b="0"/>
-      </a:effectRef>
-      <a:fontRef idx="minor"/>
-    </dgm:style>
-  </dgm:styleLbl>
-  <dgm:styleLbl name="asst0">
-    <dgm:scene3d>
-      <a:camera prst="orthographicFront"/>
-      <a:lightRig rig="threePt" dir="t"/>
-    </dgm:scene3d>
-    <dgm:sp3d/>
-    <dgm:txPr/>
-    <dgm:style>
-      <a:lnRef idx="0">
-        <a:scrgbClr r="0" g="0" b="0"/>
-      </a:lnRef>
-      <a:fillRef idx="3">
-        <a:scrgbClr r="0" g="0" b="0"/>
-      </a:fillRef>
-      <a:effectRef idx="2">
-        <a:scrgbClr r="0" g="0" b="0"/>
-      </a:effectRef>
-      <a:fontRef idx="minor">
-        <a:schemeClr val="lt1"/>
-      </a:fontRef>
-    </dgm:style>
-  </dgm:styleLbl>
-  <dgm:styleLbl name="asst1">
-    <dgm:scene3d>
-      <a:camera prst="orthographicFront"/>
-      <a:lightRig rig="threePt" dir="t"/>
-    </dgm:scene3d>
-    <dgm:sp3d/>
-    <dgm:txPr/>
-    <dgm:style>
-      <a:lnRef idx="0">
-        <a:scrgbClr r="0" g="0" b="0"/>
-      </a:lnRef>
-      <a:fillRef idx="3">
-        <a:scrgbClr r="0" g="0" b="0"/>
-      </a:fillRef>
-      <a:effectRef idx="2">
-        <a:scrgbClr r="0" g="0" b="0"/>
-      </a:effectRef>
-      <a:fontRef idx="minor">
-        <a:schemeClr val="lt1"/>
-      </a:fontRef>
-    </dgm:style>
-  </dgm:styleLbl>
-  <dgm:styleLbl name="asst2">
-    <dgm:scene3d>
-      <a:camera prst="orthographicFront"/>
-      <a:lightRig rig="threePt" dir="t"/>
-    </dgm:scene3d>
-    <dgm:sp3d/>
-    <dgm:txPr/>
-    <dgm:style>
-      <a:lnRef idx="0">
-        <a:scrgbClr r="0" g="0" b="0"/>
-      </a:lnRef>
-      <a:fillRef idx="3">
-        <a:scrgbClr r="0" g="0" b="0"/>
-      </a:fillRef>
-      <a:effectRef idx="2">
-        <a:scrgbClr r="0" g="0" b="0"/>
-      </a:effectRef>
-      <a:fontRef idx="minor">
-        <a:schemeClr val="lt1"/>
-      </a:fontRef>
-    </dgm:style>
-  </dgm:styleLbl>
-  <dgm:styleLbl name="asst3">
-    <dgm:scene3d>
-      <a:camera prst="orthographicFront"/>
-      <a:lightRig rig="threePt" dir="t"/>
-    </dgm:scene3d>
-    <dgm:sp3d/>
-    <dgm:txPr/>
-    <dgm:style>
-      <a:lnRef idx="0">
-        <a:scrgbClr r="0" g="0" b="0"/>
-      </a:lnRef>
-      <a:fillRef idx="3">
-        <a:scrgbClr r="0" g="0" b="0"/>
-      </a:fillRef>
-      <a:effectRef idx="2">
-        <a:scrgbClr r="0" g="0" b="0"/>
-      </a:effectRef>
-      <a:fontRef idx="minor">
-        <a:schemeClr val="lt1"/>
-      </a:fontRef>
-    </dgm:style>
-  </dgm:styleLbl>
-  <dgm:styleLbl name="asst4">
-    <dgm:scene3d>
-      <a:camera prst="orthographicFront"/>
-      <a:lightRig rig="threePt" dir="t"/>
-    </dgm:scene3d>
-    <dgm:sp3d/>
-    <dgm:txPr/>
-    <dgm:style>
-      <a:lnRef idx="0">
-        <a:scrgbClr r="0" g="0" b="0"/>
-      </a:lnRef>
-      <a:fillRef idx="3">
-        <a:scrgbClr r="0" g="0" b="0"/>
-      </a:fillRef>
-      <a:effectRef idx="2">
-        <a:scrgbClr r="0" g="0" b="0"/>
-      </a:effectRef>
-      <a:fontRef idx="minor">
-        <a:schemeClr val="lt1"/>
-      </a:fontRef>
-    </dgm:style>
-  </dgm:styleLbl>
-  <dgm:styleLbl name="parChTrans2D1">
-    <dgm:scene3d>
-      <a:camera prst="orthographicFront"/>
-      <a:lightRig rig="threePt" dir="t"/>
-    </dgm:scene3d>
-    <dgm:sp3d/>
-    <dgm:txPr/>
-    <dgm:style>
-      <a:lnRef idx="0">
-        <a:scrgbClr r="0" g="0" b="0"/>
-      </a:lnRef>
-      <a:fillRef idx="3">
-        <a:scrgbClr r="0" g="0" b="0"/>
-      </a:fillRef>
-      <a:effectRef idx="2">
-        <a:scrgbClr r="0" g="0" b="0"/>
-      </a:effectRef>
-      <a:fontRef idx="minor">
-        <a:schemeClr val="lt1"/>
-      </a:fontRef>
-    </dgm:style>
-  </dgm:styleLbl>
-  <dgm:styleLbl name="parChTrans2D2">
-    <dgm:scene3d>
-      <a:camera prst="orthographicFront"/>
-      <a:lightRig rig="threePt" dir="t"/>
-    </dgm:scene3d>
-    <dgm:sp3d/>
-    <dgm:txPr/>
-    <dgm:style>
-      <a:lnRef idx="0">
-        <a:scrgbClr r="0" g="0" b="0"/>
-      </a:lnRef>
-      <a:fillRef idx="3">
-        <a:scrgbClr r="0" g="0" b="0"/>
-      </a:fillRef>
-      <a:effectRef idx="2">
-        <a:scrgbClr r="0" g="0" b="0"/>
-      </a:effectRef>
-      <a:fontRef idx="minor">
-        <a:schemeClr val="lt1"/>
-      </a:fontRef>
-    </dgm:style>
-  </dgm:styleLbl>
-  <dgm:styleLbl name="parChTrans2D3">
-    <dgm:scene3d>
-      <a:camera prst="orthographicFront"/>
-      <a:lightRig rig="threePt" dir="t"/>
-    </dgm:scene3d>
-    <dgm:sp3d/>
-    <dgm:txPr/>
-    <dgm:style>
-      <a:lnRef idx="1">
-        <a:scrgbClr r="0" g="0" b="0"/>
-      </a:lnRef>
-      <a:fillRef idx="3">
-        <a:scrgbClr r="0" g="0" b="0"/>
-      </a:fillRef>
-      <a:effectRef idx="2">
-        <a:scrgbClr r="0" g="0" b="0"/>
-      </a:effectRef>
-      <a:fontRef idx="minor">
-        <a:schemeClr val="lt1"/>
-      </a:fontRef>
-    </dgm:style>
-  </dgm:styleLbl>
-  <dgm:styleLbl name="parChTrans2D4">
-    <dgm:scene3d>
-      <a:camera prst="orthographicFront"/>
-      <a:lightRig rig="threePt" dir="t"/>
-    </dgm:scene3d>
-    <dgm:sp3d/>
-    <dgm:txPr/>
-    <dgm:style>
-      <a:lnRef idx="1">
-        <a:scrgbClr r="0" g="0" b="0"/>
-      </a:lnRef>
-      <a:fillRef idx="3">
-        <a:scrgbClr r="0" g="0" b="0"/>
-      </a:fillRef>
-      <a:effectRef idx="2">
-        <a:scrgbClr r="0" g="0" b="0"/>
-      </a:effectRef>
-      <a:fontRef idx="minor">
-        <a:schemeClr val="lt1"/>
-      </a:fontRef>
-    </dgm:style>
-  </dgm:styleLbl>
-  <dgm:styleLbl name="parChTrans1D1">
-    <dgm:scene3d>
-      <a:camera prst="orthographicFront"/>
-      <a:lightRig rig="threePt" dir="t"/>
-    </dgm:scene3d>
-    <dgm:sp3d/>
-    <dgm:txPr/>
-    <dgm:style>
-      <a:lnRef idx="1">
-        <a:scrgbClr r="0" g="0" b="0"/>
-      </a:lnRef>
-      <a:fillRef idx="0">
-        <a:scrgbClr r="0" g="0" b="0"/>
-      </a:fillRef>
-      <a:effectRef idx="0">
-        <a:scrgbClr r="0" g="0" b="0"/>
-      </a:effectRef>
-      <a:fontRef idx="minor"/>
-    </dgm:style>
-  </dgm:styleLbl>
-  <dgm:styleLbl name="parChTrans1D2">
-    <dgm:scene3d>
-      <a:camera prst="orthographicFront"/>
-      <a:lightRig rig="threePt" dir="t"/>
-    </dgm:scene3d>
-    <dgm:sp3d/>
-    <dgm:txPr/>
-    <dgm:style>
-      <a:lnRef idx="1">
-        <a:scrgbClr r="0" g="0" b="0"/>
-      </a:lnRef>
-      <a:fillRef idx="0">
-        <a:scrgbClr r="0" g="0" b="0"/>
-      </a:fillRef>
-      <a:effectRef idx="0">
-        <a:scrgbClr r="0" g="0" b="0"/>
-      </a:effectRef>
-      <a:fontRef idx="minor"/>
-    </dgm:style>
-  </dgm:styleLbl>
-  <dgm:styleLbl name="parChTrans1D3">
-    <dgm:scene3d>
-      <a:camera prst="orthographicFront"/>
-      <a:lightRig rig="threePt" dir="t"/>
-    </dgm:scene3d>
-    <dgm:sp3d/>
-    <dgm:txPr/>
-    <dgm:style>
-      <a:lnRef idx="1">
-        <a:scrgbClr r="0" g="0" b="0"/>
-      </a:lnRef>
-      <a:fillRef idx="0">
-        <a:scrgbClr r="0" g="0" b="0"/>
-      </a:fillRef>
-      <a:effectRef idx="0">
-        <a:scrgbClr r="0" g="0" b="0"/>
-      </a:effectRef>
-      <a:fontRef idx="minor"/>
-    </dgm:style>
-  </dgm:styleLbl>
-  <dgm:styleLbl name="parChTrans1D4">
-    <dgm:scene3d>
-      <a:camera prst="orthographicFront"/>
-      <a:lightRig rig="threePt" dir="t"/>
-    </dgm:scene3d>
-    <dgm:sp3d/>
-    <dgm:txPr/>
-    <dgm:style>
-      <a:lnRef idx="1">
-        <a:scrgbClr r="0" g="0" b="0"/>
-      </a:lnRef>
-      <a:fillRef idx="0">
-        <a:scrgbClr r="0" g="0" b="0"/>
-      </a:fillRef>
-      <a:effectRef idx="0">
-        <a:scrgbClr r="0" g="0" b="0"/>
-      </a:effectRef>
-      <a:fontRef idx="minor"/>
-    </dgm:style>
-  </dgm:styleLbl>
-  <dgm:styleLbl name="fgAcc1">
-    <dgm:scene3d>
-      <a:camera prst="orthographicFront"/>
-      <a:lightRig rig="threePt" dir="t"/>
-    </dgm:scene3d>
-    <dgm:sp3d/>
-    <dgm:txPr/>
-    <dgm:style>
-      <a:lnRef idx="1">
-        <a:scrgbClr r="0" g="0" b="0"/>
-      </a:lnRef>
-      <a:fillRef idx="1">
-        <a:scrgbClr r="0" g="0" b="0"/>
-      </a:fillRef>
-      <a:effectRef idx="0">
-        <a:scrgbClr r="0" g="0" b="0"/>
-      </a:effectRef>
-      <a:fontRef idx="minor"/>
-    </dgm:style>
-  </dgm:styleLbl>
-  <dgm:styleLbl name="conFgAcc1">
-    <dgm:scene3d>
-      <a:camera prst="orthographicFront"/>
-      <a:lightRig rig="threePt" dir="t"/>
-    </dgm:scene3d>
-    <dgm:sp3d/>
-    <dgm:txPr/>
-    <dgm:style>
-      <a:lnRef idx="1">
-        <a:scrgbClr r="0" g="0" b="0"/>
-      </a:lnRef>
-      <a:fillRef idx="1">
-        <a:scrgbClr r="0" g="0" b="0"/>
-      </a:fillRef>
-      <a:effectRef idx="0">
-        <a:scrgbClr r="0" g="0" b="0"/>
-      </a:effectRef>
-      <a:fontRef idx="minor"/>
-    </dgm:style>
-  </dgm:styleLbl>
-  <dgm:styleLbl name="alignAcc1">
-    <dgm:scene3d>
-      <a:camera prst="orthographicFront"/>
-      <a:lightRig rig="threePt" dir="t"/>
-    </dgm:scene3d>
-    <dgm:sp3d/>
-    <dgm:txPr/>
-    <dgm:style>
-      <a:lnRef idx="1">
-        <a:scrgbClr r="0" g="0" b="0"/>
-      </a:lnRef>
-      <a:fillRef idx="1">
-        <a:scrgbClr r="0" g="0" b="0"/>
-      </a:fillRef>
-      <a:effectRef idx="0">
-        <a:scrgbClr r="0" g="0" b="0"/>
-      </a:effectRef>
-      <a:fontRef idx="minor"/>
-    </dgm:style>
-  </dgm:styleLbl>
-  <dgm:styleLbl name="trAlignAcc1">
-    <dgm:scene3d>
-      <a:camera prst="orthographicFront"/>
-      <a:lightRig rig="threePt" dir="t"/>
-    </dgm:scene3d>
-    <dgm:sp3d/>
-    <dgm:txPr/>
-    <dgm:style>
-      <a:lnRef idx="1">
-        <a:scrgbClr r="0" g="0" b="0"/>
-      </a:lnRef>
-      <a:fillRef idx="1">
-        <a:scrgbClr r="0" g="0" b="0"/>
-      </a:fillRef>
-      <a:effectRef idx="0">
-        <a:scrgbClr r="0" g="0" b="0"/>
-      </a:effectRef>
-      <a:fontRef idx="minor"/>
-    </dgm:style>
-  </dgm:styleLbl>
-  <dgm:styleLbl name="bgAcc1">
-    <dgm:scene3d>
-      <a:camera prst="orthographicFront"/>
-      <a:lightRig rig="threePt" dir="t"/>
-    </dgm:scene3d>
-    <dgm:sp3d/>
-    <dgm:txPr/>
-    <dgm:style>
-      <a:lnRef idx="1">
-        <a:scrgbClr r="0" g="0" b="0"/>
-      </a:lnRef>
-      <a:fillRef idx="1">
-        <a:scrgbClr r="0" g="0" b="0"/>
-      </a:fillRef>
-      <a:effectRef idx="0">
-        <a:scrgbClr r="0" g="0" b="0"/>
-      </a:effectRef>
-      <a:fontRef idx="minor"/>
-    </dgm:style>
-  </dgm:styleLbl>
-  <dgm:styleLbl name="solidFgAcc1">
-    <dgm:scene3d>
-      <a:camera prst="orthographicFront"/>
-      <a:lightRig rig="threePt" dir="t"/>
-    </dgm:scene3d>
-    <dgm:sp3d/>
-    <dgm:txPr/>
-    <dgm:style>
-      <a:lnRef idx="1">
-        <a:scrgbClr r="0" g="0" b="0"/>
-      </a:lnRef>
-      <a:fillRef idx="1">
-        <a:scrgbClr r="0" g="0" b="0"/>
-      </a:fillRef>
-      <a:effectRef idx="0">
-        <a:scrgbClr r="0" g="0" b="0"/>
-      </a:effectRef>
-      <a:fontRef idx="minor"/>
-    </dgm:style>
-  </dgm:styleLbl>
-  <dgm:styleLbl name="solidAlignAcc1">
-    <dgm:scene3d>
-      <a:camera prst="orthographicFront"/>
-      <a:lightRig rig="threePt" dir="t"/>
-    </dgm:scene3d>
-    <dgm:sp3d/>
-    <dgm:txPr/>
-    <dgm:style>
-      <a:lnRef idx="1">
-        <a:scrgbClr r="0" g="0" b="0"/>
-      </a:lnRef>
-      <a:fillRef idx="1">
-        <a:scrgbClr r="0" g="0" b="0"/>
-      </a:fillRef>
-      <a:effectRef idx="0">
-        <a:scrgbClr r="0" g="0" b="0"/>
-      </a:effectRef>
-      <a:fontRef idx="minor"/>
-    </dgm:style>
-  </dgm:styleLbl>
-  <dgm:styleLbl name="solidBgAcc1">
-    <dgm:scene3d>
-      <a:camera prst="orthographicFront"/>
-      <a:lightRig rig="threePt" dir="t"/>
-    </dgm:scene3d>
-    <dgm:sp3d/>
-    <dgm:txPr/>
-    <dgm:style>
-      <a:lnRef idx="1">
-        <a:scrgbClr r="0" g="0" b="0"/>
-      </a:lnRef>
-      <a:fillRef idx="1">
-        <a:scrgbClr r="0" g="0" b="0"/>
-      </a:fillRef>
-      <a:effectRef idx="0">
-        <a:scrgbClr r="0" g="0" b="0"/>
-      </a:effectRef>
-      <a:fontRef idx="minor"/>
-    </dgm:style>
-  </dgm:styleLbl>
-  <dgm:styleLbl name="fgAccFollowNode1">
-    <dgm:scene3d>
-      <a:camera prst="orthographicFront"/>
-      <a:lightRig rig="threePt" dir="t"/>
-    </dgm:scene3d>
-    <dgm:sp3d/>
-    <dgm:txPr/>
-    <dgm:style>
-      <a:lnRef idx="1">
-        <a:scrgbClr r="0" g="0" b="0"/>
-      </a:lnRef>
-      <a:fillRef idx="1">
-        <a:scrgbClr r="0" g="0" b="0"/>
-      </a:fillRef>
-      <a:effectRef idx="0">
-        <a:scrgbClr r="0" g="0" b="0"/>
-      </a:effectRef>
-      <a:fontRef idx="minor"/>
-    </dgm:style>
-  </dgm:styleLbl>
-  <dgm:styleLbl name="alignAccFollowNode1">
-    <dgm:scene3d>
-      <a:camera prst="orthographicFront"/>
-      <a:lightRig rig="threePt" dir="t"/>
-    </dgm:scene3d>
-    <dgm:sp3d/>
-    <dgm:txPr/>
-    <dgm:style>
-      <a:lnRef idx="1">
-        <a:scrgbClr r="0" g="0" b="0"/>
-      </a:lnRef>
-      <a:fillRef idx="1">
-        <a:scrgbClr r="0" g="0" b="0"/>
-      </a:fillRef>
-      <a:effectRef idx="0">
-        <a:scrgbClr r="0" g="0" b="0"/>
-      </a:effectRef>
-      <a:fontRef idx="minor"/>
-    </dgm:style>
-  </dgm:styleLbl>
-  <dgm:styleLbl name="bgAccFollowNode1">
-    <dgm:scene3d>
-      <a:camera prst="orthographicFront"/>
-      <a:lightRig rig="threePt" dir="t"/>
-    </dgm:scene3d>
-    <dgm:sp3d/>
-    <dgm:txPr/>
-    <dgm:style>
-      <a:lnRef idx="1">
-        <a:scrgbClr r="0" g="0" b="0"/>
-      </a:lnRef>
-      <a:fillRef idx="1">
-        <a:scrgbClr r="0" g="0" b="0"/>
-      </a:fillRef>
-      <a:effectRef idx="0">
-        <a:scrgbClr r="0" g="0" b="0"/>
-      </a:effectRef>
-      <a:fontRef idx="minor"/>
-    </dgm:style>
-  </dgm:styleLbl>
-  <dgm:styleLbl name="fgAcc0">
-    <dgm:scene3d>
-      <a:camera prst="orthographicFront"/>
-      <a:lightRig rig="threePt" dir="t"/>
-    </dgm:scene3d>
-    <dgm:sp3d/>
-    <dgm:txPr/>
-    <dgm:style>
-      <a:lnRef idx="1">
-        <a:scrgbClr r="0" g="0" b="0"/>
-      </a:lnRef>
-      <a:fillRef idx="1">
-        <a:scrgbClr r="0" g="0" b="0"/>
-      </a:fillRef>
-      <a:effectRef idx="0">
-        <a:scrgbClr r="0" g="0" b="0"/>
-      </a:effectRef>
-      <a:fontRef idx="minor"/>
-    </dgm:style>
-  </dgm:styleLbl>
-  <dgm:styleLbl name="fgAcc2">
-    <dgm:scene3d>
-      <a:camera prst="orthographicFront"/>
-      <a:lightRig rig="threePt" dir="t"/>
-    </dgm:scene3d>
-    <dgm:sp3d/>
-    <dgm:txPr/>
-    <dgm:style>
-      <a:lnRef idx="1">
-        <a:scrgbClr r="0" g="0" b="0"/>
-      </a:lnRef>
-      <a:fillRef idx="1">
-        <a:scrgbClr r="0" g="0" b="0"/>
-      </a:fillRef>
-      <a:effectRef idx="0">
-        <a:scrgbClr r="0" g="0" b="0"/>
-      </a:effectRef>
-      <a:fontRef idx="minor"/>
-    </dgm:style>
-  </dgm:styleLbl>
-  <dgm:styleLbl name="fgAcc3">
-    <dgm:scene3d>
-      <a:camera prst="orthographicFront"/>
-      <a:lightRig rig="threePt" dir="t"/>
-    </dgm:scene3d>
-    <dgm:sp3d/>
-    <dgm:txPr/>
-    <dgm:style>
-      <a:lnRef idx="1">
-        <a:scrgbClr r="0" g="0" b="0"/>
-      </a:lnRef>
-      <a:fillRef idx="1">
-        <a:scrgbClr r="0" g="0" b="0"/>
-      </a:fillRef>
-      <a:effectRef idx="0">
-        <a:scrgbClr r="0" g="0" b="0"/>
-      </a:effectRef>
-      <a:fontRef idx="minor"/>
-    </dgm:style>
-  </dgm:styleLbl>
-  <dgm:styleLbl name="fgAcc4">
-    <dgm:scene3d>
-      <a:camera prst="orthographicFront"/>
-      <a:lightRig rig="threePt" dir="t"/>
-    </dgm:scene3d>
-    <dgm:sp3d/>
-    <dgm:txPr/>
-    <dgm:style>
-      <a:lnRef idx="1">
-        <a:scrgbClr r="0" g="0" b="0"/>
-      </a:lnRef>
-      <a:fillRef idx="1">
-        <a:scrgbClr r="0" g="0" b="0"/>
-      </a:fillRef>
-      <a:effectRef idx="0">
-        <a:scrgbClr r="0" g="0" b="0"/>
-      </a:effectRef>
-      <a:fontRef idx="minor"/>
-    </dgm:style>
-  </dgm:styleLbl>
-  <dgm:styleLbl name="bgShp">
-    <dgm:scene3d>
-      <a:camera prst="orthographicFront"/>
-      <a:lightRig rig="threePt" dir="t"/>
-    </dgm:scene3d>
-    <dgm:sp3d/>
-    <dgm:txPr/>
-    <dgm:style>
-      <a:lnRef idx="0">
-        <a:scrgbClr r="0" g="0" b="0"/>
-      </a:lnRef>
-      <a:fillRef idx="1">
-        <a:scrgbClr r="0" g="0" b="0"/>
-      </a:fillRef>
-      <a:effectRef idx="2">
-        <a:scrgbClr r="0" g="0" b="0"/>
-      </a:effectRef>
-      <a:fontRef idx="minor"/>
-    </dgm:style>
-  </dgm:styleLbl>
-  <dgm:styleLbl name="dkBgShp">
-    <dgm:scene3d>
-      <a:camera prst="orthographicFront"/>
-      <a:lightRig rig="threePt" dir="t"/>
-    </dgm:scene3d>
-    <dgm:sp3d/>
-    <dgm:txPr/>
-    <dgm:style>
-      <a:lnRef idx="0">
-        <a:scrgbClr r="0" g="0" b="0"/>
-      </a:lnRef>
-      <a:fillRef idx="1">
-        <a:scrgbClr r="0" g="0" b="0"/>
-      </a:fillRef>
-      <a:effectRef idx="2">
-        <a:scrgbClr r="0" g="0" b="0"/>
-      </a:effectRef>
-      <a:fontRef idx="minor"/>
-    </dgm:style>
-  </dgm:styleLbl>
-  <dgm:styleLbl name="trBgShp">
-    <dgm:scene3d>
-      <a:camera prst="orthographicFront"/>
-      <a:lightRig rig="threePt" dir="t"/>
-    </dgm:scene3d>
-    <dgm:sp3d/>
-    <dgm:txPr/>
-    <dgm:style>
-      <a:lnRef idx="0">
-        <a:scrgbClr r="0" g="0" b="0"/>
-      </a:lnRef>
-      <a:fillRef idx="1">
-        <a:scrgbClr r="0" g="0" b="0"/>
-      </a:fillRef>
-      <a:effectRef idx="0">
-        <a:scrgbClr r="0" g="0" b="0"/>
-      </a:effectRef>
-      <a:fontRef idx="minor"/>
-    </dgm:style>
-  </dgm:styleLbl>
-  <dgm:styleLbl name="fgShp">
-    <dgm:scene3d>
-      <a:camera prst="orthographicFront"/>
-      <a:lightRig rig="threePt" dir="t"/>
-    </dgm:scene3d>
-    <dgm:sp3d/>
-    <dgm:txPr/>
-    <dgm:style>
-      <a:lnRef idx="0">
-        <a:scrgbClr r="0" g="0" b="0"/>
-      </a:lnRef>
-      <a:fillRef idx="3">
-        <a:scrgbClr r="0" g="0" b="0"/>
-      </a:fillRef>
-      <a:effectRef idx="2">
-        <a:scrgbClr r="0" g="0" b="0"/>
-      </a:effectRef>
-      <a:fontRef idx="minor"/>
-    </dgm:style>
-  </dgm:styleLbl>
-  <dgm:styleLbl name="revTx">
-    <dgm:scene3d>
-      <a:camera prst="orthographicFront"/>
-      <a:lightRig rig="threePt" dir="t"/>
-    </dgm:scene3d>
-    <dgm:sp3d/>
-    <dgm:txPr/>
-    <dgm:style>
-      <a:lnRef idx="0">
-        <a:scrgbClr r="0" g="0" b="0"/>
-      </a:lnRef>
-      <a:fillRef idx="0">
-        <a:scrgbClr r="0" g="0" b="0"/>
-      </a:fillRef>
-      <a:effectRef idx="0">
-        <a:scrgbClr r="0" g="0" b="0"/>
-      </a:effectRef>
-      <a:fontRef idx="minor"/>
-    </dgm:style>
-  </dgm:styleLbl>
-</dgm:styleDef>
-</file>
-
 <file path=ppt/notesMasters/notesMaster1.xml><?xml version="1.0" encoding="utf-8"?>
 <p:notesMaster xmlns:a="http://schemas.openxmlformats.org/drawingml/2006/main" xmlns:r="http://schemas.openxmlformats.org/officeDocument/2006/relationships" xmlns:p="http://schemas.openxmlformats.org/presentationml/2006/main">
   <p:cSld>
@@ -3132,7 +214,7 @@
           <a:p>
             <a:fld id="{739D4450-3347-4905-854C-CBA81B4E97C7}" type="datetimeFigureOut">
               <a:rPr lang="en-US" smtClean="0"/>
-              <a:t>4/10/2020</a:t>
+              <a:t>4/11/2020</a:t>
             </a:fld>
             <a:endParaRPr lang="en-US"/>
           </a:p>
@@ -3443,7 +525,7 @@
           <a:bodyPr/>
           <a:lstStyle/>
           <a:p>
-            <a:endParaRPr lang="en-US"/>
+            <a:endParaRPr lang="en-US" dirty="0"/>
           </a:p>
         </p:txBody>
       </p:sp>
@@ -3464,7 +546,7 @@
           <a:p>
             <a:fld id="{81A129D8-DD59-42DC-A2A2-B5C5A49C3CE1}" type="slidenum">
               <a:rPr lang="en-US" smtClean="0"/>
-              <a:t>1</a:t>
+              <a:t>2</a:t>
             </a:fld>
             <a:endParaRPr lang="en-US"/>
           </a:p>
@@ -3473,211 +555,7 @@
     </p:spTree>
     <p:extLst>
       <p:ext uri="{BB962C8B-B14F-4D97-AF65-F5344CB8AC3E}">
-        <p14:creationId xmlns:p14="http://schemas.microsoft.com/office/powerpoint/2010/main" val="208894918"/>
-      </p:ext>
-    </p:extLst>
-  </p:cSld>
-  <p:clrMapOvr>
-    <a:masterClrMapping/>
-  </p:clrMapOvr>
-</p:notes>
-</file>
-
-<file path=ppt/notesSlides/notesSlide2.xml><?xml version="1.0" encoding="utf-8"?>
-<p:notes xmlns:a="http://schemas.openxmlformats.org/drawingml/2006/main" xmlns:r="http://schemas.openxmlformats.org/officeDocument/2006/relationships" xmlns:p="http://schemas.openxmlformats.org/presentationml/2006/main">
-  <p:cSld>
-    <p:spTree>
-      <p:nvGrpSpPr>
-        <p:cNvPr id="1" name=""/>
-        <p:cNvGrpSpPr/>
-        <p:nvPr/>
-      </p:nvGrpSpPr>
-      <p:grpSpPr>
-        <a:xfrm>
-          <a:off x="0" y="0"/>
-          <a:ext cx="0" cy="0"/>
-          <a:chOff x="0" y="0"/>
-          <a:chExt cx="0" cy="0"/>
-        </a:xfrm>
-      </p:grpSpPr>
-      <p:sp>
-        <p:nvSpPr>
-          <p:cNvPr id="2" name="Slide Image Placeholder 1"/>
-          <p:cNvSpPr>
-            <a:spLocks noGrp="1" noRot="1" noChangeAspect="1"/>
-          </p:cNvSpPr>
-          <p:nvPr>
-            <p:ph type="sldImg"/>
-          </p:nvPr>
-        </p:nvSpPr>
-        <p:spPr/>
-      </p:sp>
-      <p:sp>
-        <p:nvSpPr>
-          <p:cNvPr id="3" name="Notes Placeholder 2"/>
-          <p:cNvSpPr>
-            <a:spLocks noGrp="1"/>
-          </p:cNvSpPr>
-          <p:nvPr>
-            <p:ph type="body" idx="1"/>
-          </p:nvPr>
-        </p:nvSpPr>
-        <p:spPr/>
-        <p:txBody>
-          <a:bodyPr/>
-          <a:lstStyle/>
-          <a:p>
-            <a:endParaRPr lang="en-US" dirty="0"/>
-          </a:p>
-        </p:txBody>
-      </p:sp>
-      <p:sp>
-        <p:nvSpPr>
-          <p:cNvPr id="4" name="Slide Number Placeholder 3"/>
-          <p:cNvSpPr>
-            <a:spLocks noGrp="1"/>
-          </p:cNvSpPr>
-          <p:nvPr>
-            <p:ph type="sldNum" sz="quarter" idx="5"/>
-          </p:nvPr>
-        </p:nvSpPr>
-        <p:spPr/>
-        <p:txBody>
-          <a:bodyPr/>
-          <a:lstStyle/>
-          <a:p>
-            <a:fld id="{81A129D8-DD59-42DC-A2A2-B5C5A49C3CE1}" type="slidenum">
-              <a:rPr lang="en-US" smtClean="0"/>
-              <a:t>4</a:t>
-            </a:fld>
-            <a:endParaRPr lang="en-US"/>
-          </a:p>
-        </p:txBody>
-      </p:sp>
-    </p:spTree>
-    <p:extLst>
-      <p:ext uri="{BB962C8B-B14F-4D97-AF65-F5344CB8AC3E}">
-        <p14:creationId xmlns:p14="http://schemas.microsoft.com/office/powerpoint/2010/main" val="4038160440"/>
-      </p:ext>
-    </p:extLst>
-  </p:cSld>
-  <p:clrMapOvr>
-    <a:masterClrMapping/>
-  </p:clrMapOvr>
-</p:notes>
-</file>
-
-<file path=ppt/notesSlides/notesSlide3.xml><?xml version="1.0" encoding="utf-8"?>
-<p:notes xmlns:a="http://schemas.openxmlformats.org/drawingml/2006/main" xmlns:r="http://schemas.openxmlformats.org/officeDocument/2006/relationships" xmlns:p="http://schemas.openxmlformats.org/presentationml/2006/main">
-  <p:cSld>
-    <p:spTree>
-      <p:nvGrpSpPr>
-        <p:cNvPr id="1" name=""/>
-        <p:cNvGrpSpPr/>
-        <p:nvPr/>
-      </p:nvGrpSpPr>
-      <p:grpSpPr>
-        <a:xfrm>
-          <a:off x="0" y="0"/>
-          <a:ext cx="0" cy="0"/>
-          <a:chOff x="0" y="0"/>
-          <a:chExt cx="0" cy="0"/>
-        </a:xfrm>
-      </p:grpSpPr>
-      <p:sp>
-        <p:nvSpPr>
-          <p:cNvPr id="2" name="Slide Image Placeholder 1"/>
-          <p:cNvSpPr>
-            <a:spLocks noGrp="1" noRot="1" noChangeAspect="1"/>
-          </p:cNvSpPr>
-          <p:nvPr>
-            <p:ph type="sldImg"/>
-          </p:nvPr>
-        </p:nvSpPr>
-        <p:spPr/>
-      </p:sp>
-      <p:sp>
-        <p:nvSpPr>
-          <p:cNvPr id="3" name="Notes Placeholder 2"/>
-          <p:cNvSpPr>
-            <a:spLocks noGrp="1"/>
-          </p:cNvSpPr>
-          <p:nvPr>
-            <p:ph type="body" idx="1"/>
-          </p:nvPr>
-        </p:nvSpPr>
-        <p:spPr/>
-        <p:txBody>
-          <a:bodyPr/>
-          <a:lstStyle/>
-          <a:p>
-            <a:r>
-              <a:rPr lang="en-US" dirty="0">
-                <a:hlinkClick r:id="rId3"/>
-              </a:rPr>
-              <a:t>https://www.websequencediagrams.com/</a:t>
-            </a:r>
-            <a:endParaRPr lang="en-US" dirty="0"/>
-          </a:p>
-          <a:p>
-            <a:r>
-              <a:rPr lang="en-US" dirty="0"/>
-              <a:t>title </a:t>
-            </a:r>
-            <a:r>
-              <a:rPr lang="en-US" dirty="0" err="1"/>
-              <a:t>RepudiationAlice</a:t>
-            </a:r>
-            <a:r>
-              <a:rPr lang="en-US" dirty="0"/>
-              <a:t>-&gt;Bob: Loans 100$Bob-&gt;Account: Adds to </a:t>
-            </a:r>
-            <a:r>
-              <a:rPr lang="en-US" dirty="0" err="1"/>
-              <a:t>balanceAccount</a:t>
-            </a:r>
-            <a:r>
-              <a:rPr lang="en-US" dirty="0"/>
-              <a:t>-&gt;Bob: </a:t>
-            </a:r>
-            <a:r>
-              <a:rPr lang="en-US" dirty="0" err="1"/>
-              <a:t>ConfirmBob</a:t>
-            </a:r>
-            <a:r>
-              <a:rPr lang="en-US" dirty="0"/>
-              <a:t>-&gt;Alice: Never received the money</a:t>
-            </a:r>
-          </a:p>
-        </p:txBody>
-      </p:sp>
-      <p:sp>
-        <p:nvSpPr>
-          <p:cNvPr id="4" name="Slide Number Placeholder 3"/>
-          <p:cNvSpPr>
-            <a:spLocks noGrp="1"/>
-          </p:cNvSpPr>
-          <p:nvPr>
-            <p:ph type="sldNum" sz="quarter" idx="5"/>
-          </p:nvPr>
-        </p:nvSpPr>
-        <p:spPr/>
-        <p:txBody>
-          <a:bodyPr/>
-          <a:lstStyle/>
-          <a:p>
-            <a:fld id="{81A129D8-DD59-42DC-A2A2-B5C5A49C3CE1}" type="slidenum">
-              <a:rPr lang="en-US" smtClean="0"/>
-              <a:t>7</a:t>
-            </a:fld>
-            <a:endParaRPr lang="en-US"/>
-          </a:p>
-        </p:txBody>
-      </p:sp>
-    </p:spTree>
-    <p:extLst>
-      <p:ext uri="{BB962C8B-B14F-4D97-AF65-F5344CB8AC3E}">
-        <p14:creationId xmlns:p14="http://schemas.microsoft.com/office/powerpoint/2010/main" val="3719440335"/>
+        <p14:creationId xmlns:p14="http://schemas.microsoft.com/office/powerpoint/2010/main" val="324653827"/>
       </p:ext>
     </p:extLst>
   </p:cSld>
@@ -3872,7 +750,7 @@
           <a:p>
             <a:fld id="{88D38747-4367-4BD2-8D51-C97E202738E2}" type="datetime1">
               <a:rPr lang="en-US" smtClean="0"/>
-              <a:t>4/10/2020</a:t>
+              <a:t>4/11/2020</a:t>
             </a:fld>
             <a:endParaRPr lang="en-US" dirty="0"/>
           </a:p>
@@ -4177,7 +1055,7 @@
           <a:p>
             <a:fld id="{11F1B079-7EF0-44EE-B798-BCC497C9F3B2}" type="datetime1">
               <a:rPr lang="en-US" smtClean="0"/>
-              <a:t>4/10/2020</a:t>
+              <a:t>4/11/2020</a:t>
             </a:fld>
             <a:endParaRPr lang="en-US" dirty="0"/>
           </a:p>
@@ -4371,7 +1249,7 @@
           <a:p>
             <a:fld id="{28FF70A8-1D13-4657-95F0-A9EA54967B8D}" type="datetime1">
               <a:rPr lang="en-US" smtClean="0"/>
-              <a:t>4/10/2020</a:t>
+              <a:t>4/11/2020</a:t>
             </a:fld>
             <a:endParaRPr lang="en-US" dirty="0"/>
           </a:p>
@@ -4634,7 +1512,7 @@
           <a:p>
             <a:fld id="{21EB90AC-71BD-4C7F-8ACA-7B3F18292E63}" type="datetime1">
               <a:rPr lang="en-US" smtClean="0"/>
-              <a:t>4/10/2020</a:t>
+              <a:t>4/11/2020</a:t>
             </a:fld>
             <a:endParaRPr lang="en-US" dirty="0"/>
           </a:p>
@@ -5070,7 +1948,7 @@
           <a:p>
             <a:fld id="{4E6EFC2C-8905-46F0-B443-CE905B76BA01}" type="datetime1">
               <a:rPr lang="en-US" smtClean="0"/>
-              <a:t>4/10/2020</a:t>
+              <a:t>4/11/2020</a:t>
             </a:fld>
             <a:endParaRPr lang="en-US" dirty="0"/>
           </a:p>
@@ -5607,7 +2485,7 @@
           <a:p>
             <a:fld id="{D9079DC3-C9B5-499E-9140-0DC28B7074E2}" type="datetime1">
               <a:rPr lang="en-US" smtClean="0"/>
-              <a:t>4/10/2020</a:t>
+              <a:t>4/11/2020</a:t>
             </a:fld>
             <a:endParaRPr lang="en-US" dirty="0"/>
           </a:p>
@@ -6489,7 +3367,7 @@
           <a:p>
             <a:fld id="{30BB33EA-E472-4D22-9C03-A9C14AA21CED}" type="datetime1">
               <a:rPr lang="en-US" smtClean="0"/>
-              <a:t>4/10/2020</a:t>
+              <a:t>4/11/2020</a:t>
             </a:fld>
             <a:endParaRPr lang="en-US" dirty="0"/>
           </a:p>
@@ -6659,7 +3537,7 @@
           <a:p>
             <a:fld id="{217E833E-1B6D-415F-AD29-75AE8C43BD0D}" type="datetime1">
               <a:rPr lang="en-US" smtClean="0"/>
-              <a:t>4/10/2020</a:t>
+              <a:t>4/11/2020</a:t>
             </a:fld>
             <a:endParaRPr lang="en-US" dirty="0"/>
           </a:p>
@@ -6843,7 +3721,7 @@
           <a:p>
             <a:fld id="{8452596F-08A7-4B70-989A-F2B1CF31E66B}" type="datetime1">
               <a:rPr lang="en-US" smtClean="0"/>
-              <a:t>4/10/2020</a:t>
+              <a:t>4/11/2020</a:t>
             </a:fld>
             <a:endParaRPr lang="en-US" dirty="0"/>
           </a:p>
@@ -7013,7 +3891,7 @@
           <a:p>
             <a:fld id="{73C55A3C-5767-4844-A0A3-83778C2E5409}" type="datetime1">
               <a:rPr lang="en-US" smtClean="0"/>
-              <a:t>4/10/2020</a:t>
+              <a:t>4/11/2020</a:t>
             </a:fld>
             <a:endParaRPr lang="en-US" dirty="0"/>
           </a:p>
@@ -7257,7 +4135,7 @@
           <a:p>
             <a:fld id="{CAE507A8-A5CF-4D38-AB86-7EDDA87A85D4}" type="datetime1">
               <a:rPr lang="en-US" smtClean="0"/>
-              <a:t>4/10/2020</a:t>
+              <a:t>4/11/2020</a:t>
             </a:fld>
             <a:endParaRPr lang="en-US" dirty="0"/>
           </a:p>
@@ -7499,7 +4377,7 @@
           <a:p>
             <a:fld id="{BDFCD27C-8599-43EF-BA1D-14DDC1946E06}" type="datetime1">
               <a:rPr lang="en-US" smtClean="0"/>
-              <a:t>4/10/2020</a:t>
+              <a:t>4/11/2020</a:t>
             </a:fld>
             <a:endParaRPr lang="en-US" dirty="0"/>
           </a:p>
@@ -7980,7 +4858,7 @@
           <a:p>
             <a:fld id="{49343D99-809A-49C0-96E5-4250D0B498EE}" type="datetime1">
               <a:rPr lang="en-US" smtClean="0"/>
-              <a:t>4/10/2020</a:t>
+              <a:t>4/11/2020</a:t>
             </a:fld>
             <a:endParaRPr lang="en-US" dirty="0"/>
           </a:p>
@@ -8098,7 +4976,7 @@
           <a:p>
             <a:fld id="{A143DE9B-B678-4EFB-BB7D-A4370204A0B0}" type="datetime1">
               <a:rPr lang="en-US" smtClean="0"/>
-              <a:t>4/10/2020</a:t>
+              <a:t>4/11/2020</a:t>
             </a:fld>
             <a:endParaRPr lang="en-US" dirty="0"/>
           </a:p>
@@ -8193,7 +5071,7 @@
           <a:p>
             <a:fld id="{E68812DA-F765-4142-A6A3-A8ED7235E082}" type="datetime1">
               <a:rPr lang="en-US" smtClean="0"/>
-              <a:t>4/10/2020</a:t>
+              <a:t>4/11/2020</a:t>
             </a:fld>
             <a:endParaRPr lang="en-US" dirty="0"/>
           </a:p>
@@ -8448,7 +5326,7 @@
           <a:p>
             <a:fld id="{3E0277FD-7DE6-41D4-930D-AC99F5AFE54E}" type="datetime1">
               <a:rPr lang="en-US" smtClean="0"/>
-              <a:t>4/10/2020</a:t>
+              <a:t>4/11/2020</a:t>
             </a:fld>
             <a:endParaRPr lang="en-US" dirty="0"/>
           </a:p>
@@ -8755,7 +5633,7 @@
           <a:p>
             <a:fld id="{9EA15526-7079-4B7B-987C-1B5FAE11A0FF}" type="datetime1">
               <a:rPr lang="en-US" smtClean="0"/>
-              <a:t>4/10/2020</a:t>
+              <a:t>4/11/2020</a:t>
             </a:fld>
             <a:endParaRPr lang="en-US" dirty="0"/>
           </a:p>
@@ -8990,7 +5868,7 @@
           <a:p>
             <a:fld id="{073ED0CC-082F-4160-86E5-0D6041F12778}" type="datetime1">
               <a:rPr lang="en-US" smtClean="0"/>
-              <a:t>4/10/2020</a:t>
+              <a:t>4/11/2020</a:t>
             </a:fld>
             <a:endParaRPr lang="en-US" dirty="0"/>
           </a:p>
@@ -9660,1427 +6538,6 @@
     <p:bg>
       <p:bgPr>
         <a:blipFill rotWithShape="1">
-          <a:blip r:embed="rId3">
-            <a:duotone>
-              <a:schemeClr val="bg1">
-                <a:shade val="80000"/>
-                <a:lumMod val="80000"/>
-              </a:schemeClr>
-              <a:schemeClr val="bg1">
-                <a:tint val="98000"/>
-              </a:schemeClr>
-            </a:duotone>
-          </a:blip>
-          <a:stretch/>
-        </a:blipFill>
-        <a:effectLst/>
-      </p:bgPr>
-    </p:bg>
-    <p:spTree>
-      <p:nvGrpSpPr>
-        <p:cNvPr id="1" name=""/>
-        <p:cNvGrpSpPr/>
-        <p:nvPr/>
-      </p:nvGrpSpPr>
-      <p:grpSpPr>
-        <a:xfrm>
-          <a:off x="0" y="0"/>
-          <a:ext cx="0" cy="0"/>
-          <a:chOff x="0" y="0"/>
-          <a:chExt cx="0" cy="0"/>
-        </a:xfrm>
-      </p:grpSpPr>
-      <p:pic>
-        <p:nvPicPr>
-          <p:cNvPr id="4" name="Picture 3">
-            <a:extLst>
-              <a:ext uri="{FF2B5EF4-FFF2-40B4-BE49-F238E27FC236}">
-                <a16:creationId xmlns:a16="http://schemas.microsoft.com/office/drawing/2014/main" id="{F294F61B-FF70-4459-BD65-9413D6839242}"/>
-              </a:ext>
-            </a:extLst>
-          </p:cNvPr>
-          <p:cNvPicPr>
-            <a:picLocks noChangeAspect="1"/>
-          </p:cNvPicPr>
-          <p:nvPr/>
-        </p:nvPicPr>
-        <p:blipFill rotWithShape="1">
-          <a:blip r:embed="rId4"/>
-          <a:srcRect t="3887" b="16608"/>
-          <a:stretch/>
-        </p:blipFill>
-        <p:spPr>
-          <a:xfrm>
-            <a:off x="-1" y="10"/>
-            <a:ext cx="12192001" cy="6857990"/>
-          </a:xfrm>
-          <a:prstGeom prst="rect">
-            <a:avLst/>
-          </a:prstGeom>
-        </p:spPr>
-      </p:pic>
-      <p:sp useBgFill="1">
-        <p:nvSpPr>
-          <p:cNvPr id="21" name="Freeform 5">
-            <a:extLst>
-              <a:ext uri="{FF2B5EF4-FFF2-40B4-BE49-F238E27FC236}">
-                <a16:creationId xmlns:a16="http://schemas.microsoft.com/office/drawing/2014/main" id="{FE469E50-3893-4ED6-92BA-2985C32B0CA6}"/>
-              </a:ext>
-              <a:ext uri="{C183D7F6-B498-43B3-948B-1728B52AA6E4}">
-                <adec:decorative xmlns:adec="http://schemas.microsoft.com/office/drawing/2017/decorative" val="1"/>
-              </a:ext>
-            </a:extLst>
-          </p:cNvPr>
-          <p:cNvSpPr>
-            <a:spLocks noGrp="1" noRot="1" noChangeAspect="1" noMove="1" noResize="1" noEditPoints="1" noAdjustHandles="1" noChangeArrowheads="1" noChangeShapeType="1" noTextEdit="1"/>
-          </p:cNvSpPr>
-          <p:nvPr>
-            <p:extLst>
-              <p:ext uri="{386F3935-93C4-4BCD-93E2-E3B085C9AB24}">
-                <p16:designElem xmlns:p16="http://schemas.microsoft.com/office/powerpoint/2015/main" val="1"/>
-              </p:ext>
-            </p:extLst>
-          </p:nvPr>
-        </p:nvSpPr>
-        <p:spPr bwMode="auto">
-          <a:xfrm rot="5400000">
-            <a:off x="7131809" y="1385982"/>
-            <a:ext cx="4031414" cy="4100418"/>
-          </a:xfrm>
-          <a:custGeom>
-            <a:avLst/>
-            <a:gdLst>
-              <a:gd name="T0" fmla="*/ 1577 w 1601"/>
-              <a:gd name="T1" fmla="*/ 0 h 696"/>
-              <a:gd name="T2" fmla="*/ 833 w 1601"/>
-              <a:gd name="T3" fmla="*/ 0 h 696"/>
-              <a:gd name="T4" fmla="*/ 768 w 1601"/>
-              <a:gd name="T5" fmla="*/ 0 h 696"/>
-              <a:gd name="T6" fmla="*/ 24 w 1601"/>
-              <a:gd name="T7" fmla="*/ 0 h 696"/>
-              <a:gd name="T8" fmla="*/ 0 w 1601"/>
-              <a:gd name="T9" fmla="*/ 27 h 696"/>
-              <a:gd name="T10" fmla="*/ 0 w 1601"/>
-              <a:gd name="T11" fmla="*/ 669 h 696"/>
-              <a:gd name="T12" fmla="*/ 24 w 1601"/>
-              <a:gd name="T13" fmla="*/ 696 h 696"/>
-              <a:gd name="T14" fmla="*/ 768 w 1601"/>
-              <a:gd name="T15" fmla="*/ 696 h 696"/>
-              <a:gd name="T16" fmla="*/ 833 w 1601"/>
-              <a:gd name="T17" fmla="*/ 696 h 696"/>
-              <a:gd name="T18" fmla="*/ 1577 w 1601"/>
-              <a:gd name="T19" fmla="*/ 696 h 696"/>
-              <a:gd name="T20" fmla="*/ 1601 w 1601"/>
-              <a:gd name="T21" fmla="*/ 669 h 696"/>
-              <a:gd name="T22" fmla="*/ 1601 w 1601"/>
-              <a:gd name="T23" fmla="*/ 27 h 696"/>
-              <a:gd name="T24" fmla="*/ 1577 w 1601"/>
-              <a:gd name="T25" fmla="*/ 0 h 696"/>
-            </a:gdLst>
-            <a:ahLst/>
-            <a:cxnLst>
-              <a:cxn ang="0">
-                <a:pos x="T0" y="T1"/>
-              </a:cxn>
-              <a:cxn ang="0">
-                <a:pos x="T2" y="T3"/>
-              </a:cxn>
-              <a:cxn ang="0">
-                <a:pos x="T4" y="T5"/>
-              </a:cxn>
-              <a:cxn ang="0">
-                <a:pos x="T6" y="T7"/>
-              </a:cxn>
-              <a:cxn ang="0">
-                <a:pos x="T8" y="T9"/>
-              </a:cxn>
-              <a:cxn ang="0">
-                <a:pos x="T10" y="T11"/>
-              </a:cxn>
-              <a:cxn ang="0">
-                <a:pos x="T12" y="T13"/>
-              </a:cxn>
-              <a:cxn ang="0">
-                <a:pos x="T14" y="T15"/>
-              </a:cxn>
-              <a:cxn ang="0">
-                <a:pos x="T16" y="T17"/>
-              </a:cxn>
-              <a:cxn ang="0">
-                <a:pos x="T18" y="T19"/>
-              </a:cxn>
-              <a:cxn ang="0">
-                <a:pos x="T20" y="T21"/>
-              </a:cxn>
-              <a:cxn ang="0">
-                <a:pos x="T22" y="T23"/>
-              </a:cxn>
-              <a:cxn ang="0">
-                <a:pos x="T24" y="T25"/>
-              </a:cxn>
-            </a:cxnLst>
-            <a:rect l="0" t="0" r="r" b="b"/>
-            <a:pathLst>
-              <a:path w="1601" h="696">
-                <a:moveTo>
-                  <a:pt x="1577" y="0"/>
-                </a:moveTo>
-                <a:cubicBezTo>
-                  <a:pt x="833" y="0"/>
-                  <a:pt x="833" y="0"/>
-                  <a:pt x="833" y="0"/>
-                </a:cubicBezTo>
-                <a:cubicBezTo>
-                  <a:pt x="768" y="0"/>
-                  <a:pt x="768" y="0"/>
-                  <a:pt x="768" y="0"/>
-                </a:cubicBezTo>
-                <a:cubicBezTo>
-                  <a:pt x="24" y="0"/>
-                  <a:pt x="24" y="0"/>
-                  <a:pt x="24" y="0"/>
-                </a:cubicBezTo>
-                <a:cubicBezTo>
-                  <a:pt x="11" y="0"/>
-                  <a:pt x="0" y="12"/>
-                  <a:pt x="0" y="27"/>
-                </a:cubicBezTo>
-                <a:cubicBezTo>
-                  <a:pt x="0" y="669"/>
-                  <a:pt x="0" y="669"/>
-                  <a:pt x="0" y="669"/>
-                </a:cubicBezTo>
-                <a:cubicBezTo>
-                  <a:pt x="0" y="684"/>
-                  <a:pt x="11" y="696"/>
-                  <a:pt x="24" y="696"/>
-                </a:cubicBezTo>
-                <a:cubicBezTo>
-                  <a:pt x="768" y="696"/>
-                  <a:pt x="768" y="696"/>
-                  <a:pt x="768" y="696"/>
-                </a:cubicBezTo>
-                <a:cubicBezTo>
-                  <a:pt x="833" y="696"/>
-                  <a:pt x="833" y="696"/>
-                  <a:pt x="833" y="696"/>
-                </a:cubicBezTo>
-                <a:cubicBezTo>
-                  <a:pt x="1577" y="696"/>
-                  <a:pt x="1577" y="696"/>
-                  <a:pt x="1577" y="696"/>
-                </a:cubicBezTo>
-                <a:cubicBezTo>
-                  <a:pt x="1590" y="696"/>
-                  <a:pt x="1601" y="684"/>
-                  <a:pt x="1601" y="669"/>
-                </a:cubicBezTo>
-                <a:cubicBezTo>
-                  <a:pt x="1601" y="27"/>
-                  <a:pt x="1601" y="27"/>
-                  <a:pt x="1601" y="27"/>
-                </a:cubicBezTo>
-                <a:cubicBezTo>
-                  <a:pt x="1601" y="12"/>
-                  <a:pt x="1590" y="0"/>
-                  <a:pt x="1577" y="0"/>
-                </a:cubicBezTo>
-                <a:close/>
-              </a:path>
-            </a:pathLst>
-          </a:custGeom>
-          <a:ln>
-            <a:noFill/>
-          </a:ln>
-          <a:effectLst>
-            <a:outerShdw blurRad="50800" dist="38100" dir="5400000" algn="tl" rotWithShape="0">
-              <a:srgbClr val="000000">
-                <a:alpha val="43000"/>
-              </a:srgbClr>
-            </a:outerShdw>
-          </a:effectLst>
-          <a:extLst>
-            <a:ext uri="{91240B29-F687-4f45-9708-019B960494DF}">
-              <a14:hiddenLine xmlns="" xmlns:a14="http://schemas.microsoft.com/office/drawing/2010/main" xmlns:p14="http://schemas.microsoft.com/office/powerpoint/2010/main" xmlns:a16="http://schemas.microsoft.com/office/drawing/2014/main" w="9525">
-                <a:solidFill>
-                  <a:srgbClr val="000000"/>
-                </a:solidFill>
-                <a:round/>
-                <a:headEnd/>
-                <a:tailEnd/>
-              </a14:hiddenLine>
-            </a:ext>
-          </a:extLst>
-        </p:spPr>
-        <p:txBody>
-          <a:bodyPr vert="horz" wrap="square" lIns="91440" tIns="45720" rIns="91440" bIns="45720" numCol="1" anchor="t" anchorCtr="0" compatLnSpc="1">
-            <a:prstTxWarp prst="textNoShape">
-              <a:avLst/>
-            </a:prstTxWarp>
-          </a:bodyPr>
-          <a:lstStyle/>
-          <a:p>
-            <a:endParaRPr lang="en-US"/>
-          </a:p>
-        </p:txBody>
-      </p:sp>
-      <p:sp>
-        <p:nvSpPr>
-          <p:cNvPr id="2" name="Title 1">
-            <a:extLst>
-              <a:ext uri="{FF2B5EF4-FFF2-40B4-BE49-F238E27FC236}">
-                <a16:creationId xmlns:a16="http://schemas.microsoft.com/office/drawing/2014/main" id="{907BC998-C077-4740-B45B-1A38A9DD2BEA}"/>
-              </a:ext>
-            </a:extLst>
-          </p:cNvPr>
-          <p:cNvSpPr>
-            <a:spLocks noGrp="1"/>
-          </p:cNvSpPr>
-          <p:nvPr>
-            <p:ph type="ctrTitle"/>
-          </p:nvPr>
-        </p:nvSpPr>
-        <p:spPr>
-          <a:xfrm>
-            <a:off x="7389962" y="1673524"/>
-            <a:ext cx="3485073" cy="2420504"/>
-          </a:xfrm>
-        </p:spPr>
-        <p:txBody>
-          <a:bodyPr>
-            <a:normAutofit/>
-          </a:bodyPr>
-          <a:lstStyle/>
-          <a:p>
-            <a:pPr algn="l"/>
-            <a:r>
-              <a:rPr lang="en-US" sz="4000"/>
-              <a:t>People and Security</a:t>
-            </a:r>
-          </a:p>
-        </p:txBody>
-      </p:sp>
-      <p:sp>
-        <p:nvSpPr>
-          <p:cNvPr id="3" name="Subtitle 2">
-            <a:extLst>
-              <a:ext uri="{FF2B5EF4-FFF2-40B4-BE49-F238E27FC236}">
-                <a16:creationId xmlns:a16="http://schemas.microsoft.com/office/drawing/2014/main" id="{3915A045-9C9F-4984-A716-93E3F8BBAD0D}"/>
-              </a:ext>
-            </a:extLst>
-          </p:cNvPr>
-          <p:cNvSpPr>
-            <a:spLocks noGrp="1"/>
-          </p:cNvSpPr>
-          <p:nvPr>
-            <p:ph type="subTitle" idx="1"/>
-          </p:nvPr>
-        </p:nvSpPr>
-        <p:spPr>
-          <a:xfrm>
-            <a:off x="7389965" y="4157933"/>
-            <a:ext cx="3485072" cy="1026544"/>
-          </a:xfrm>
-        </p:spPr>
-        <p:txBody>
-          <a:bodyPr>
-            <a:normAutofit/>
-          </a:bodyPr>
-          <a:lstStyle/>
-          <a:p>
-            <a:pPr algn="l">
-              <a:lnSpc>
-                <a:spcPct val="100000"/>
-              </a:lnSpc>
-            </a:pPr>
-            <a:endParaRPr lang="en-US" sz="1600" dirty="0">
-              <a:solidFill>
-                <a:srgbClr val="C69699"/>
-              </a:solidFill>
-            </a:endParaRPr>
-          </a:p>
-          <a:p>
-            <a:pPr algn="l">
-              <a:lnSpc>
-                <a:spcPct val="100000"/>
-              </a:lnSpc>
-            </a:pPr>
-            <a:r>
-              <a:rPr lang="en-US" sz="1600" dirty="0">
-                <a:solidFill>
-                  <a:srgbClr val="C69699"/>
-                </a:solidFill>
-              </a:rPr>
-              <a:t>TIM-8301: Principals of Security</a:t>
-            </a:r>
-            <a:br>
-              <a:rPr lang="en-US" sz="1600" dirty="0">
-                <a:solidFill>
-                  <a:srgbClr val="C69699"/>
-                </a:solidFill>
-              </a:rPr>
-            </a:br>
-            <a:r>
-              <a:rPr lang="en-US" sz="1600" dirty="0">
-                <a:solidFill>
-                  <a:srgbClr val="C69699"/>
-                </a:solidFill>
-              </a:rPr>
-              <a:t>Nate Bachmeier</a:t>
-            </a:r>
-          </a:p>
-        </p:txBody>
-      </p:sp>
-    </p:spTree>
-    <p:extLst>
-      <p:ext uri="{BB962C8B-B14F-4D97-AF65-F5344CB8AC3E}">
-        <p14:creationId xmlns:p14="http://schemas.microsoft.com/office/powerpoint/2010/main" val="3461442134"/>
-      </p:ext>
-    </p:extLst>
-  </p:cSld>
-  <p:clrMapOvr>
-    <a:masterClrMapping/>
-  </p:clrMapOvr>
-</p:sld>
-</file>
-
-<file path=ppt/slides/slide10.xml><?xml version="1.0" encoding="utf-8"?>
-<p:sld xmlns:a="http://schemas.openxmlformats.org/drawingml/2006/main" xmlns:r="http://schemas.openxmlformats.org/officeDocument/2006/relationships" xmlns:p="http://schemas.openxmlformats.org/presentationml/2006/main">
-  <p:cSld>
-    <p:spTree>
-      <p:nvGrpSpPr>
-        <p:cNvPr id="1" name=""/>
-        <p:cNvGrpSpPr/>
-        <p:nvPr/>
-      </p:nvGrpSpPr>
-      <p:grpSpPr>
-        <a:xfrm>
-          <a:off x="0" y="0"/>
-          <a:ext cx="0" cy="0"/>
-          <a:chOff x="0" y="0"/>
-          <a:chExt cx="0" cy="0"/>
-        </a:xfrm>
-      </p:grpSpPr>
-      <p:sp>
-        <p:nvSpPr>
-          <p:cNvPr id="2" name="Title 1">
-            <a:extLst>
-              <a:ext uri="{FF2B5EF4-FFF2-40B4-BE49-F238E27FC236}">
-                <a16:creationId xmlns:a16="http://schemas.microsoft.com/office/drawing/2014/main" id="{20F747E1-F4FD-4F7F-BF6B-9340994F4023}"/>
-              </a:ext>
-            </a:extLst>
-          </p:cNvPr>
-          <p:cNvSpPr>
-            <a:spLocks noGrp="1"/>
-          </p:cNvSpPr>
-          <p:nvPr>
-            <p:ph type="title"/>
-          </p:nvPr>
-        </p:nvSpPr>
-        <p:spPr/>
-        <p:txBody>
-          <a:bodyPr/>
-          <a:lstStyle/>
-          <a:p>
-            <a:r>
-              <a:rPr lang="en-US" dirty="0"/>
-              <a:t>Elevation of Privilege</a:t>
-            </a:r>
-          </a:p>
-        </p:txBody>
-      </p:sp>
-      <p:sp>
-        <p:nvSpPr>
-          <p:cNvPr id="3" name="Content Placeholder 2">
-            <a:extLst>
-              <a:ext uri="{FF2B5EF4-FFF2-40B4-BE49-F238E27FC236}">
-                <a16:creationId xmlns:a16="http://schemas.microsoft.com/office/drawing/2014/main" id="{38933D85-4F23-4635-A397-88A9CEE3F532}"/>
-              </a:ext>
-            </a:extLst>
-          </p:cNvPr>
-          <p:cNvSpPr>
-            <a:spLocks noGrp="1"/>
-          </p:cNvSpPr>
-          <p:nvPr>
-            <p:ph idx="1"/>
-          </p:nvPr>
-        </p:nvSpPr>
-        <p:spPr/>
-        <p:txBody>
-          <a:bodyPr/>
-          <a:lstStyle/>
-          <a:p>
-            <a:r>
-              <a:rPr lang="en-US" dirty="0"/>
-              <a:t>A user is able to perform an unauthorized action</a:t>
-            </a:r>
-          </a:p>
-          <a:p>
-            <a:pPr lvl="1"/>
-            <a:r>
-              <a:rPr lang="en-US" dirty="0"/>
-              <a:t>Weak user/pass</a:t>
-            </a:r>
-          </a:p>
-          <a:p>
-            <a:pPr lvl="1"/>
-            <a:r>
-              <a:rPr lang="en-US" dirty="0"/>
-              <a:t>No authorization checks</a:t>
-            </a:r>
-          </a:p>
-          <a:p>
-            <a:pPr lvl="1"/>
-            <a:r>
-              <a:rPr lang="en-US" dirty="0"/>
-              <a:t>Combining code and data</a:t>
-            </a:r>
-          </a:p>
-          <a:p>
-            <a:pPr lvl="1"/>
-            <a:endParaRPr lang="en-US" dirty="0"/>
-          </a:p>
-        </p:txBody>
-      </p:sp>
-    </p:spTree>
-    <p:extLst>
-      <p:ext uri="{BB962C8B-B14F-4D97-AF65-F5344CB8AC3E}">
-        <p14:creationId xmlns:p14="http://schemas.microsoft.com/office/powerpoint/2010/main" val="123958724"/>
-      </p:ext>
-    </p:extLst>
-  </p:cSld>
-  <p:clrMapOvr>
-    <a:masterClrMapping/>
-  </p:clrMapOvr>
-</p:sld>
-</file>
-
-<file path=ppt/slides/slide2.xml><?xml version="1.0" encoding="utf-8"?>
-<p:sld xmlns:a="http://schemas.openxmlformats.org/drawingml/2006/main" xmlns:r="http://schemas.openxmlformats.org/officeDocument/2006/relationships" xmlns:p="http://schemas.openxmlformats.org/presentationml/2006/main">
-  <p:cSld>
-    <p:spTree>
-      <p:nvGrpSpPr>
-        <p:cNvPr id="1" name=""/>
-        <p:cNvGrpSpPr/>
-        <p:nvPr/>
-      </p:nvGrpSpPr>
-      <p:grpSpPr>
-        <a:xfrm>
-          <a:off x="0" y="0"/>
-          <a:ext cx="0" cy="0"/>
-          <a:chOff x="0" y="0"/>
-          <a:chExt cx="0" cy="0"/>
-        </a:xfrm>
-      </p:grpSpPr>
-      <p:sp>
-        <p:nvSpPr>
-          <p:cNvPr id="2" name="Title 1">
-            <a:extLst>
-              <a:ext uri="{FF2B5EF4-FFF2-40B4-BE49-F238E27FC236}">
-                <a16:creationId xmlns:a16="http://schemas.microsoft.com/office/drawing/2014/main" id="{9BF380B1-E520-458E-8EBC-FF4BBFB88BCC}"/>
-              </a:ext>
-            </a:extLst>
-          </p:cNvPr>
-          <p:cNvSpPr>
-            <a:spLocks noGrp="1"/>
-          </p:cNvSpPr>
-          <p:nvPr>
-            <p:ph type="title"/>
-          </p:nvPr>
-        </p:nvSpPr>
-        <p:spPr/>
-        <p:txBody>
-          <a:bodyPr/>
-          <a:lstStyle/>
-          <a:p>
-            <a:r>
-              <a:rPr lang="en-US" dirty="0"/>
-              <a:t>What is the goal of </a:t>
-            </a:r>
-            <a:r>
-              <a:rPr lang="en-US" dirty="0" err="1"/>
-              <a:t>CyberSecurity</a:t>
-            </a:r>
-            <a:endParaRPr lang="en-US" dirty="0"/>
-          </a:p>
-        </p:txBody>
-      </p:sp>
-      <p:sp>
-        <p:nvSpPr>
-          <p:cNvPr id="3" name="Content Placeholder 2">
-            <a:extLst>
-              <a:ext uri="{FF2B5EF4-FFF2-40B4-BE49-F238E27FC236}">
-                <a16:creationId xmlns:a16="http://schemas.microsoft.com/office/drawing/2014/main" id="{EDB805C6-C376-4F77-BB8C-FEC650D81AB6}"/>
-              </a:ext>
-            </a:extLst>
-          </p:cNvPr>
-          <p:cNvSpPr>
-            <a:spLocks noGrp="1"/>
-          </p:cNvSpPr>
-          <p:nvPr>
-            <p:ph idx="1"/>
-          </p:nvPr>
-        </p:nvSpPr>
-        <p:spPr/>
-        <p:txBody>
-          <a:bodyPr/>
-          <a:lstStyle/>
-          <a:p>
-            <a:r>
-              <a:rPr lang="en-US" dirty="0"/>
-              <a:t>To ensure the availability, reliability, performance, and continuity of a business process</a:t>
-            </a:r>
-            <a:br>
-              <a:rPr lang="en-US" dirty="0"/>
-            </a:br>
-            <a:endParaRPr lang="en-US" dirty="0"/>
-          </a:p>
-          <a:p>
-            <a:r>
-              <a:rPr lang="en-US" dirty="0"/>
-              <a:t>Threats exist from multiple sources</a:t>
-            </a:r>
-          </a:p>
-          <a:p>
-            <a:pPr lvl="1"/>
-            <a:r>
-              <a:rPr lang="en-US" dirty="0"/>
-              <a:t>Negligence</a:t>
-            </a:r>
-          </a:p>
-          <a:p>
-            <a:pPr lvl="1"/>
-            <a:r>
-              <a:rPr lang="en-US" dirty="0"/>
-              <a:t>Maliciousness</a:t>
-            </a:r>
-          </a:p>
-          <a:p>
-            <a:pPr lvl="1"/>
-            <a:r>
-              <a:rPr lang="en-US" dirty="0"/>
-              <a:t>Insiders</a:t>
-            </a:r>
-          </a:p>
-          <a:p>
-            <a:pPr lvl="1"/>
-            <a:r>
-              <a:rPr lang="en-US" dirty="0"/>
-              <a:t>Nation-States</a:t>
-            </a:r>
-          </a:p>
-          <a:p>
-            <a:pPr lvl="1"/>
-            <a:r>
-              <a:rPr lang="en-US" dirty="0"/>
-              <a:t>Karma/Luck</a:t>
-            </a:r>
-          </a:p>
-        </p:txBody>
-      </p:sp>
-    </p:spTree>
-    <p:extLst>
-      <p:ext uri="{BB962C8B-B14F-4D97-AF65-F5344CB8AC3E}">
-        <p14:creationId xmlns:p14="http://schemas.microsoft.com/office/powerpoint/2010/main" val="277996721"/>
-      </p:ext>
-    </p:extLst>
-  </p:cSld>
-  <p:clrMapOvr>
-    <a:masterClrMapping/>
-  </p:clrMapOvr>
-</p:sld>
-</file>
-
-<file path=ppt/slides/slide3.xml><?xml version="1.0" encoding="utf-8"?>
-<p:sld xmlns:a="http://schemas.openxmlformats.org/drawingml/2006/main" xmlns:r="http://schemas.openxmlformats.org/officeDocument/2006/relationships" xmlns:p="http://schemas.openxmlformats.org/presentationml/2006/main">
-  <p:cSld>
-    <p:bg>
-      <p:bgPr>
-        <a:blipFill rotWithShape="1">
-          <a:blip r:embed="rId2">
-            <a:duotone>
-              <a:schemeClr val="bg1">
-                <a:shade val="80000"/>
-                <a:lumMod val="80000"/>
-              </a:schemeClr>
-              <a:schemeClr val="bg1">
-                <a:tint val="98000"/>
-              </a:schemeClr>
-            </a:duotone>
-          </a:blip>
-          <a:stretch/>
-        </a:blipFill>
-        <a:effectLst/>
-      </p:bgPr>
-    </p:bg>
-    <p:spTree>
-      <p:nvGrpSpPr>
-        <p:cNvPr id="1" name=""/>
-        <p:cNvGrpSpPr/>
-        <p:nvPr/>
-      </p:nvGrpSpPr>
-      <p:grpSpPr>
-        <a:xfrm>
-          <a:off x="0" y="0"/>
-          <a:ext cx="0" cy="0"/>
-          <a:chOff x="0" y="0"/>
-          <a:chExt cx="0" cy="0"/>
-        </a:xfrm>
-      </p:grpSpPr>
-      <p:sp>
-        <p:nvSpPr>
-          <p:cNvPr id="2" name="Title 1">
-            <a:extLst>
-              <a:ext uri="{FF2B5EF4-FFF2-40B4-BE49-F238E27FC236}">
-                <a16:creationId xmlns:a16="http://schemas.microsoft.com/office/drawing/2014/main" id="{F9545BCD-74EA-49C8-864C-0A46A1058D24}"/>
-              </a:ext>
-            </a:extLst>
-          </p:cNvPr>
-          <p:cNvSpPr>
-            <a:spLocks noGrp="1"/>
-          </p:cNvSpPr>
-          <p:nvPr>
-            <p:ph type="title"/>
-          </p:nvPr>
-        </p:nvSpPr>
-        <p:spPr>
-          <a:xfrm>
-            <a:off x="633743" y="609599"/>
-            <a:ext cx="3413156" cy="5273675"/>
-          </a:xfrm>
-        </p:spPr>
-        <p:txBody>
-          <a:bodyPr>
-            <a:normAutofit/>
-          </a:bodyPr>
-          <a:lstStyle/>
-          <a:p>
-            <a:r>
-              <a:rPr lang="en-US"/>
-              <a:t>What threats exist to these processes</a:t>
-            </a:r>
-          </a:p>
-        </p:txBody>
-      </p:sp>
-      <p:pic>
-        <p:nvPicPr>
-          <p:cNvPr id="7" name="Picture 9">
-            <a:extLst>
-              <a:ext uri="{FF2B5EF4-FFF2-40B4-BE49-F238E27FC236}">
-                <a16:creationId xmlns:a16="http://schemas.microsoft.com/office/drawing/2014/main" id="{82AABC82-C2D1-4340-A6DF-6E73DF06FCAC}"/>
-              </a:ext>
-              <a:ext uri="{C183D7F6-B498-43B3-948B-1728B52AA6E4}">
-                <adec:decorative xmlns:adec="http://schemas.microsoft.com/office/drawing/2017/decorative" val="1"/>
-              </a:ext>
-            </a:extLst>
-          </p:cNvPr>
-          <p:cNvPicPr>
-            <a:picLocks noGrp="1" noRot="1" noChangeAspect="1" noMove="1" noResize="1" noEditPoints="1" noAdjustHandles="1" noChangeArrowheads="1" noChangeShapeType="1" noCrop="1"/>
-          </p:cNvPicPr>
-          <p:nvPr>
-            <p:extLst>
-              <p:ext uri="{386F3935-93C4-4BCD-93E2-E3B085C9AB24}">
-                <p16:designElem xmlns:p16="http://schemas.microsoft.com/office/powerpoint/2015/main" val="1"/>
-              </p:ext>
-            </p:extLst>
-          </p:nvPr>
-        </p:nvPicPr>
-        <p:blipFill rotWithShape="1">
-          <a:blip r:embed="rId3">
-            <a:extLst>
-              <a:ext uri="{28A0092B-C50C-407E-A947-70E740481C1C}">
-                <a14:useLocalDpi xmlns:a14="http://schemas.microsoft.com/office/drawing/2010/main" val="0"/>
-              </a:ext>
-            </a:extLst>
-          </a:blip>
-          <a:srcRect t="964" r="2807" b="1446"/>
-          <a:stretch/>
-        </p:blipFill>
-        <p:spPr>
-          <a:xfrm>
-            <a:off x="4639056" y="2"/>
-            <a:ext cx="7552944" cy="6857998"/>
-          </a:xfrm>
-          <a:prstGeom prst="rect">
-            <a:avLst/>
-          </a:prstGeom>
-        </p:spPr>
-      </p:pic>
-      <p:graphicFrame>
-        <p:nvGraphicFramePr>
-          <p:cNvPr id="5" name="Content Placeholder 2">
-            <a:extLst>
-              <a:ext uri="{FF2B5EF4-FFF2-40B4-BE49-F238E27FC236}">
-                <a16:creationId xmlns:a16="http://schemas.microsoft.com/office/drawing/2014/main" id="{7E74E28B-3186-4AC1-AEA0-51B3D0CB7474}"/>
-              </a:ext>
-            </a:extLst>
-          </p:cNvPr>
-          <p:cNvGraphicFramePr>
-            <a:graphicFrameLocks noGrp="1"/>
-          </p:cNvGraphicFramePr>
-          <p:nvPr>
-            <p:ph idx="1"/>
-            <p:extLst>
-              <p:ext uri="{D42A27DB-BD31-4B8C-83A1-F6EECF244321}">
-                <p14:modId xmlns:p14="http://schemas.microsoft.com/office/powerpoint/2010/main" val="2280746065"/>
-              </p:ext>
-            </p:extLst>
-          </p:nvPr>
-        </p:nvGraphicFramePr>
-        <p:xfrm>
-          <a:off x="5282521" y="709683"/>
-          <a:ext cx="6266011" cy="4899547"/>
-        </p:xfrm>
-        <a:graphic>
-          <a:graphicData uri="http://schemas.openxmlformats.org/drawingml/2006/diagram">
-            <dgm:relIds xmlns:dgm="http://schemas.openxmlformats.org/drawingml/2006/diagram" xmlns:r="http://schemas.openxmlformats.org/officeDocument/2006/relationships" r:dm="rId4" r:lo="rId5" r:qs="rId6" r:cs="rId7"/>
-          </a:graphicData>
-        </a:graphic>
-      </p:graphicFrame>
-    </p:spTree>
-    <p:extLst>
-      <p:ext uri="{BB962C8B-B14F-4D97-AF65-F5344CB8AC3E}">
-        <p14:creationId xmlns:p14="http://schemas.microsoft.com/office/powerpoint/2010/main" val="3689890168"/>
-      </p:ext>
-    </p:extLst>
-  </p:cSld>
-  <p:clrMapOvr>
-    <a:masterClrMapping/>
-  </p:clrMapOvr>
-</p:sld>
-</file>
-
-<file path=ppt/slides/slide4.xml><?xml version="1.0" encoding="utf-8"?>
-<p:sld xmlns:a="http://schemas.openxmlformats.org/drawingml/2006/main" xmlns:r="http://schemas.openxmlformats.org/officeDocument/2006/relationships" xmlns:p="http://schemas.openxmlformats.org/presentationml/2006/main">
-  <p:cSld>
-    <p:bg>
-      <p:bgPr>
-        <a:blipFill rotWithShape="1">
-          <a:blip r:embed="rId3">
-            <a:duotone>
-              <a:schemeClr val="bg1">
-                <a:shade val="80000"/>
-                <a:lumMod val="80000"/>
-              </a:schemeClr>
-              <a:schemeClr val="bg1">
-                <a:tint val="98000"/>
-              </a:schemeClr>
-            </a:duotone>
-          </a:blip>
-          <a:stretch/>
-        </a:blipFill>
-        <a:effectLst/>
-      </p:bgPr>
-    </p:bg>
-    <p:spTree>
-      <p:nvGrpSpPr>
-        <p:cNvPr id="1" name=""/>
-        <p:cNvGrpSpPr/>
-        <p:nvPr/>
-      </p:nvGrpSpPr>
-      <p:grpSpPr>
-        <a:xfrm>
-          <a:off x="0" y="0"/>
-          <a:ext cx="0" cy="0"/>
-          <a:chOff x="0" y="0"/>
-          <a:chExt cx="0" cy="0"/>
-        </a:xfrm>
-      </p:grpSpPr>
-      <p:pic>
-        <p:nvPicPr>
-          <p:cNvPr id="1026" name="Picture 2" descr="See the source image">
-            <a:extLst>
-              <a:ext uri="{FF2B5EF4-FFF2-40B4-BE49-F238E27FC236}">
-                <a16:creationId xmlns:a16="http://schemas.microsoft.com/office/drawing/2014/main" id="{A84D78A0-79EF-4FC2-A4F7-C74995D82950}"/>
-              </a:ext>
-            </a:extLst>
-          </p:cNvPr>
-          <p:cNvPicPr>
-            <a:picLocks noChangeAspect="1" noChangeArrowheads="1"/>
-          </p:cNvPicPr>
-          <p:nvPr/>
-        </p:nvPicPr>
-        <p:blipFill rotWithShape="1">
-          <a:blip r:embed="rId4">
-            <a:extLst>
-              <a:ext uri="{28A0092B-C50C-407E-A947-70E740481C1C}">
-                <a14:useLocalDpi xmlns:a14="http://schemas.microsoft.com/office/drawing/2010/main" val="0"/>
-              </a:ext>
-            </a:extLst>
-          </a:blip>
-          <a:srcRect t="15730"/>
-          <a:stretch/>
-        </p:blipFill>
-        <p:spPr bwMode="auto">
-          <a:xfrm>
-            <a:off x="1" y="10"/>
-            <a:ext cx="12192000" cy="6857990"/>
-          </a:xfrm>
-          <a:prstGeom prst="rect">
-            <a:avLst/>
-          </a:prstGeom>
-          <a:noFill/>
-          <a:extLst>
-            <a:ext uri="{909E8E84-426E-40DD-AFC4-6F175D3DCCD1}">
-              <a14:hiddenFill xmlns:a14="http://schemas.microsoft.com/office/drawing/2010/main">
-                <a:solidFill>
-                  <a:srgbClr val="FFFFFF"/>
-                </a:solidFill>
-              </a14:hiddenFill>
-            </a:ext>
-          </a:extLst>
-        </p:spPr>
-      </p:pic>
-      <p:sp useBgFill="1">
-        <p:nvSpPr>
-          <p:cNvPr id="71" name="Freeform 5">
-            <a:extLst>
-              <a:ext uri="{FF2B5EF4-FFF2-40B4-BE49-F238E27FC236}">
-                <a16:creationId xmlns:a16="http://schemas.microsoft.com/office/drawing/2014/main" id="{37D54B6C-87D0-4C03-8335-3955179D2B5B}"/>
-              </a:ext>
-              <a:ext uri="{C183D7F6-B498-43B3-948B-1728B52AA6E4}">
-                <adec:decorative xmlns:adec="http://schemas.microsoft.com/office/drawing/2017/decorative" val="1"/>
-              </a:ext>
-            </a:extLst>
-          </p:cNvPr>
-          <p:cNvSpPr>
-            <a:spLocks noGrp="1" noRot="1" noChangeAspect="1" noMove="1" noResize="1" noEditPoints="1" noAdjustHandles="1" noChangeArrowheads="1" noChangeShapeType="1" noTextEdit="1"/>
-          </p:cNvSpPr>
-          <p:nvPr>
-            <p:extLst>
-              <p:ext uri="{386F3935-93C4-4BCD-93E2-E3B085C9AB24}">
-                <p16:designElem xmlns:p16="http://schemas.microsoft.com/office/powerpoint/2015/main" val="1"/>
-              </p:ext>
-            </p:extLst>
-          </p:nvPr>
-        </p:nvSpPr>
-        <p:spPr bwMode="auto">
-          <a:xfrm rot="5400000">
-            <a:off x="-118536" y="1371603"/>
-            <a:ext cx="5624423" cy="4100418"/>
-          </a:xfrm>
-          <a:custGeom>
-            <a:avLst/>
-            <a:gdLst>
-              <a:gd name="T0" fmla="*/ 1577 w 1601"/>
-              <a:gd name="T1" fmla="*/ 0 h 696"/>
-              <a:gd name="T2" fmla="*/ 833 w 1601"/>
-              <a:gd name="T3" fmla="*/ 0 h 696"/>
-              <a:gd name="T4" fmla="*/ 768 w 1601"/>
-              <a:gd name="T5" fmla="*/ 0 h 696"/>
-              <a:gd name="T6" fmla="*/ 24 w 1601"/>
-              <a:gd name="T7" fmla="*/ 0 h 696"/>
-              <a:gd name="T8" fmla="*/ 0 w 1601"/>
-              <a:gd name="T9" fmla="*/ 27 h 696"/>
-              <a:gd name="T10" fmla="*/ 0 w 1601"/>
-              <a:gd name="T11" fmla="*/ 669 h 696"/>
-              <a:gd name="T12" fmla="*/ 24 w 1601"/>
-              <a:gd name="T13" fmla="*/ 696 h 696"/>
-              <a:gd name="T14" fmla="*/ 768 w 1601"/>
-              <a:gd name="T15" fmla="*/ 696 h 696"/>
-              <a:gd name="T16" fmla="*/ 833 w 1601"/>
-              <a:gd name="T17" fmla="*/ 696 h 696"/>
-              <a:gd name="T18" fmla="*/ 1577 w 1601"/>
-              <a:gd name="T19" fmla="*/ 696 h 696"/>
-              <a:gd name="T20" fmla="*/ 1601 w 1601"/>
-              <a:gd name="T21" fmla="*/ 669 h 696"/>
-              <a:gd name="T22" fmla="*/ 1601 w 1601"/>
-              <a:gd name="T23" fmla="*/ 27 h 696"/>
-              <a:gd name="T24" fmla="*/ 1577 w 1601"/>
-              <a:gd name="T25" fmla="*/ 0 h 696"/>
-            </a:gdLst>
-            <a:ahLst/>
-            <a:cxnLst>
-              <a:cxn ang="0">
-                <a:pos x="T0" y="T1"/>
-              </a:cxn>
-              <a:cxn ang="0">
-                <a:pos x="T2" y="T3"/>
-              </a:cxn>
-              <a:cxn ang="0">
-                <a:pos x="T4" y="T5"/>
-              </a:cxn>
-              <a:cxn ang="0">
-                <a:pos x="T6" y="T7"/>
-              </a:cxn>
-              <a:cxn ang="0">
-                <a:pos x="T8" y="T9"/>
-              </a:cxn>
-              <a:cxn ang="0">
-                <a:pos x="T10" y="T11"/>
-              </a:cxn>
-              <a:cxn ang="0">
-                <a:pos x="T12" y="T13"/>
-              </a:cxn>
-              <a:cxn ang="0">
-                <a:pos x="T14" y="T15"/>
-              </a:cxn>
-              <a:cxn ang="0">
-                <a:pos x="T16" y="T17"/>
-              </a:cxn>
-              <a:cxn ang="0">
-                <a:pos x="T18" y="T19"/>
-              </a:cxn>
-              <a:cxn ang="0">
-                <a:pos x="T20" y="T21"/>
-              </a:cxn>
-              <a:cxn ang="0">
-                <a:pos x="T22" y="T23"/>
-              </a:cxn>
-              <a:cxn ang="0">
-                <a:pos x="T24" y="T25"/>
-              </a:cxn>
-            </a:cxnLst>
-            <a:rect l="0" t="0" r="r" b="b"/>
-            <a:pathLst>
-              <a:path w="1601" h="696">
-                <a:moveTo>
-                  <a:pt x="1577" y="0"/>
-                </a:moveTo>
-                <a:cubicBezTo>
-                  <a:pt x="833" y="0"/>
-                  <a:pt x="833" y="0"/>
-                  <a:pt x="833" y="0"/>
-                </a:cubicBezTo>
-                <a:cubicBezTo>
-                  <a:pt x="768" y="0"/>
-                  <a:pt x="768" y="0"/>
-                  <a:pt x="768" y="0"/>
-                </a:cubicBezTo>
-                <a:cubicBezTo>
-                  <a:pt x="24" y="0"/>
-                  <a:pt x="24" y="0"/>
-                  <a:pt x="24" y="0"/>
-                </a:cubicBezTo>
-                <a:cubicBezTo>
-                  <a:pt x="11" y="0"/>
-                  <a:pt x="0" y="12"/>
-                  <a:pt x="0" y="27"/>
-                </a:cubicBezTo>
-                <a:cubicBezTo>
-                  <a:pt x="0" y="669"/>
-                  <a:pt x="0" y="669"/>
-                  <a:pt x="0" y="669"/>
-                </a:cubicBezTo>
-                <a:cubicBezTo>
-                  <a:pt x="0" y="684"/>
-                  <a:pt x="11" y="696"/>
-                  <a:pt x="24" y="696"/>
-                </a:cubicBezTo>
-                <a:cubicBezTo>
-                  <a:pt x="768" y="696"/>
-                  <a:pt x="768" y="696"/>
-                  <a:pt x="768" y="696"/>
-                </a:cubicBezTo>
-                <a:cubicBezTo>
-                  <a:pt x="833" y="696"/>
-                  <a:pt x="833" y="696"/>
-                  <a:pt x="833" y="696"/>
-                </a:cubicBezTo>
-                <a:cubicBezTo>
-                  <a:pt x="1577" y="696"/>
-                  <a:pt x="1577" y="696"/>
-                  <a:pt x="1577" y="696"/>
-                </a:cubicBezTo>
-                <a:cubicBezTo>
-                  <a:pt x="1590" y="696"/>
-                  <a:pt x="1601" y="684"/>
-                  <a:pt x="1601" y="669"/>
-                </a:cubicBezTo>
-                <a:cubicBezTo>
-                  <a:pt x="1601" y="27"/>
-                  <a:pt x="1601" y="27"/>
-                  <a:pt x="1601" y="27"/>
-                </a:cubicBezTo>
-                <a:cubicBezTo>
-                  <a:pt x="1601" y="12"/>
-                  <a:pt x="1590" y="0"/>
-                  <a:pt x="1577" y="0"/>
-                </a:cubicBezTo>
-                <a:close/>
-              </a:path>
-            </a:pathLst>
-          </a:custGeom>
-          <a:ln>
-            <a:noFill/>
-          </a:ln>
-          <a:effectLst>
-            <a:outerShdw blurRad="50800" dist="38100" dir="5400000" algn="tl" rotWithShape="0">
-              <a:srgbClr val="000000">
-                <a:alpha val="43000"/>
-              </a:srgbClr>
-            </a:outerShdw>
-          </a:effectLst>
-          <a:extLst>
-            <a:ext uri="{91240B29-F687-4f45-9708-019B960494DF}">
-              <a14:hiddenLine xmlns="" xmlns:a14="http://schemas.microsoft.com/office/drawing/2010/main" xmlns:p14="http://schemas.microsoft.com/office/powerpoint/2010/main" xmlns:a16="http://schemas.microsoft.com/office/drawing/2014/main" w="9525">
-                <a:solidFill>
-                  <a:srgbClr val="000000"/>
-                </a:solidFill>
-                <a:round/>
-                <a:headEnd/>
-                <a:tailEnd/>
-              </a14:hiddenLine>
-            </a:ext>
-          </a:extLst>
-        </p:spPr>
-        <p:txBody>
-          <a:bodyPr vert="horz" wrap="square" lIns="91440" tIns="45720" rIns="91440" bIns="45720" numCol="1" anchor="t" anchorCtr="0" compatLnSpc="1">
-            <a:prstTxWarp prst="textNoShape">
-              <a:avLst/>
-            </a:prstTxWarp>
-          </a:bodyPr>
-          <a:lstStyle/>
-          <a:p>
-            <a:endParaRPr lang="en-US"/>
-          </a:p>
-        </p:txBody>
-      </p:sp>
-      <p:sp>
-        <p:nvSpPr>
-          <p:cNvPr id="2" name="Title 1">
-            <a:extLst>
-              <a:ext uri="{FF2B5EF4-FFF2-40B4-BE49-F238E27FC236}">
-                <a16:creationId xmlns:a16="http://schemas.microsoft.com/office/drawing/2014/main" id="{3C101868-81AE-458F-83CA-EAF262309462}"/>
-              </a:ext>
-            </a:extLst>
-          </p:cNvPr>
-          <p:cNvSpPr>
-            <a:spLocks noGrp="1"/>
-          </p:cNvSpPr>
-          <p:nvPr>
-            <p:ph type="title"/>
-          </p:nvPr>
-        </p:nvSpPr>
-        <p:spPr>
-          <a:xfrm>
-            <a:off x="913795" y="845388"/>
-            <a:ext cx="3596420" cy="979016"/>
-          </a:xfrm>
-        </p:spPr>
-        <p:txBody>
-          <a:bodyPr anchor="b">
-            <a:normAutofit/>
-          </a:bodyPr>
-          <a:lstStyle/>
-          <a:p>
-            <a:pPr algn="l"/>
-            <a:r>
-              <a:rPr lang="en-US" sz="2400"/>
-              <a:t>Getting a cup of coffee</a:t>
-            </a:r>
-          </a:p>
-        </p:txBody>
-      </p:sp>
-      <p:sp>
-        <p:nvSpPr>
-          <p:cNvPr id="3" name="Content Placeholder 2">
-            <a:extLst>
-              <a:ext uri="{FF2B5EF4-FFF2-40B4-BE49-F238E27FC236}">
-                <a16:creationId xmlns:a16="http://schemas.microsoft.com/office/drawing/2014/main" id="{91B5E086-FEC5-4BA2-A3A3-BA78007A83CB}"/>
-              </a:ext>
-            </a:extLst>
-          </p:cNvPr>
-          <p:cNvSpPr>
-            <a:spLocks noGrp="1"/>
-          </p:cNvSpPr>
-          <p:nvPr>
-            <p:ph idx="1"/>
-          </p:nvPr>
-        </p:nvSpPr>
-        <p:spPr>
-          <a:xfrm>
-            <a:off x="913795" y="1968237"/>
-            <a:ext cx="3531684" cy="3679189"/>
-          </a:xfrm>
-        </p:spPr>
-        <p:txBody>
-          <a:bodyPr anchor="t">
-            <a:normAutofit/>
-          </a:bodyPr>
-          <a:lstStyle/>
-          <a:p>
-            <a:r>
-              <a:rPr lang="en-US" sz="1600"/>
-              <a:t>Enumerate few examples of STRIDE here</a:t>
-            </a:r>
-          </a:p>
-        </p:txBody>
-      </p:sp>
-    </p:spTree>
-    <p:extLst>
-      <p:ext uri="{BB962C8B-B14F-4D97-AF65-F5344CB8AC3E}">
-        <p14:creationId xmlns:p14="http://schemas.microsoft.com/office/powerpoint/2010/main" val="176676921"/>
-      </p:ext>
-    </p:extLst>
-  </p:cSld>
-  <p:clrMapOvr>
-    <a:masterClrMapping/>
-  </p:clrMapOvr>
-</p:sld>
-</file>
-
-<file path=ppt/slides/slide5.xml><?xml version="1.0" encoding="utf-8"?>
-<p:sld xmlns:a="http://schemas.openxmlformats.org/drawingml/2006/main" xmlns:r="http://schemas.openxmlformats.org/officeDocument/2006/relationships" xmlns:p="http://schemas.openxmlformats.org/presentationml/2006/main">
-  <p:cSld>
-    <p:bg>
-      <p:bgPr>
-        <a:solidFill>
-          <a:schemeClr val="bg1"/>
-        </a:solidFill>
-        <a:effectLst/>
-      </p:bgPr>
-    </p:bg>
-    <p:spTree>
-      <p:nvGrpSpPr>
-        <p:cNvPr id="1" name=""/>
-        <p:cNvGrpSpPr/>
-        <p:nvPr/>
-      </p:nvGrpSpPr>
-      <p:grpSpPr>
-        <a:xfrm>
-          <a:off x="0" y="0"/>
-          <a:ext cx="0" cy="0"/>
-          <a:chOff x="0" y="0"/>
-          <a:chExt cx="0" cy="0"/>
-        </a:xfrm>
-      </p:grpSpPr>
-      <p:sp useBgFill="1">
-        <p:nvSpPr>
-          <p:cNvPr id="8" name="Rectangle 7">
-            <a:extLst>
-              <a:ext uri="{FF2B5EF4-FFF2-40B4-BE49-F238E27FC236}">
-                <a16:creationId xmlns:a16="http://schemas.microsoft.com/office/drawing/2014/main" id="{7CFAC9FD-BAD6-47B4-9C11-BE23CEAC750B}"/>
-              </a:ext>
-              <a:ext uri="{C183D7F6-B498-43B3-948B-1728B52AA6E4}">
-                <adec:decorative xmlns:adec="http://schemas.microsoft.com/office/drawing/2017/decorative" val="1"/>
-              </a:ext>
-            </a:extLst>
-          </p:cNvPr>
-          <p:cNvSpPr>
-            <a:spLocks noGrp="1" noRot="1" noChangeAspect="1" noMove="1" noResize="1" noEditPoints="1" noAdjustHandles="1" noChangeArrowheads="1" noChangeShapeType="1" noTextEdit="1"/>
-          </p:cNvSpPr>
-          <p:nvPr>
-            <p:extLst>
-              <p:ext uri="{386F3935-93C4-4BCD-93E2-E3B085C9AB24}">
-                <p16:designElem xmlns:p16="http://schemas.microsoft.com/office/powerpoint/2015/main" val="1"/>
-              </p:ext>
-            </p:extLst>
-          </p:nvPr>
-        </p:nvSpPr>
-        <p:spPr>
-          <a:xfrm>
-            <a:off x="0" y="0"/>
-            <a:ext cx="12192000" cy="6858000"/>
-          </a:xfrm>
-          <a:prstGeom prst="rect">
-            <a:avLst/>
-          </a:prstGeom>
-          <a:ln>
-            <a:noFill/>
-          </a:ln>
-        </p:spPr>
-        <p:style>
-          <a:lnRef idx="2">
-            <a:schemeClr val="accent1">
-              <a:shade val="50000"/>
-            </a:schemeClr>
-          </a:lnRef>
-          <a:fillRef idx="1">
-            <a:schemeClr val="accent1"/>
-          </a:fillRef>
-          <a:effectRef idx="0">
-            <a:schemeClr val="accent1"/>
-          </a:effectRef>
-          <a:fontRef idx="minor">
-            <a:schemeClr val="lt1"/>
-          </a:fontRef>
-        </p:style>
-        <p:txBody>
-          <a:bodyPr rtlCol="0" anchor="ctr"/>
-          <a:lstStyle/>
-          <a:p>
-            <a:pPr algn="ctr"/>
-            <a:endParaRPr lang="en-US"/>
-          </a:p>
-        </p:txBody>
-      </p:sp>
-      <p:sp>
-        <p:nvSpPr>
-          <p:cNvPr id="10" name="Rectangle 9">
-            <a:extLst>
-              <a:ext uri="{FF2B5EF4-FFF2-40B4-BE49-F238E27FC236}">
-                <a16:creationId xmlns:a16="http://schemas.microsoft.com/office/drawing/2014/main" id="{45B67B9C-9B45-4084-9BB5-187071EE9A61}"/>
-              </a:ext>
-              <a:ext uri="{C183D7F6-B498-43B3-948B-1728B52AA6E4}">
-                <adec:decorative xmlns:adec="http://schemas.microsoft.com/office/drawing/2017/decorative" val="1"/>
-              </a:ext>
-            </a:extLst>
-          </p:cNvPr>
-          <p:cNvSpPr>
-            <a:spLocks noGrp="1" noRot="1" noChangeAspect="1" noMove="1" noResize="1" noEditPoints="1" noAdjustHandles="1" noChangeArrowheads="1" noChangeShapeType="1" noTextEdit="1"/>
-          </p:cNvSpPr>
-          <p:nvPr>
-            <p:extLst>
-              <p:ext uri="{386F3935-93C4-4BCD-93E2-E3B085C9AB24}">
-                <p16:designElem xmlns:p16="http://schemas.microsoft.com/office/powerpoint/2015/main" val="1"/>
-              </p:ext>
-            </p:extLst>
-          </p:nvPr>
-        </p:nvSpPr>
-        <p:spPr>
-          <a:xfrm>
-            <a:off x="-1" y="0"/>
-            <a:ext cx="4654287" cy="6858000"/>
-          </a:xfrm>
-          <a:prstGeom prst="rect">
-            <a:avLst/>
-          </a:prstGeom>
-          <a:ln>
-            <a:noFill/>
-          </a:ln>
-        </p:spPr>
-        <p:style>
-          <a:lnRef idx="2">
-            <a:schemeClr val="accent1">
-              <a:shade val="50000"/>
-            </a:schemeClr>
-          </a:lnRef>
-          <a:fillRef idx="1003">
-            <a:schemeClr val="dk2"/>
-          </a:fillRef>
-          <a:effectRef idx="0">
-            <a:schemeClr val="accent1"/>
-          </a:effectRef>
-          <a:fontRef idx="minor">
-            <a:schemeClr val="lt1"/>
-          </a:fontRef>
-        </p:style>
-        <p:txBody>
-          <a:bodyPr rtlCol="0" anchor="ctr"/>
-          <a:lstStyle/>
-          <a:p>
-            <a:pPr algn="ctr"/>
-            <a:endParaRPr lang="en-US"/>
-          </a:p>
-        </p:txBody>
-      </p:sp>
-      <p:sp>
-        <p:nvSpPr>
-          <p:cNvPr id="2" name="Title 1">
-            <a:extLst>
-              <a:ext uri="{FF2B5EF4-FFF2-40B4-BE49-F238E27FC236}">
-                <a16:creationId xmlns:a16="http://schemas.microsoft.com/office/drawing/2014/main" id="{2184766E-1AB9-43E5-9E31-3DBBEE0A3093}"/>
-              </a:ext>
-            </a:extLst>
-          </p:cNvPr>
-          <p:cNvSpPr>
-            <a:spLocks noGrp="1"/>
-          </p:cNvSpPr>
-          <p:nvPr>
-            <p:ph type="title"/>
-          </p:nvPr>
-        </p:nvSpPr>
-        <p:spPr>
-          <a:xfrm>
-            <a:off x="695916" y="1078264"/>
-            <a:ext cx="3422930" cy="4701473"/>
-          </a:xfrm>
-        </p:spPr>
-        <p:txBody>
-          <a:bodyPr>
-            <a:normAutofit/>
-          </a:bodyPr>
-          <a:lstStyle/>
-          <a:p>
-            <a:pPr algn="r"/>
-            <a:r>
-              <a:rPr lang="en-US" sz="4400">
-                <a:solidFill>
-                  <a:srgbClr val="FFFFFF"/>
-                </a:solidFill>
-              </a:rPr>
-              <a:t>Spoofing</a:t>
-            </a:r>
-          </a:p>
-        </p:txBody>
-      </p:sp>
-      <p:sp>
-        <p:nvSpPr>
-          <p:cNvPr id="3" name="Content Placeholder 2">
-            <a:extLst>
-              <a:ext uri="{FF2B5EF4-FFF2-40B4-BE49-F238E27FC236}">
-                <a16:creationId xmlns:a16="http://schemas.microsoft.com/office/drawing/2014/main" id="{4812272E-FE94-4BEE-8B36-57BBED880132}"/>
-              </a:ext>
-            </a:extLst>
-          </p:cNvPr>
-          <p:cNvSpPr>
-            <a:spLocks noGrp="1"/>
-          </p:cNvSpPr>
-          <p:nvPr>
-            <p:ph idx="1"/>
-          </p:nvPr>
-        </p:nvSpPr>
-        <p:spPr>
-          <a:xfrm>
-            <a:off x="5114167" y="1078263"/>
-            <a:ext cx="6117578" cy="4701474"/>
-          </a:xfrm>
-          <a:effectLst/>
-        </p:spPr>
-        <p:txBody>
-          <a:bodyPr anchor="ctr">
-            <a:normAutofit/>
-          </a:bodyPr>
-          <a:lstStyle/>
-          <a:p>
-            <a:r>
-              <a:rPr lang="en-US" dirty="0"/>
-              <a:t>When a resource masquerades as a different resource</a:t>
-            </a:r>
-          </a:p>
-          <a:p>
-            <a:pPr lvl="1"/>
-            <a:r>
-              <a:rPr lang="en-US" dirty="0"/>
-              <a:t>Phishing sites</a:t>
-            </a:r>
-          </a:p>
-          <a:p>
-            <a:pPr lvl="1"/>
-            <a:r>
-              <a:rPr lang="en-US" dirty="0"/>
-              <a:t>Misconfigured service routes</a:t>
-            </a:r>
-          </a:p>
-          <a:p>
-            <a:pPr lvl="1"/>
-            <a:r>
-              <a:rPr lang="en-US" dirty="0"/>
-              <a:t>HTTP vs HTTPS</a:t>
-            </a:r>
-          </a:p>
-        </p:txBody>
-      </p:sp>
-    </p:spTree>
-    <p:extLst>
-      <p:ext uri="{BB962C8B-B14F-4D97-AF65-F5344CB8AC3E}">
-        <p14:creationId xmlns:p14="http://schemas.microsoft.com/office/powerpoint/2010/main" val="3857245877"/>
-      </p:ext>
-    </p:extLst>
-  </p:cSld>
-  <p:clrMapOvr>
-    <a:overrideClrMapping bg1="lt1" tx1="dk1" bg2="lt2" tx2="dk2" accent1="accent1" accent2="accent2" accent3="accent3" accent4="accent4" accent5="accent5" accent6="accent6" hlink="hlink" folHlink="folHlink"/>
-  </p:clrMapOvr>
-</p:sld>
-</file>
-
-<file path=ppt/slides/slide6.xml><?xml version="1.0" encoding="utf-8"?>
-<p:sld xmlns:a="http://schemas.openxmlformats.org/drawingml/2006/main" xmlns:r="http://schemas.openxmlformats.org/officeDocument/2006/relationships" xmlns:p="http://schemas.openxmlformats.org/presentationml/2006/main">
-  <p:cSld>
-    <p:bg>
-      <p:bgPr>
-        <a:blipFill rotWithShape="1">
           <a:blip r:embed="rId2">
             <a:duotone>
               <a:schemeClr val="bg1">
@@ -11113,10 +6570,10 @@
       </p:grpSpPr>
       <p:sp useBgFill="1">
         <p:nvSpPr>
-          <p:cNvPr id="8" name="Rectangle 7">
+          <p:cNvPr id="14" name="Rectangle 13">
             <a:extLst>
               <a:ext uri="{FF2B5EF4-FFF2-40B4-BE49-F238E27FC236}">
-                <a16:creationId xmlns:a16="http://schemas.microsoft.com/office/drawing/2014/main" id="{9A6C2C86-63BF-47D5-AA3F-905111A238E2}"/>
+                <a16:creationId xmlns:a16="http://schemas.microsoft.com/office/drawing/2014/main" id="{72CA733A-8D25-4E63-8273-CC14052E0E8A}"/>
               </a:ext>
               <a:ext uri="{C183D7F6-B498-43B3-948B-1728B52AA6E4}">
                 <adec:decorative xmlns:adec="http://schemas.microsoft.com/office/drawing/2017/decorative" val="1"/>
@@ -11171,57 +6628,50 @@
           </a:p>
         </p:txBody>
       </p:sp>
-      <p:sp>
-        <p:nvSpPr>
-          <p:cNvPr id="2" name="Title 1">
+      <p:pic>
+        <p:nvPicPr>
+          <p:cNvPr id="4" name="Picture 3">
             <a:extLst>
               <a:ext uri="{FF2B5EF4-FFF2-40B4-BE49-F238E27FC236}">
-                <a16:creationId xmlns:a16="http://schemas.microsoft.com/office/drawing/2014/main" id="{E26B5C27-D497-4978-9F02-DB68CC21B34E}"/>
+                <a16:creationId xmlns:a16="http://schemas.microsoft.com/office/drawing/2014/main" id="{F294F61B-FF70-4459-BD65-9413D6839242}"/>
               </a:ext>
             </a:extLst>
           </p:cNvPr>
-          <p:cNvSpPr>
-            <a:spLocks noGrp="1"/>
-          </p:cNvSpPr>
-          <p:nvPr>
-            <p:ph type="title"/>
-          </p:nvPr>
-        </p:nvSpPr>
+          <p:cNvPicPr>
+            <a:picLocks noChangeAspect="1"/>
+          </p:cNvPicPr>
+          <p:nvPr/>
+        </p:nvPicPr>
+        <p:blipFill rotWithShape="1">
+          <a:blip r:embed="rId3"/>
+          <a:srcRect t="3910" r="-1" b="16630"/>
+          <a:stretch/>
+        </p:blipFill>
         <p:spPr>
           <a:xfrm>
-            <a:off x="834013" y="1115568"/>
-            <a:ext cx="3487616" cy="4626864"/>
+            <a:off x="-1" y="-2"/>
+            <a:ext cx="12198915" cy="6857999"/>
           </a:xfrm>
+          <a:prstGeom prst="rect">
+            <a:avLst/>
+          </a:prstGeom>
         </p:spPr>
-        <p:txBody>
-          <a:bodyPr>
-            <a:normAutofit/>
-          </a:bodyPr>
-          <a:lstStyle/>
-          <a:p>
-            <a:pPr algn="l"/>
-            <a:r>
-              <a:rPr lang="en-US" sz="3600"/>
-              <a:t>Tampering</a:t>
-            </a:r>
-          </a:p>
-        </p:txBody>
-      </p:sp>
-      <p:cxnSp>
-        <p:nvCxnSpPr>
-          <p:cNvPr id="10" name="Straight Connector 9">
+      </p:pic>
+      <p:sp>
+        <p:nvSpPr>
+          <p:cNvPr id="16" name="Rectangle 15">
             <a:extLst>
               <a:ext uri="{FF2B5EF4-FFF2-40B4-BE49-F238E27FC236}">
-                <a16:creationId xmlns:a16="http://schemas.microsoft.com/office/drawing/2014/main" id="{425A0768-3044-4AA9-A889-D2CAA68C517A}"/>
+                <a16:creationId xmlns:a16="http://schemas.microsoft.com/office/drawing/2014/main" id="{6B28264E-43F8-4339-BE92-AA6B94D4021F}"/>
               </a:ext>
               <a:ext uri="{C183D7F6-B498-43B3-948B-1728B52AA6E4}">
                 <adec:decorative xmlns:adec="http://schemas.microsoft.com/office/drawing/2017/decorative" val="1"/>
               </a:ext>
             </a:extLst>
           </p:cNvPr>
-          <p:cNvCxnSpPr>
-            <a:cxnSpLocks noGrp="1" noRot="1" noChangeAspect="1" noMove="1" noResize="1" noEditPoints="1" noAdjustHandles="1" noChangeArrowheads="1" noChangeShapeType="1"/>
-          </p:cNvCxnSpPr>
+          <p:cNvSpPr>
+            <a:spLocks noGrp="1" noRot="1" noChangeAspect="1" noMove="1" noResize="1" noEditPoints="1" noAdjustHandles="1" noChangeArrowheads="1" noChangeShapeType="1" noTextEdit="1"/>
+          </p:cNvSpPr>
           <p:nvPr>
             <p:extLst>
               <p:ext uri="{386F3935-93C4-4BCD-93E2-E3B085C9AB24}">
@@ -11229,179 +6679,35 @@
               </p:ext>
             </p:extLst>
           </p:nvPr>
-        </p:nvCxnSpPr>
+        </p:nvSpPr>
         <p:spPr>
           <a:xfrm>
-            <a:off x="4654605" y="2057400"/>
-            <a:ext cx="0" cy="2743200"/>
-          </a:xfrm>
-          <a:prstGeom prst="line">
-            <a:avLst/>
-          </a:prstGeom>
-          <a:ln w="19050">
-            <a:solidFill>
-              <a:schemeClr val="tx2"/>
-            </a:solidFill>
-          </a:ln>
-        </p:spPr>
-        <p:style>
-          <a:lnRef idx="1">
-            <a:schemeClr val="accent1"/>
-          </a:lnRef>
-          <a:fillRef idx="0">
-            <a:schemeClr val="accent1"/>
-          </a:fillRef>
-          <a:effectRef idx="0">
-            <a:schemeClr val="accent1"/>
-          </a:effectRef>
-          <a:fontRef idx="minor">
-            <a:schemeClr val="tx1"/>
-          </a:fontRef>
-        </p:style>
-      </p:cxnSp>
-      <p:sp>
-        <p:nvSpPr>
-          <p:cNvPr id="3" name="Content Placeholder 2">
-            <a:extLst>
-              <a:ext uri="{FF2B5EF4-FFF2-40B4-BE49-F238E27FC236}">
-                <a16:creationId xmlns:a16="http://schemas.microsoft.com/office/drawing/2014/main" id="{966322D5-4081-4031-82BD-CA84136B8CF4}"/>
-              </a:ext>
-            </a:extLst>
-          </p:cNvPr>
-          <p:cNvSpPr>
-            <a:spLocks noGrp="1"/>
-          </p:cNvSpPr>
-          <p:nvPr>
-            <p:ph idx="1"/>
-          </p:nvPr>
-        </p:nvSpPr>
-        <p:spPr>
-          <a:xfrm>
-            <a:off x="5105398" y="1115568"/>
-            <a:ext cx="6245352" cy="4626864"/>
-          </a:xfrm>
-        </p:spPr>
-        <p:txBody>
-          <a:bodyPr anchor="ctr">
-            <a:normAutofit/>
-          </a:bodyPr>
-          <a:lstStyle/>
-          <a:p>
-            <a:r>
-              <a:rPr lang="en-US" dirty="0"/>
-              <a:t>A resource alters the state of an asset in undesirable manner</a:t>
-            </a:r>
-          </a:p>
-          <a:p>
-            <a:pPr lvl="1"/>
-            <a:r>
-              <a:rPr lang="en-US" dirty="0" err="1"/>
-              <a:t>Unecrypted</a:t>
-            </a:r>
-            <a:r>
-              <a:rPr lang="en-US" dirty="0"/>
-              <a:t> network traffic</a:t>
-            </a:r>
-          </a:p>
-          <a:p>
-            <a:pPr lvl="1"/>
-            <a:r>
-              <a:rPr lang="en-US" dirty="0"/>
-              <a:t>Weak lock on the office door</a:t>
-            </a:r>
-          </a:p>
-          <a:p>
-            <a:pPr lvl="1"/>
-            <a:endParaRPr lang="en-US" dirty="0"/>
-          </a:p>
-        </p:txBody>
-      </p:sp>
-    </p:spTree>
-    <p:extLst>
-      <p:ext uri="{BB962C8B-B14F-4D97-AF65-F5344CB8AC3E}">
-        <p14:creationId xmlns:p14="http://schemas.microsoft.com/office/powerpoint/2010/main" val="942609151"/>
-      </p:ext>
-    </p:extLst>
-  </p:cSld>
-  <p:clrMapOvr>
-    <a:masterClrMapping/>
-  </p:clrMapOvr>
-</p:sld>
-</file>
-
-<file path=ppt/slides/slide7.xml><?xml version="1.0" encoding="utf-8"?>
-<p:sld xmlns:a="http://schemas.openxmlformats.org/drawingml/2006/main" xmlns:r="http://schemas.openxmlformats.org/officeDocument/2006/relationships" xmlns:p="http://schemas.openxmlformats.org/presentationml/2006/main">
-  <p:cSld>
-    <p:bg>
-      <p:bgPr>
-        <a:blipFill rotWithShape="1">
-          <a:blip r:embed="rId3">
-            <a:duotone>
-              <a:schemeClr val="bg1">
-                <a:shade val="80000"/>
-                <a:lumMod val="80000"/>
-              </a:schemeClr>
-              <a:schemeClr val="bg1">
-                <a:tint val="98000"/>
-              </a:schemeClr>
-            </a:duotone>
-          </a:blip>
-          <a:stretch/>
-        </a:blipFill>
-        <a:effectLst/>
-      </p:bgPr>
-    </p:bg>
-    <p:spTree>
-      <p:nvGrpSpPr>
-        <p:cNvPr id="1" name=""/>
-        <p:cNvGrpSpPr/>
-        <p:nvPr/>
-      </p:nvGrpSpPr>
-      <p:grpSpPr>
-        <a:xfrm>
-          <a:off x="0" y="0"/>
-          <a:ext cx="0" cy="0"/>
-          <a:chOff x="0" y="0"/>
-          <a:chExt cx="0" cy="0"/>
-        </a:xfrm>
-      </p:grpSpPr>
-      <p:sp>
-        <p:nvSpPr>
-          <p:cNvPr id="8" name="Rectangle 7">
-            <a:extLst>
-              <a:ext uri="{FF2B5EF4-FFF2-40B4-BE49-F238E27FC236}">
-                <a16:creationId xmlns:a16="http://schemas.microsoft.com/office/drawing/2014/main" id="{8DEB9D55-38C8-45B4-BB2D-4FDBBDB08C37}"/>
-              </a:ext>
-              <a:ext uri="{C183D7F6-B498-43B3-948B-1728B52AA6E4}">
-                <adec:decorative xmlns:adec="http://schemas.microsoft.com/office/drawing/2017/decorative" val="1"/>
-              </a:ext>
-            </a:extLst>
-          </p:cNvPr>
-          <p:cNvSpPr>
-            <a:spLocks noGrp="1" noRot="1" noChangeAspect="1" noMove="1" noResize="1" noEditPoints="1" noAdjustHandles="1" noChangeArrowheads="1" noChangeShapeType="1" noTextEdit="1"/>
-          </p:cNvSpPr>
-          <p:nvPr>
-            <p:extLst>
-              <p:ext uri="{386F3935-93C4-4BCD-93E2-E3B085C9AB24}">
-                <p16:designElem xmlns:p16="http://schemas.microsoft.com/office/powerpoint/2015/main" val="1"/>
-              </p:ext>
-            </p:extLst>
-          </p:nvPr>
-        </p:nvSpPr>
-        <p:spPr>
-          <a:xfrm>
-            <a:off x="0" y="0"/>
-            <a:ext cx="12192000" cy="6858000"/>
+            <a:off x="-2307" y="4220681"/>
+            <a:ext cx="12188952" cy="2637319"/>
           </a:xfrm>
           <a:prstGeom prst="rect">
             <a:avLst/>
           </a:prstGeom>
-          <a:solidFill>
-            <a:schemeClr val="bg1">
-              <a:lumMod val="85000"/>
-              <a:lumOff val="15000"/>
-            </a:schemeClr>
-          </a:solidFill>
+          <a:gradFill>
+            <a:gsLst>
+              <a:gs pos="42000">
+                <a:schemeClr val="bg1">
+                  <a:alpha val="23000"/>
+                </a:schemeClr>
+              </a:gs>
+              <a:gs pos="0">
+                <a:schemeClr val="bg1">
+                  <a:alpha val="0"/>
+                </a:schemeClr>
+              </a:gs>
+              <a:gs pos="100000">
+                <a:schemeClr val="bg1">
+                  <a:alpha val="36000"/>
+                </a:schemeClr>
+              </a:gs>
+            </a:gsLst>
+            <a:lin ang="5400000" scaled="1"/>
+          </a:gradFill>
           <a:ln>
             <a:noFill/>
           </a:ln>
@@ -11427,156 +6733,147 @@
           <a:lstStyle/>
           <a:p>
             <a:pPr algn="ctr"/>
-            <a:endParaRPr lang="en-US" dirty="0"/>
-          </a:p>
-        </p:txBody>
-      </p:sp>
-      <p:sp useBgFill="1">
-        <p:nvSpPr>
-          <p:cNvPr id="10" name="Freeform: Shape 9">
+            <a:endParaRPr lang="en-US"/>
+          </a:p>
+        </p:txBody>
+      </p:sp>
+      <p:sp>
+        <p:nvSpPr>
+          <p:cNvPr id="2" name="Title 1">
             <a:extLst>
               <a:ext uri="{FF2B5EF4-FFF2-40B4-BE49-F238E27FC236}">
-                <a16:creationId xmlns:a16="http://schemas.microsoft.com/office/drawing/2014/main" id="{B40DDA79-7866-468E-A33D-D8341D900EC5}"/>
-              </a:ext>
-              <a:ext uri="{C183D7F6-B498-43B3-948B-1728B52AA6E4}">
-                <adec:decorative xmlns:adec="http://schemas.microsoft.com/office/drawing/2017/decorative" val="1"/>
+                <a16:creationId xmlns:a16="http://schemas.microsoft.com/office/drawing/2014/main" id="{907BC998-C077-4740-B45B-1A38A9DD2BEA}"/>
               </a:ext>
             </a:extLst>
           </p:cNvPr>
           <p:cNvSpPr>
-            <a:spLocks noGrp="1" noRot="1" noChangeAspect="1" noMove="1" noResize="1" noEditPoints="1" noAdjustHandles="1" noChangeArrowheads="1" noChangeShapeType="1" noTextEdit="1"/>
-          </p:cNvSpPr>
-          <p:nvPr>
-            <p:extLst>
-              <p:ext uri="{386F3935-93C4-4BCD-93E2-E3B085C9AB24}">
-                <p16:designElem xmlns:p16="http://schemas.microsoft.com/office/powerpoint/2015/main" val="1"/>
-              </p:ext>
-            </p:extLst>
+            <a:spLocks noGrp="1"/>
+          </p:cNvSpPr>
+          <p:nvPr>
+            <p:ph type="ctrTitle"/>
           </p:nvPr>
         </p:nvSpPr>
         <p:spPr>
           <a:xfrm>
-            <a:off x="0" y="0"/>
-            <a:ext cx="12192000" cy="4567080"/>
+            <a:off x="1370693" y="4406537"/>
+            <a:ext cx="9440034" cy="1088336"/>
           </a:xfrm>
-          <a:custGeom>
-            <a:avLst/>
-            <a:gdLst>
-              <a:gd name="connsiteX0" fmla="*/ 0 w 12192000"/>
-              <a:gd name="connsiteY0" fmla="*/ 0 h 4567080"/>
-              <a:gd name="connsiteX1" fmla="*/ 12192000 w 12192000"/>
-              <a:gd name="connsiteY1" fmla="*/ 0 h 4567080"/>
-              <a:gd name="connsiteX2" fmla="*/ 12192000 w 12192000"/>
-              <a:gd name="connsiteY2" fmla="*/ 4040874 h 4567080"/>
-              <a:gd name="connsiteX3" fmla="*/ 11707453 w 12192000"/>
-              <a:gd name="connsiteY3" fmla="*/ 4125902 h 4567080"/>
-              <a:gd name="connsiteX4" fmla="*/ 6090444 w 12192000"/>
-              <a:gd name="connsiteY4" fmla="*/ 4567080 h 4567080"/>
-              <a:gd name="connsiteX5" fmla="*/ 473435 w 12192000"/>
-              <a:gd name="connsiteY5" fmla="*/ 4125902 h 4567080"/>
-              <a:gd name="connsiteX6" fmla="*/ 0 w 12192000"/>
-              <a:gd name="connsiteY6" fmla="*/ 4042824 h 4567080"/>
-            </a:gdLst>
-            <a:ahLst/>
-            <a:cxnLst>
-              <a:cxn ang="0">
-                <a:pos x="connsiteX0" y="connsiteY0"/>
-              </a:cxn>
-              <a:cxn ang="0">
-                <a:pos x="connsiteX1" y="connsiteY1"/>
-              </a:cxn>
-              <a:cxn ang="0">
-                <a:pos x="connsiteX2" y="connsiteY2"/>
-              </a:cxn>
-              <a:cxn ang="0">
-                <a:pos x="connsiteX3" y="connsiteY3"/>
-              </a:cxn>
-              <a:cxn ang="0">
-                <a:pos x="connsiteX4" y="connsiteY4"/>
-              </a:cxn>
-              <a:cxn ang="0">
-                <a:pos x="connsiteX5" y="connsiteY5"/>
-              </a:cxn>
-              <a:cxn ang="0">
-                <a:pos x="connsiteX6" y="connsiteY6"/>
-              </a:cxn>
-            </a:cxnLst>
-            <a:rect l="l" t="t" r="r" b="b"/>
-            <a:pathLst>
-              <a:path w="12192000" h="4567080">
-                <a:moveTo>
-                  <a:pt x="0" y="0"/>
-                </a:moveTo>
-                <a:lnTo>
-                  <a:pt x="12192000" y="0"/>
-                </a:lnTo>
-                <a:lnTo>
-                  <a:pt x="12192000" y="4040874"/>
-                </a:lnTo>
-                <a:lnTo>
-                  <a:pt x="11707453" y="4125902"/>
-                </a:lnTo>
-                <a:cubicBezTo>
-                  <a:pt x="9955980" y="4411316"/>
-                  <a:pt x="8064085" y="4567080"/>
-                  <a:pt x="6090444" y="4567080"/>
-                </a:cubicBezTo>
-                <a:cubicBezTo>
-                  <a:pt x="4116804" y="4567080"/>
-                  <a:pt x="2224908" y="4411316"/>
-                  <a:pt x="473435" y="4125902"/>
-                </a:cubicBezTo>
-                <a:lnTo>
-                  <a:pt x="0" y="4042824"/>
-                </a:lnTo>
-                <a:close/>
-              </a:path>
-            </a:pathLst>
-          </a:custGeom>
-          <a:ln>
-            <a:noFill/>
-          </a:ln>
-          <a:effectLst>
-            <a:outerShdw blurRad="50800" dist="38100" dir="5400000" algn="t" rotWithShape="0">
-              <a:prstClr val="black">
-                <a:alpha val="40000"/>
-              </a:prstClr>
-            </a:outerShdw>
-          </a:effectLst>
         </p:spPr>
-        <p:style>
-          <a:lnRef idx="2">
-            <a:schemeClr val="accent1">
-              <a:shade val="50000"/>
-            </a:schemeClr>
-          </a:lnRef>
-          <a:fillRef idx="1">
-            <a:schemeClr val="accent1"/>
-          </a:fillRef>
-          <a:effectRef idx="0">
-            <a:schemeClr val="accent1"/>
-          </a:effectRef>
-          <a:fontRef idx="minor">
-            <a:schemeClr val="lt1"/>
-          </a:fontRef>
-        </p:style>
-        <p:txBody>
-          <a:bodyPr wrap="square" rtlCol="0" anchor="ctr">
-            <a:noAutofit/>
+        <p:txBody>
+          <a:bodyPr>
+            <a:normAutofit/>
           </a:bodyPr>
           <a:lstStyle/>
           <a:p>
-            <a:pPr algn="ctr"/>
-            <a:endParaRPr lang="en-US"/>
-          </a:p>
-        </p:txBody>
-      </p:sp>
+            <a:r>
+              <a:rPr lang="en-US" sz="4800" dirty="0"/>
+              <a:t>Peo</a:t>
+            </a:r>
+            <a:r>
+              <a:rPr lang="en-US" sz="4000" dirty="0"/>
+              <a:t>ple and Security</a:t>
+            </a:r>
+          </a:p>
+        </p:txBody>
+      </p:sp>
+      <p:sp>
+        <p:nvSpPr>
+          <p:cNvPr id="3" name="Subtitle 2">
+            <a:extLst>
+              <a:ext uri="{FF2B5EF4-FFF2-40B4-BE49-F238E27FC236}">
+                <a16:creationId xmlns:a16="http://schemas.microsoft.com/office/drawing/2014/main" id="{3915A045-9C9F-4984-A716-93E3F8BBAD0D}"/>
+              </a:ext>
+            </a:extLst>
+          </p:cNvPr>
+          <p:cNvSpPr>
+            <a:spLocks noGrp="1"/>
+          </p:cNvSpPr>
+          <p:nvPr>
+            <p:ph type="subTitle" idx="1"/>
+          </p:nvPr>
+        </p:nvSpPr>
+        <p:spPr>
+          <a:xfrm>
+            <a:off x="1370693" y="5494872"/>
+            <a:ext cx="9440034" cy="621614"/>
+          </a:xfrm>
+        </p:spPr>
+        <p:txBody>
+          <a:bodyPr>
+            <a:normAutofit fontScale="47500" lnSpcReduction="20000"/>
+          </a:bodyPr>
+          <a:lstStyle/>
+          <a:p>
+            <a:endParaRPr lang="en-US" dirty="0">
+              <a:solidFill>
+                <a:srgbClr val="C69699"/>
+              </a:solidFill>
+            </a:endParaRPr>
+          </a:p>
+          <a:p>
+            <a:pPr algn="l"/>
+            <a:r>
+              <a:rPr lang="en-US" dirty="0">
+                <a:solidFill>
+                  <a:srgbClr val="C69699"/>
+                </a:solidFill>
+              </a:rPr>
+              <a:t>TIM-8301: Principals of Security</a:t>
+            </a:r>
+            <a:br>
+              <a:rPr lang="en-US" dirty="0">
+                <a:solidFill>
+                  <a:srgbClr val="C69699"/>
+                </a:solidFill>
+              </a:rPr>
+            </a:br>
+            <a:r>
+              <a:rPr lang="en-US" dirty="0">
+                <a:solidFill>
+                  <a:srgbClr val="C69699"/>
+                </a:solidFill>
+              </a:rPr>
+              <a:t>Nate Bachmeier</a:t>
+            </a:r>
+          </a:p>
+        </p:txBody>
+      </p:sp>
+    </p:spTree>
+    <p:extLst>
+      <p:ext uri="{BB962C8B-B14F-4D97-AF65-F5344CB8AC3E}">
+        <p14:creationId xmlns:p14="http://schemas.microsoft.com/office/powerpoint/2010/main" val="3461442134"/>
+      </p:ext>
+    </p:extLst>
+  </p:cSld>
+  <p:clrMapOvr>
+    <a:masterClrMapping/>
+  </p:clrMapOvr>
+</p:sld>
+</file>
+
+<file path=ppt/slides/slide10.xml><?xml version="1.0" encoding="utf-8"?>
+<p:sld xmlns:a="http://schemas.openxmlformats.org/drawingml/2006/main" xmlns:r="http://schemas.openxmlformats.org/officeDocument/2006/relationships" xmlns:p="http://schemas.openxmlformats.org/presentationml/2006/main">
+  <p:cSld>
+    <p:spTree>
+      <p:nvGrpSpPr>
+        <p:cNvPr id="1" name=""/>
+        <p:cNvGrpSpPr/>
+        <p:nvPr/>
+      </p:nvGrpSpPr>
+      <p:grpSpPr>
+        <a:xfrm>
+          <a:off x="0" y="0"/>
+          <a:ext cx="0" cy="0"/>
+          <a:chOff x="0" y="0"/>
+          <a:chExt cx="0" cy="0"/>
+        </a:xfrm>
+      </p:grpSpPr>
       <p:sp>
         <p:nvSpPr>
           <p:cNvPr id="2" name="Title 1">
             <a:extLst>
               <a:ext uri="{FF2B5EF4-FFF2-40B4-BE49-F238E27FC236}">
-                <a16:creationId xmlns:a16="http://schemas.microsoft.com/office/drawing/2014/main" id="{ACD56BDC-37F4-4B8D-BB2B-F8A4B40F6DDC}"/>
+                <a16:creationId xmlns:a16="http://schemas.microsoft.com/office/drawing/2014/main" id="{F936AC88-7899-4BD5-BEF4-62C3DB2C821A}"/>
               </a:ext>
             </a:extLst>
           </p:cNvPr>
@@ -11587,30 +6884,1749 @@
             <p:ph type="title"/>
           </p:nvPr>
         </p:nvSpPr>
-        <p:spPr>
-          <a:xfrm>
-            <a:off x="1370013" y="1251284"/>
-            <a:ext cx="9440862" cy="2458545"/>
-          </a:xfrm>
-          <a:effectLst/>
-        </p:spPr>
-        <p:txBody>
-          <a:bodyPr vert="horz" lIns="91440" tIns="45720" rIns="91440" bIns="45720" rtlCol="0" anchor="b">
-            <a:normAutofit/>
-          </a:bodyPr>
-          <a:lstStyle/>
-          <a:p>
-            <a:r>
-              <a:rPr lang="en-US" sz="6000"/>
-              <a:t>Repudiation</a:t>
-            </a:r>
+        <p:spPr/>
+        <p:txBody>
+          <a:bodyPr/>
+          <a:lstStyle/>
+          <a:p>
+            <a:r>
+              <a:rPr lang="en-US" dirty="0">
+                <a:effectLst/>
+              </a:rPr>
+              <a:t>Creating a security aware culture</a:t>
+            </a:r>
+            <a:endParaRPr lang="en-US" dirty="0"/>
+          </a:p>
+        </p:txBody>
+      </p:sp>
+      <p:sp>
+        <p:nvSpPr>
+          <p:cNvPr id="3" name="Content Placeholder 2">
+            <a:extLst>
+              <a:ext uri="{FF2B5EF4-FFF2-40B4-BE49-F238E27FC236}">
+                <a16:creationId xmlns:a16="http://schemas.microsoft.com/office/drawing/2014/main" id="{AFE43B6D-4AF0-4F79-A3F5-52ED5E4F4F54}"/>
+              </a:ext>
+            </a:extLst>
+          </p:cNvPr>
+          <p:cNvSpPr>
+            <a:spLocks noGrp="1"/>
+          </p:cNvSpPr>
+          <p:nvPr>
+            <p:ph idx="1"/>
+          </p:nvPr>
+        </p:nvSpPr>
+        <p:spPr/>
+        <p:txBody>
+          <a:bodyPr/>
+          <a:lstStyle/>
+          <a:p>
+            <a:r>
+              <a:rPr lang="en-US" sz="2200" dirty="0">
+                <a:effectLst/>
+              </a:rPr>
+              <a:t>Security is about risk management protections</a:t>
+            </a:r>
+          </a:p>
+          <a:p>
+            <a:r>
+              <a:rPr lang="en-US" sz="2200" dirty="0">
+                <a:effectLst/>
+              </a:rPr>
+              <a:t>Be skeptical</a:t>
+            </a:r>
+          </a:p>
+          <a:p>
+            <a:r>
+              <a:rPr lang="en-US" sz="2200" dirty="0">
+                <a:effectLst/>
+              </a:rPr>
+              <a:t>Authenticate, authorize, and audit actions</a:t>
+            </a:r>
+          </a:p>
+          <a:p>
+            <a:r>
+              <a:rPr lang="en-US" sz="2200" dirty="0">
+                <a:effectLst/>
+              </a:rPr>
+              <a:t>Preventing negligence, how will this fail?</a:t>
+            </a:r>
+          </a:p>
+          <a:p>
+            <a:pPr lvl="1"/>
+            <a:r>
+              <a:rPr lang="en-US" sz="2000" dirty="0">
+                <a:effectLst/>
+              </a:rPr>
+              <a:t>Think about quotas, fail-over, backup/recovery</a:t>
+            </a:r>
+          </a:p>
+          <a:p>
+            <a:r>
+              <a:rPr lang="en-US" sz="2200" dirty="0">
+                <a:effectLst/>
+              </a:rPr>
+              <a:t>Preventing maliciousness</a:t>
+            </a:r>
+          </a:p>
+          <a:p>
+            <a:pPr lvl="1"/>
+            <a:r>
+              <a:rPr lang="en-US" sz="2000" dirty="0">
+                <a:effectLst/>
+              </a:rPr>
+              <a:t>Think about where data and commands become collide</a:t>
+            </a:r>
+          </a:p>
+          <a:p>
+            <a:pPr marL="36900" indent="0">
+              <a:buNone/>
+            </a:pPr>
+            <a:endParaRPr lang="en-US" dirty="0"/>
           </a:p>
         </p:txBody>
       </p:sp>
     </p:spTree>
     <p:extLst>
       <p:ext uri="{BB962C8B-B14F-4D97-AF65-F5344CB8AC3E}">
-        <p14:creationId xmlns:p14="http://schemas.microsoft.com/office/powerpoint/2010/main" val="3169436092"/>
+        <p14:creationId xmlns:p14="http://schemas.microsoft.com/office/powerpoint/2010/main" val="1977813334"/>
+      </p:ext>
+    </p:extLst>
+  </p:cSld>
+  <p:clrMapOvr>
+    <a:masterClrMapping/>
+  </p:clrMapOvr>
+</p:sld>
+</file>
+
+<file path=ppt/slides/slide11.xml><?xml version="1.0" encoding="utf-8"?>
+<p:sld xmlns:a="http://schemas.openxmlformats.org/drawingml/2006/main" xmlns:r="http://schemas.openxmlformats.org/officeDocument/2006/relationships" xmlns:p="http://schemas.openxmlformats.org/presentationml/2006/main">
+  <p:cSld>
+    <p:spTree>
+      <p:nvGrpSpPr>
+        <p:cNvPr id="1" name=""/>
+        <p:cNvGrpSpPr/>
+        <p:nvPr/>
+      </p:nvGrpSpPr>
+      <p:grpSpPr>
+        <a:xfrm>
+          <a:off x="0" y="0"/>
+          <a:ext cx="0" cy="0"/>
+          <a:chOff x="0" y="0"/>
+          <a:chExt cx="0" cy="0"/>
+        </a:xfrm>
+      </p:grpSpPr>
+      <p:sp>
+        <p:nvSpPr>
+          <p:cNvPr id="2" name="Title 1">
+            <a:extLst>
+              <a:ext uri="{FF2B5EF4-FFF2-40B4-BE49-F238E27FC236}">
+                <a16:creationId xmlns:a16="http://schemas.microsoft.com/office/drawing/2014/main" id="{FAA7C792-817F-4C81-B71E-C27508D483EA}"/>
+              </a:ext>
+            </a:extLst>
+          </p:cNvPr>
+          <p:cNvSpPr>
+            <a:spLocks noGrp="1"/>
+          </p:cNvSpPr>
+          <p:nvPr>
+            <p:ph type="title"/>
+          </p:nvPr>
+        </p:nvSpPr>
+        <p:spPr/>
+        <p:txBody>
+          <a:bodyPr/>
+          <a:lstStyle/>
+          <a:p>
+            <a:r>
+              <a:rPr lang="en-US" dirty="0">
+                <a:effectLst/>
+              </a:rPr>
+              <a:t>Credential and Identity management</a:t>
+            </a:r>
+            <a:endParaRPr lang="en-US" dirty="0"/>
+          </a:p>
+        </p:txBody>
+      </p:sp>
+      <p:sp>
+        <p:nvSpPr>
+          <p:cNvPr id="3" name="Content Placeholder 2">
+            <a:extLst>
+              <a:ext uri="{FF2B5EF4-FFF2-40B4-BE49-F238E27FC236}">
+                <a16:creationId xmlns:a16="http://schemas.microsoft.com/office/drawing/2014/main" id="{9D6C81E7-3998-4138-9FBF-C77F4FBE0FC9}"/>
+              </a:ext>
+            </a:extLst>
+          </p:cNvPr>
+          <p:cNvSpPr>
+            <a:spLocks noGrp="1"/>
+          </p:cNvSpPr>
+          <p:nvPr>
+            <p:ph idx="1"/>
+          </p:nvPr>
+        </p:nvSpPr>
+        <p:spPr/>
+        <p:txBody>
+          <a:bodyPr>
+            <a:normAutofit lnSpcReduction="10000"/>
+          </a:bodyPr>
+          <a:lstStyle/>
+          <a:p>
+            <a:r>
+              <a:rPr lang="en-US" sz="2200" dirty="0">
+                <a:effectLst/>
+              </a:rPr>
+              <a:t>Influence of password policies</a:t>
+            </a:r>
+          </a:p>
+          <a:p>
+            <a:r>
+              <a:rPr lang="en-US" sz="2200" dirty="0">
+                <a:effectLst/>
+              </a:rPr>
+              <a:t>Influence of SSO/OAuth</a:t>
+            </a:r>
+          </a:p>
+          <a:p>
+            <a:r>
+              <a:rPr lang="en-US" sz="2200" dirty="0">
+                <a:effectLst/>
+              </a:rPr>
+              <a:t>Influence of MFA</a:t>
+            </a:r>
+          </a:p>
+          <a:p>
+            <a:pPr lvl="1"/>
+            <a:r>
+              <a:rPr lang="en-US" sz="2000" dirty="0">
+                <a:effectLst/>
+              </a:rPr>
+              <a:t>Something you know</a:t>
+            </a:r>
+          </a:p>
+          <a:p>
+            <a:pPr lvl="1"/>
+            <a:r>
+              <a:rPr lang="en-US" sz="2000" dirty="0">
+                <a:effectLst/>
+              </a:rPr>
+              <a:t>Something you have</a:t>
+            </a:r>
+          </a:p>
+          <a:p>
+            <a:pPr lvl="1"/>
+            <a:r>
+              <a:rPr lang="en-US" sz="2000" dirty="0">
+                <a:effectLst/>
+              </a:rPr>
+              <a:t>Something you are</a:t>
+            </a:r>
+          </a:p>
+          <a:p>
+            <a:pPr lvl="1"/>
+            <a:r>
+              <a:rPr lang="en-US" sz="2000" dirty="0">
+                <a:effectLst/>
+              </a:rPr>
+              <a:t>Somewhere you are</a:t>
+            </a:r>
+          </a:p>
+          <a:p>
+            <a:pPr lvl="1"/>
+            <a:r>
+              <a:rPr lang="en-US" sz="2000" dirty="0">
+                <a:effectLst/>
+              </a:rPr>
+              <a:t>Something you do (gestures)</a:t>
+            </a:r>
+          </a:p>
+          <a:p>
+            <a:endParaRPr lang="en-US" dirty="0"/>
+          </a:p>
+        </p:txBody>
+      </p:sp>
+    </p:spTree>
+    <p:extLst>
+      <p:ext uri="{BB962C8B-B14F-4D97-AF65-F5344CB8AC3E}">
+        <p14:creationId xmlns:p14="http://schemas.microsoft.com/office/powerpoint/2010/main" val="1872294829"/>
+      </p:ext>
+    </p:extLst>
+  </p:cSld>
+  <p:clrMapOvr>
+    <a:masterClrMapping/>
+  </p:clrMapOvr>
+</p:sld>
+</file>
+
+<file path=ppt/slides/slide12.xml><?xml version="1.0" encoding="utf-8"?>
+<p:sld xmlns:a="http://schemas.openxmlformats.org/drawingml/2006/main" xmlns:r="http://schemas.openxmlformats.org/officeDocument/2006/relationships" xmlns:p="http://schemas.openxmlformats.org/presentationml/2006/main">
+  <p:cSld>
+    <p:spTree>
+      <p:nvGrpSpPr>
+        <p:cNvPr id="1" name=""/>
+        <p:cNvGrpSpPr/>
+        <p:nvPr/>
+      </p:nvGrpSpPr>
+      <p:grpSpPr>
+        <a:xfrm>
+          <a:off x="0" y="0"/>
+          <a:ext cx="0" cy="0"/>
+          <a:chOff x="0" y="0"/>
+          <a:chExt cx="0" cy="0"/>
+        </a:xfrm>
+      </p:grpSpPr>
+      <p:sp>
+        <p:nvSpPr>
+          <p:cNvPr id="2" name="Title 1">
+            <a:extLst>
+              <a:ext uri="{FF2B5EF4-FFF2-40B4-BE49-F238E27FC236}">
+                <a16:creationId xmlns:a16="http://schemas.microsoft.com/office/drawing/2014/main" id="{572EFF8A-6D4F-451E-895C-960032D7B06D}"/>
+              </a:ext>
+            </a:extLst>
+          </p:cNvPr>
+          <p:cNvSpPr>
+            <a:spLocks noGrp="1"/>
+          </p:cNvSpPr>
+          <p:nvPr>
+            <p:ph type="title"/>
+          </p:nvPr>
+        </p:nvSpPr>
+        <p:spPr/>
+        <p:txBody>
+          <a:bodyPr/>
+          <a:lstStyle/>
+          <a:p>
+            <a:r>
+              <a:rPr lang="en-US" dirty="0">
+                <a:effectLst/>
+              </a:rPr>
+              <a:t>Device Management</a:t>
+            </a:r>
+            <a:endParaRPr lang="en-US" dirty="0"/>
+          </a:p>
+        </p:txBody>
+      </p:sp>
+      <p:sp>
+        <p:nvSpPr>
+          <p:cNvPr id="3" name="Content Placeholder 2">
+            <a:extLst>
+              <a:ext uri="{FF2B5EF4-FFF2-40B4-BE49-F238E27FC236}">
+                <a16:creationId xmlns:a16="http://schemas.microsoft.com/office/drawing/2014/main" id="{86F4619F-E4F7-4105-9072-4321D1AB935B}"/>
+              </a:ext>
+            </a:extLst>
+          </p:cNvPr>
+          <p:cNvSpPr>
+            <a:spLocks noGrp="1"/>
+          </p:cNvSpPr>
+          <p:nvPr>
+            <p:ph idx="1"/>
+          </p:nvPr>
+        </p:nvSpPr>
+        <p:spPr/>
+        <p:txBody>
+          <a:bodyPr/>
+          <a:lstStyle/>
+          <a:p>
+            <a:r>
+              <a:rPr lang="en-US" sz="2200" dirty="0">
+                <a:effectLst/>
+              </a:rPr>
+              <a:t>Software patches</a:t>
+            </a:r>
+          </a:p>
+          <a:p>
+            <a:r>
+              <a:rPr lang="en-US" sz="2200" dirty="0">
+                <a:effectLst/>
+              </a:rPr>
+              <a:t>Desired Configuration Policies</a:t>
+            </a:r>
+          </a:p>
+          <a:p>
+            <a:r>
+              <a:rPr lang="en-US" sz="2200" dirty="0">
+                <a:effectLst/>
+              </a:rPr>
+              <a:t>Malware</a:t>
+            </a:r>
+          </a:p>
+          <a:p>
+            <a:endParaRPr lang="en-US" dirty="0"/>
+          </a:p>
+        </p:txBody>
+      </p:sp>
+    </p:spTree>
+    <p:extLst>
+      <p:ext uri="{BB962C8B-B14F-4D97-AF65-F5344CB8AC3E}">
+        <p14:creationId xmlns:p14="http://schemas.microsoft.com/office/powerpoint/2010/main" val="1809477031"/>
+      </p:ext>
+    </p:extLst>
+  </p:cSld>
+  <p:clrMapOvr>
+    <a:masterClrMapping/>
+  </p:clrMapOvr>
+</p:sld>
+</file>
+
+<file path=ppt/slides/slide13.xml><?xml version="1.0" encoding="utf-8"?>
+<p:sld xmlns:a="http://schemas.openxmlformats.org/drawingml/2006/main" xmlns:r="http://schemas.openxmlformats.org/officeDocument/2006/relationships" xmlns:p="http://schemas.openxmlformats.org/presentationml/2006/main">
+  <p:cSld>
+    <p:spTree>
+      <p:nvGrpSpPr>
+        <p:cNvPr id="1" name=""/>
+        <p:cNvGrpSpPr/>
+        <p:nvPr/>
+      </p:nvGrpSpPr>
+      <p:grpSpPr>
+        <a:xfrm>
+          <a:off x="0" y="0"/>
+          <a:ext cx="0" cy="0"/>
+          <a:chOff x="0" y="0"/>
+          <a:chExt cx="0" cy="0"/>
+        </a:xfrm>
+      </p:grpSpPr>
+      <p:sp>
+        <p:nvSpPr>
+          <p:cNvPr id="2" name="Title 1">
+            <a:extLst>
+              <a:ext uri="{FF2B5EF4-FFF2-40B4-BE49-F238E27FC236}">
+                <a16:creationId xmlns:a16="http://schemas.microsoft.com/office/drawing/2014/main" id="{499CE47E-72C9-4E62-8C50-0895687A9BDC}"/>
+              </a:ext>
+            </a:extLst>
+          </p:cNvPr>
+          <p:cNvSpPr>
+            <a:spLocks noGrp="1"/>
+          </p:cNvSpPr>
+          <p:nvPr>
+            <p:ph type="title"/>
+          </p:nvPr>
+        </p:nvSpPr>
+        <p:spPr/>
+        <p:txBody>
+          <a:bodyPr/>
+          <a:lstStyle/>
+          <a:p>
+            <a:r>
+              <a:rPr lang="en-US" dirty="0">
+                <a:effectLst/>
+              </a:rPr>
+              <a:t>Phishing sites</a:t>
+            </a:r>
+            <a:endParaRPr lang="en-US" dirty="0"/>
+          </a:p>
+        </p:txBody>
+      </p:sp>
+      <p:sp>
+        <p:nvSpPr>
+          <p:cNvPr id="3" name="Content Placeholder 2">
+            <a:extLst>
+              <a:ext uri="{FF2B5EF4-FFF2-40B4-BE49-F238E27FC236}">
+                <a16:creationId xmlns:a16="http://schemas.microsoft.com/office/drawing/2014/main" id="{7A002523-88F0-4E53-A64B-37B926061581}"/>
+              </a:ext>
+            </a:extLst>
+          </p:cNvPr>
+          <p:cNvSpPr>
+            <a:spLocks noGrp="1"/>
+          </p:cNvSpPr>
+          <p:nvPr>
+            <p:ph idx="1"/>
+          </p:nvPr>
+        </p:nvSpPr>
+        <p:spPr/>
+        <p:txBody>
+          <a:bodyPr/>
+          <a:lstStyle/>
+          <a:p>
+            <a:r>
+              <a:rPr lang="en-US" sz="2200" dirty="0">
+                <a:effectLst/>
+              </a:rPr>
+              <a:t>Why do they work</a:t>
+            </a:r>
+          </a:p>
+          <a:p>
+            <a:r>
+              <a:rPr lang="en-US" sz="2200" dirty="0">
+                <a:effectLst/>
+              </a:rPr>
+              <a:t>Why do these protections fail?</a:t>
+            </a:r>
+          </a:p>
+          <a:p>
+            <a:endParaRPr lang="en-US" dirty="0"/>
+          </a:p>
+        </p:txBody>
+      </p:sp>
+    </p:spTree>
+    <p:extLst>
+      <p:ext uri="{BB962C8B-B14F-4D97-AF65-F5344CB8AC3E}">
+        <p14:creationId xmlns:p14="http://schemas.microsoft.com/office/powerpoint/2010/main" val="1008501298"/>
+      </p:ext>
+    </p:extLst>
+  </p:cSld>
+  <p:clrMapOvr>
+    <a:masterClrMapping/>
+  </p:clrMapOvr>
+</p:sld>
+</file>
+
+<file path=ppt/slides/slide14.xml><?xml version="1.0" encoding="utf-8"?>
+<p:sld xmlns:a="http://schemas.openxmlformats.org/drawingml/2006/main" xmlns:r="http://schemas.openxmlformats.org/officeDocument/2006/relationships" xmlns:p="http://schemas.openxmlformats.org/presentationml/2006/main">
+  <p:cSld>
+    <p:spTree>
+      <p:nvGrpSpPr>
+        <p:cNvPr id="1" name=""/>
+        <p:cNvGrpSpPr/>
+        <p:nvPr/>
+      </p:nvGrpSpPr>
+      <p:grpSpPr>
+        <a:xfrm>
+          <a:off x="0" y="0"/>
+          <a:ext cx="0" cy="0"/>
+          <a:chOff x="0" y="0"/>
+          <a:chExt cx="0" cy="0"/>
+        </a:xfrm>
+      </p:grpSpPr>
+      <p:sp>
+        <p:nvSpPr>
+          <p:cNvPr id="2" name="Title 1">
+            <a:extLst>
+              <a:ext uri="{FF2B5EF4-FFF2-40B4-BE49-F238E27FC236}">
+                <a16:creationId xmlns:a16="http://schemas.microsoft.com/office/drawing/2014/main" id="{2DB527CC-EB8D-408E-85C1-659CA3A93CFB}"/>
+              </a:ext>
+            </a:extLst>
+          </p:cNvPr>
+          <p:cNvSpPr>
+            <a:spLocks noGrp="1"/>
+          </p:cNvSpPr>
+          <p:nvPr>
+            <p:ph type="title"/>
+          </p:nvPr>
+        </p:nvSpPr>
+        <p:spPr/>
+        <p:txBody>
+          <a:bodyPr/>
+          <a:lstStyle/>
+          <a:p>
+            <a:r>
+              <a:rPr lang="en-US" dirty="0">
+                <a:effectLst/>
+              </a:rPr>
+              <a:t>Doxing</a:t>
+            </a:r>
+            <a:endParaRPr lang="en-US" dirty="0"/>
+          </a:p>
+        </p:txBody>
+      </p:sp>
+      <p:sp>
+        <p:nvSpPr>
+          <p:cNvPr id="3" name="Content Placeholder 2">
+            <a:extLst>
+              <a:ext uri="{FF2B5EF4-FFF2-40B4-BE49-F238E27FC236}">
+                <a16:creationId xmlns:a16="http://schemas.microsoft.com/office/drawing/2014/main" id="{3F667589-4AF3-4C71-A470-0493B83D8D3A}"/>
+              </a:ext>
+            </a:extLst>
+          </p:cNvPr>
+          <p:cNvSpPr>
+            <a:spLocks noGrp="1"/>
+          </p:cNvSpPr>
+          <p:nvPr>
+            <p:ph idx="1"/>
+          </p:nvPr>
+        </p:nvSpPr>
+        <p:spPr/>
+        <p:txBody>
+          <a:bodyPr/>
+          <a:lstStyle/>
+          <a:p>
+            <a:r>
+              <a:rPr lang="en-US" sz="2200" dirty="0">
+                <a:effectLst/>
+              </a:rPr>
+              <a:t>Social networks</a:t>
+            </a:r>
+          </a:p>
+          <a:p>
+            <a:r>
+              <a:rPr lang="en-US" sz="2200" dirty="0">
+                <a:effectLst/>
+              </a:rPr>
+              <a:t>Publications</a:t>
+            </a:r>
+          </a:p>
+          <a:p>
+            <a:r>
+              <a:rPr lang="en-US" sz="2200" dirty="0">
+                <a:effectLst/>
+              </a:rPr>
+              <a:t>Public information</a:t>
+            </a:r>
+          </a:p>
+          <a:p>
+            <a:r>
+              <a:rPr lang="en-US" sz="2200" dirty="0">
+                <a:effectLst/>
+              </a:rPr>
+              <a:t>… resulting in advanced spear phishing</a:t>
+            </a:r>
+          </a:p>
+          <a:p>
+            <a:endParaRPr lang="en-US" dirty="0"/>
+          </a:p>
+        </p:txBody>
+      </p:sp>
+    </p:spTree>
+    <p:extLst>
+      <p:ext uri="{BB962C8B-B14F-4D97-AF65-F5344CB8AC3E}">
+        <p14:creationId xmlns:p14="http://schemas.microsoft.com/office/powerpoint/2010/main" val="1192954563"/>
+      </p:ext>
+    </p:extLst>
+  </p:cSld>
+  <p:clrMapOvr>
+    <a:masterClrMapping/>
+  </p:clrMapOvr>
+</p:sld>
+</file>
+
+<file path=ppt/slides/slide15.xml><?xml version="1.0" encoding="utf-8"?>
+<p:sld xmlns:a="http://schemas.openxmlformats.org/drawingml/2006/main" xmlns:r="http://schemas.openxmlformats.org/officeDocument/2006/relationships" xmlns:p="http://schemas.openxmlformats.org/presentationml/2006/main">
+  <p:cSld>
+    <p:spTree>
+      <p:nvGrpSpPr>
+        <p:cNvPr id="1" name=""/>
+        <p:cNvGrpSpPr/>
+        <p:nvPr/>
+      </p:nvGrpSpPr>
+      <p:grpSpPr>
+        <a:xfrm>
+          <a:off x="0" y="0"/>
+          <a:ext cx="0" cy="0"/>
+          <a:chOff x="0" y="0"/>
+          <a:chExt cx="0" cy="0"/>
+        </a:xfrm>
+      </p:grpSpPr>
+      <p:sp>
+        <p:nvSpPr>
+          <p:cNvPr id="2" name="Title 1">
+            <a:extLst>
+              <a:ext uri="{FF2B5EF4-FFF2-40B4-BE49-F238E27FC236}">
+                <a16:creationId xmlns:a16="http://schemas.microsoft.com/office/drawing/2014/main" id="{05F1784B-C0FC-4C95-B7DF-847A20756025}"/>
+              </a:ext>
+            </a:extLst>
+          </p:cNvPr>
+          <p:cNvSpPr>
+            <a:spLocks noGrp="1"/>
+          </p:cNvSpPr>
+          <p:nvPr>
+            <p:ph type="title"/>
+          </p:nvPr>
+        </p:nvSpPr>
+        <p:spPr/>
+        <p:txBody>
+          <a:bodyPr/>
+          <a:lstStyle/>
+          <a:p>
+            <a:r>
+              <a:rPr lang="en-US" dirty="0">
+                <a:effectLst/>
+              </a:rPr>
+              <a:t>Untrusted networking</a:t>
+            </a:r>
+            <a:endParaRPr lang="en-US" dirty="0"/>
+          </a:p>
+        </p:txBody>
+      </p:sp>
+      <p:sp>
+        <p:nvSpPr>
+          <p:cNvPr id="3" name="Content Placeholder 2">
+            <a:extLst>
+              <a:ext uri="{FF2B5EF4-FFF2-40B4-BE49-F238E27FC236}">
+                <a16:creationId xmlns:a16="http://schemas.microsoft.com/office/drawing/2014/main" id="{CDE19B98-A3FD-4C44-9167-A7C8F8A97F2D}"/>
+              </a:ext>
+            </a:extLst>
+          </p:cNvPr>
+          <p:cNvSpPr>
+            <a:spLocks noGrp="1"/>
+          </p:cNvSpPr>
+          <p:nvPr>
+            <p:ph idx="1"/>
+          </p:nvPr>
+        </p:nvSpPr>
+        <p:spPr/>
+        <p:txBody>
+          <a:bodyPr/>
+          <a:lstStyle/>
+          <a:p>
+            <a:r>
+              <a:rPr lang="en-US" sz="2200" dirty="0">
+                <a:effectLst/>
+              </a:rPr>
+              <a:t>The </a:t>
+            </a:r>
+            <a:r>
+              <a:rPr lang="en-US" sz="2200" dirty="0" err="1">
+                <a:effectLst/>
+              </a:rPr>
+              <a:t>starbucks</a:t>
+            </a:r>
+            <a:r>
+              <a:rPr lang="en-US" sz="2200" dirty="0">
+                <a:effectLst/>
+              </a:rPr>
+              <a:t> attack</a:t>
+            </a:r>
+          </a:p>
+          <a:p>
+            <a:r>
+              <a:rPr lang="en-US" sz="2200" dirty="0">
+                <a:effectLst/>
+              </a:rPr>
+              <a:t>DNS attacks</a:t>
+            </a:r>
+          </a:p>
+          <a:p>
+            <a:r>
+              <a:rPr lang="en-US" sz="2200" dirty="0">
+                <a:effectLst/>
+              </a:rPr>
+              <a:t>Discussing work issues outside of work</a:t>
+            </a:r>
+          </a:p>
+          <a:p>
+            <a:r>
+              <a:rPr lang="en-US" sz="2200" dirty="0">
+                <a:effectLst/>
+              </a:rPr>
+              <a:t>Unencrypted devices</a:t>
+            </a:r>
+          </a:p>
+          <a:p>
+            <a:endParaRPr lang="en-US" dirty="0"/>
+          </a:p>
+        </p:txBody>
+      </p:sp>
+    </p:spTree>
+    <p:extLst>
+      <p:ext uri="{BB962C8B-B14F-4D97-AF65-F5344CB8AC3E}">
+        <p14:creationId xmlns:p14="http://schemas.microsoft.com/office/powerpoint/2010/main" val="2434620678"/>
+      </p:ext>
+    </p:extLst>
+  </p:cSld>
+  <p:clrMapOvr>
+    <a:masterClrMapping/>
+  </p:clrMapOvr>
+</p:sld>
+</file>
+
+<file path=ppt/slides/slide16.xml><?xml version="1.0" encoding="utf-8"?>
+<p:sld xmlns:a="http://schemas.openxmlformats.org/drawingml/2006/main" xmlns:r="http://schemas.openxmlformats.org/officeDocument/2006/relationships" xmlns:p="http://schemas.openxmlformats.org/presentationml/2006/main">
+  <p:cSld>
+    <p:spTree>
+      <p:nvGrpSpPr>
+        <p:cNvPr id="1" name=""/>
+        <p:cNvGrpSpPr/>
+        <p:nvPr/>
+      </p:nvGrpSpPr>
+      <p:grpSpPr>
+        <a:xfrm>
+          <a:off x="0" y="0"/>
+          <a:ext cx="0" cy="0"/>
+          <a:chOff x="0" y="0"/>
+          <a:chExt cx="0" cy="0"/>
+        </a:xfrm>
+      </p:grpSpPr>
+      <p:sp>
+        <p:nvSpPr>
+          <p:cNvPr id="2" name="Title 1">
+            <a:extLst>
+              <a:ext uri="{FF2B5EF4-FFF2-40B4-BE49-F238E27FC236}">
+                <a16:creationId xmlns:a16="http://schemas.microsoft.com/office/drawing/2014/main" id="{1D116867-F1F3-4591-BEF5-B2CDFA078D88}"/>
+              </a:ext>
+            </a:extLst>
+          </p:cNvPr>
+          <p:cNvSpPr>
+            <a:spLocks noGrp="1"/>
+          </p:cNvSpPr>
+          <p:nvPr>
+            <p:ph type="title"/>
+          </p:nvPr>
+        </p:nvSpPr>
+        <p:spPr/>
+        <p:txBody>
+          <a:bodyPr/>
+          <a:lstStyle/>
+          <a:p>
+            <a:r>
+              <a:rPr lang="en-US" dirty="0">
+                <a:effectLst/>
+              </a:rPr>
+              <a:t>Challenges with internationalization</a:t>
+            </a:r>
+            <a:endParaRPr lang="en-US" dirty="0"/>
+          </a:p>
+        </p:txBody>
+      </p:sp>
+      <p:sp>
+        <p:nvSpPr>
+          <p:cNvPr id="3" name="Content Placeholder 2">
+            <a:extLst>
+              <a:ext uri="{FF2B5EF4-FFF2-40B4-BE49-F238E27FC236}">
+                <a16:creationId xmlns:a16="http://schemas.microsoft.com/office/drawing/2014/main" id="{FC21A44B-E030-4BD8-B708-640C0EC681AB}"/>
+              </a:ext>
+            </a:extLst>
+          </p:cNvPr>
+          <p:cNvSpPr>
+            <a:spLocks noGrp="1"/>
+          </p:cNvSpPr>
+          <p:nvPr>
+            <p:ph idx="1"/>
+          </p:nvPr>
+        </p:nvSpPr>
+        <p:spPr/>
+        <p:txBody>
+          <a:bodyPr/>
+          <a:lstStyle/>
+          <a:p>
+            <a:r>
+              <a:rPr lang="en-US" sz="2200" dirty="0">
+                <a:effectLst/>
+              </a:rPr>
+              <a:t>GDRP</a:t>
+            </a:r>
+          </a:p>
+          <a:p>
+            <a:r>
+              <a:rPr lang="en-US" sz="2200" dirty="0">
+                <a:effectLst/>
+              </a:rPr>
+              <a:t>Chinese Cybersecurity Law</a:t>
+            </a:r>
+          </a:p>
+          <a:p>
+            <a:r>
+              <a:rPr lang="en-US" sz="2200" dirty="0">
+                <a:effectLst/>
+              </a:rPr>
+              <a:t>Notions of sovereignty</a:t>
+            </a:r>
+          </a:p>
+          <a:p>
+            <a:endParaRPr lang="en-US" dirty="0"/>
+          </a:p>
+        </p:txBody>
+      </p:sp>
+    </p:spTree>
+    <p:extLst>
+      <p:ext uri="{BB962C8B-B14F-4D97-AF65-F5344CB8AC3E}">
+        <p14:creationId xmlns:p14="http://schemas.microsoft.com/office/powerpoint/2010/main" val="1693305838"/>
+      </p:ext>
+    </p:extLst>
+  </p:cSld>
+  <p:clrMapOvr>
+    <a:masterClrMapping/>
+  </p:clrMapOvr>
+</p:sld>
+</file>
+
+<file path=ppt/slides/slide17.xml><?xml version="1.0" encoding="utf-8"?>
+<p:sld xmlns:a="http://schemas.openxmlformats.org/drawingml/2006/main" xmlns:r="http://schemas.openxmlformats.org/officeDocument/2006/relationships" xmlns:p="http://schemas.openxmlformats.org/presentationml/2006/main">
+  <p:cSld>
+    <p:spTree>
+      <p:nvGrpSpPr>
+        <p:cNvPr id="1" name=""/>
+        <p:cNvGrpSpPr/>
+        <p:nvPr/>
+      </p:nvGrpSpPr>
+      <p:grpSpPr>
+        <a:xfrm>
+          <a:off x="0" y="0"/>
+          <a:ext cx="0" cy="0"/>
+          <a:chOff x="0" y="0"/>
+          <a:chExt cx="0" cy="0"/>
+        </a:xfrm>
+      </p:grpSpPr>
+      <p:sp>
+        <p:nvSpPr>
+          <p:cNvPr id="2" name="Title 1">
+            <a:extLst>
+              <a:ext uri="{FF2B5EF4-FFF2-40B4-BE49-F238E27FC236}">
+                <a16:creationId xmlns:a16="http://schemas.microsoft.com/office/drawing/2014/main" id="{2DB5DCAB-D2E7-405F-B34C-5F9C0057030D}"/>
+              </a:ext>
+            </a:extLst>
+          </p:cNvPr>
+          <p:cNvSpPr>
+            <a:spLocks noGrp="1"/>
+          </p:cNvSpPr>
+          <p:nvPr>
+            <p:ph type="title"/>
+          </p:nvPr>
+        </p:nvSpPr>
+        <p:spPr/>
+        <p:txBody>
+          <a:bodyPr/>
+          <a:lstStyle/>
+          <a:p>
+            <a:r>
+              <a:rPr lang="en-US" dirty="0"/>
+              <a:t>Conclusion</a:t>
+            </a:r>
+          </a:p>
+        </p:txBody>
+      </p:sp>
+      <p:sp>
+        <p:nvSpPr>
+          <p:cNvPr id="3" name="Content Placeholder 2">
+            <a:extLst>
+              <a:ext uri="{FF2B5EF4-FFF2-40B4-BE49-F238E27FC236}">
+                <a16:creationId xmlns:a16="http://schemas.microsoft.com/office/drawing/2014/main" id="{2DBA1A22-D61D-4277-8E5D-D4A7DA4B059B}"/>
+              </a:ext>
+            </a:extLst>
+          </p:cNvPr>
+          <p:cNvSpPr>
+            <a:spLocks noGrp="1"/>
+          </p:cNvSpPr>
+          <p:nvPr>
+            <p:ph idx="1"/>
+          </p:nvPr>
+        </p:nvSpPr>
+        <p:spPr/>
+        <p:txBody>
+          <a:bodyPr/>
+          <a:lstStyle/>
+          <a:p>
+            <a:endParaRPr lang="en-US"/>
+          </a:p>
+        </p:txBody>
+      </p:sp>
+    </p:spTree>
+    <p:extLst>
+      <p:ext uri="{BB962C8B-B14F-4D97-AF65-F5344CB8AC3E}">
+        <p14:creationId xmlns:p14="http://schemas.microsoft.com/office/powerpoint/2010/main" val="1019052448"/>
+      </p:ext>
+    </p:extLst>
+  </p:cSld>
+  <p:clrMapOvr>
+    <a:masterClrMapping/>
+  </p:clrMapOvr>
+</p:sld>
+</file>
+
+<file path=ppt/slides/slide18.xml><?xml version="1.0" encoding="utf-8"?>
+<p:sld xmlns:a="http://schemas.openxmlformats.org/drawingml/2006/main" xmlns:r="http://schemas.openxmlformats.org/officeDocument/2006/relationships" xmlns:p="http://schemas.openxmlformats.org/presentationml/2006/main">
+  <p:cSld>
+    <p:spTree>
+      <p:nvGrpSpPr>
+        <p:cNvPr id="1" name=""/>
+        <p:cNvGrpSpPr/>
+        <p:nvPr/>
+      </p:nvGrpSpPr>
+      <p:grpSpPr>
+        <a:xfrm>
+          <a:off x="0" y="0"/>
+          <a:ext cx="0" cy="0"/>
+          <a:chOff x="0" y="0"/>
+          <a:chExt cx="0" cy="0"/>
+        </a:xfrm>
+      </p:grpSpPr>
+      <p:sp>
+        <p:nvSpPr>
+          <p:cNvPr id="2" name="Title 1">
+            <a:extLst>
+              <a:ext uri="{FF2B5EF4-FFF2-40B4-BE49-F238E27FC236}">
+                <a16:creationId xmlns:a16="http://schemas.microsoft.com/office/drawing/2014/main" id="{CE053A18-5B8E-446F-8A44-52262A48CF25}"/>
+              </a:ext>
+            </a:extLst>
+          </p:cNvPr>
+          <p:cNvSpPr>
+            <a:spLocks noGrp="1"/>
+          </p:cNvSpPr>
+          <p:nvPr>
+            <p:ph type="title"/>
+          </p:nvPr>
+        </p:nvSpPr>
+        <p:spPr/>
+        <p:txBody>
+          <a:bodyPr/>
+          <a:lstStyle/>
+          <a:p>
+            <a:r>
+              <a:rPr lang="en-US" dirty="0"/>
+              <a:t>References</a:t>
+            </a:r>
+          </a:p>
+        </p:txBody>
+      </p:sp>
+      <p:sp>
+        <p:nvSpPr>
+          <p:cNvPr id="3" name="Content Placeholder 2">
+            <a:extLst>
+              <a:ext uri="{FF2B5EF4-FFF2-40B4-BE49-F238E27FC236}">
+                <a16:creationId xmlns:a16="http://schemas.microsoft.com/office/drawing/2014/main" id="{4D507179-6CD5-45E5-A669-0247D2872532}"/>
+              </a:ext>
+            </a:extLst>
+          </p:cNvPr>
+          <p:cNvSpPr>
+            <a:spLocks noGrp="1"/>
+          </p:cNvSpPr>
+          <p:nvPr>
+            <p:ph idx="1"/>
+          </p:nvPr>
+        </p:nvSpPr>
+        <p:spPr/>
+        <p:txBody>
+          <a:bodyPr/>
+          <a:lstStyle/>
+          <a:p>
+            <a:endParaRPr lang="en-US"/>
+          </a:p>
+        </p:txBody>
+      </p:sp>
+    </p:spTree>
+    <p:extLst>
+      <p:ext uri="{BB962C8B-B14F-4D97-AF65-F5344CB8AC3E}">
+        <p14:creationId xmlns:p14="http://schemas.microsoft.com/office/powerpoint/2010/main" val="2341435720"/>
+      </p:ext>
+    </p:extLst>
+  </p:cSld>
+  <p:clrMapOvr>
+    <a:masterClrMapping/>
+  </p:clrMapOvr>
+</p:sld>
+</file>
+
+<file path=ppt/slides/slide2.xml><?xml version="1.0" encoding="utf-8"?>
+<p:sld xmlns:a="http://schemas.openxmlformats.org/drawingml/2006/main" xmlns:r="http://schemas.openxmlformats.org/officeDocument/2006/relationships" xmlns:p="http://schemas.openxmlformats.org/presentationml/2006/main">
+  <p:cSld>
+    <p:spTree>
+      <p:nvGrpSpPr>
+        <p:cNvPr id="1" name=""/>
+        <p:cNvGrpSpPr/>
+        <p:nvPr/>
+      </p:nvGrpSpPr>
+      <p:grpSpPr>
+        <a:xfrm>
+          <a:off x="0" y="0"/>
+          <a:ext cx="0" cy="0"/>
+          <a:chOff x="0" y="0"/>
+          <a:chExt cx="0" cy="0"/>
+        </a:xfrm>
+      </p:grpSpPr>
+      <p:sp>
+        <p:nvSpPr>
+          <p:cNvPr id="2" name="Title 1">
+            <a:extLst>
+              <a:ext uri="{FF2B5EF4-FFF2-40B4-BE49-F238E27FC236}">
+                <a16:creationId xmlns:a16="http://schemas.microsoft.com/office/drawing/2014/main" id="{DE30D23C-2512-417E-8E8C-1AC2B82E11E5}"/>
+              </a:ext>
+            </a:extLst>
+          </p:cNvPr>
+          <p:cNvSpPr>
+            <a:spLocks noGrp="1"/>
+          </p:cNvSpPr>
+          <p:nvPr>
+            <p:ph type="title"/>
+          </p:nvPr>
+        </p:nvSpPr>
+        <p:spPr/>
+        <p:txBody>
+          <a:bodyPr/>
+          <a:lstStyle/>
+          <a:p>
+            <a:r>
+              <a:rPr lang="en-US" dirty="0"/>
+              <a:t>Framing a Security Message</a:t>
+            </a:r>
+          </a:p>
+        </p:txBody>
+      </p:sp>
+      <p:sp>
+        <p:nvSpPr>
+          <p:cNvPr id="3" name="Content Placeholder 2">
+            <a:extLst>
+              <a:ext uri="{FF2B5EF4-FFF2-40B4-BE49-F238E27FC236}">
+                <a16:creationId xmlns:a16="http://schemas.microsoft.com/office/drawing/2014/main" id="{023BBA93-2618-4C4A-9ABA-F2F44CD41463}"/>
+              </a:ext>
+            </a:extLst>
+          </p:cNvPr>
+          <p:cNvSpPr>
+            <a:spLocks noGrp="1"/>
+          </p:cNvSpPr>
+          <p:nvPr>
+            <p:ph idx="1"/>
+          </p:nvPr>
+        </p:nvSpPr>
+        <p:spPr/>
+        <p:txBody>
+          <a:bodyPr/>
+          <a:lstStyle/>
+          <a:p>
+            <a:r>
+              <a:rPr lang="en-US" sz="2200" dirty="0">
+                <a:effectLst/>
+              </a:rPr>
+              <a:t>How should we approach security?</a:t>
+            </a:r>
+          </a:p>
+          <a:p>
+            <a:pPr lvl="1"/>
+            <a:r>
+              <a:rPr lang="en-US" sz="2000" dirty="0">
+                <a:effectLst/>
+              </a:rPr>
+              <a:t>Its not the an after thought</a:t>
+            </a:r>
+          </a:p>
+          <a:p>
+            <a:pPr lvl="1"/>
+            <a:r>
+              <a:rPr lang="en-US" sz="2000" dirty="0">
+                <a:effectLst/>
+              </a:rPr>
+              <a:t>Its not because “they” are specifically targeting “us”</a:t>
+            </a:r>
+          </a:p>
+          <a:p>
+            <a:pPr lvl="1"/>
+            <a:r>
+              <a:rPr lang="en-US" sz="2000" dirty="0">
+                <a:effectLst/>
+              </a:rPr>
+              <a:t>Its not because crypto APIs and firewalls are awesome</a:t>
+            </a:r>
+            <a:br>
+              <a:rPr lang="en-US" sz="2000" dirty="0">
+                <a:effectLst/>
+              </a:rPr>
+            </a:br>
+            <a:endParaRPr lang="en-US" sz="2000" dirty="0">
+              <a:effectLst/>
+            </a:endParaRPr>
+          </a:p>
+          <a:p>
+            <a:r>
+              <a:rPr lang="en-US" sz="2200" dirty="0">
+                <a:effectLst/>
+              </a:rPr>
+              <a:t>Then what is it about? Why do I care?</a:t>
+            </a:r>
+          </a:p>
+          <a:p>
+            <a:pPr lvl="1"/>
+            <a:r>
+              <a:rPr lang="en-US" sz="2000" dirty="0">
+                <a:effectLst/>
+              </a:rPr>
+              <a:t>Its not about “stopping hackers” … its about stopping Fat Finger Bob!</a:t>
+            </a:r>
+          </a:p>
+          <a:p>
+            <a:endParaRPr lang="en-US" sz="2200" dirty="0">
+              <a:effectLst/>
+            </a:endParaRPr>
+          </a:p>
+          <a:p>
+            <a:pPr marL="36900" indent="0">
+              <a:buNone/>
+            </a:pPr>
+            <a:endParaRPr lang="en-US" dirty="0"/>
+          </a:p>
+        </p:txBody>
+      </p:sp>
+    </p:spTree>
+    <p:extLst>
+      <p:ext uri="{BB962C8B-B14F-4D97-AF65-F5344CB8AC3E}">
+        <p14:creationId xmlns:p14="http://schemas.microsoft.com/office/powerpoint/2010/main" val="3297269364"/>
+      </p:ext>
+    </p:extLst>
+  </p:cSld>
+  <p:clrMapOvr>
+    <a:masterClrMapping/>
+  </p:clrMapOvr>
+</p:sld>
+</file>
+
+<file path=ppt/slides/slide3.xml><?xml version="1.0" encoding="utf-8"?>
+<p:sld xmlns:a="http://schemas.openxmlformats.org/drawingml/2006/main" xmlns:r="http://schemas.openxmlformats.org/officeDocument/2006/relationships" xmlns:p="http://schemas.openxmlformats.org/presentationml/2006/main">
+  <p:cSld>
+    <p:spTree>
+      <p:nvGrpSpPr>
+        <p:cNvPr id="1" name=""/>
+        <p:cNvGrpSpPr/>
+        <p:nvPr/>
+      </p:nvGrpSpPr>
+      <p:grpSpPr>
+        <a:xfrm>
+          <a:off x="0" y="0"/>
+          <a:ext cx="0" cy="0"/>
+          <a:chOff x="0" y="0"/>
+          <a:chExt cx="0" cy="0"/>
+        </a:xfrm>
+      </p:grpSpPr>
+      <p:sp>
+        <p:nvSpPr>
+          <p:cNvPr id="2" name="Title 1">
+            <a:extLst>
+              <a:ext uri="{FF2B5EF4-FFF2-40B4-BE49-F238E27FC236}">
+                <a16:creationId xmlns:a16="http://schemas.microsoft.com/office/drawing/2014/main" id="{B808C948-4BCF-4207-B581-CC6E87C87ED1}"/>
+              </a:ext>
+            </a:extLst>
+          </p:cNvPr>
+          <p:cNvSpPr>
+            <a:spLocks noGrp="1"/>
+          </p:cNvSpPr>
+          <p:nvPr>
+            <p:ph type="title"/>
+          </p:nvPr>
+        </p:nvSpPr>
+        <p:spPr/>
+        <p:txBody>
+          <a:bodyPr/>
+          <a:lstStyle/>
+          <a:p>
+            <a:r>
+              <a:rPr lang="en-US" dirty="0">
+                <a:effectLst/>
+              </a:rPr>
+              <a:t>What is the goal of Security</a:t>
+            </a:r>
+            <a:endParaRPr lang="en-US" dirty="0"/>
+          </a:p>
+        </p:txBody>
+      </p:sp>
+      <p:sp>
+        <p:nvSpPr>
+          <p:cNvPr id="3" name="Content Placeholder 2">
+            <a:extLst>
+              <a:ext uri="{FF2B5EF4-FFF2-40B4-BE49-F238E27FC236}">
+                <a16:creationId xmlns:a16="http://schemas.microsoft.com/office/drawing/2014/main" id="{71BDB5F7-0C17-4D43-8F9C-2DE34E689CD4}"/>
+              </a:ext>
+            </a:extLst>
+          </p:cNvPr>
+          <p:cNvSpPr>
+            <a:spLocks noGrp="1"/>
+          </p:cNvSpPr>
+          <p:nvPr>
+            <p:ph idx="1"/>
+          </p:nvPr>
+        </p:nvSpPr>
+        <p:spPr/>
+        <p:txBody>
+          <a:bodyPr/>
+          <a:lstStyle/>
+          <a:p>
+            <a:r>
+              <a:rPr lang="en-US" dirty="0">
+                <a:effectLst/>
+              </a:rPr>
+              <a:t>A collection of processes that ensure availability, reliability, performance characteristics, and business continuity – even in the presence of erroneous behaviors.</a:t>
+            </a:r>
+          </a:p>
+          <a:p>
+            <a:r>
+              <a:rPr lang="en-US" dirty="0">
+                <a:effectLst/>
+              </a:rPr>
+              <a:t>It’s about preventing both </a:t>
+            </a:r>
+            <a:r>
+              <a:rPr lang="en-US" i="1" dirty="0">
+                <a:effectLst/>
+              </a:rPr>
+              <a:t>negligence</a:t>
+            </a:r>
+            <a:r>
+              <a:rPr lang="en-US" dirty="0">
+                <a:effectLst/>
+              </a:rPr>
+              <a:t> and maliciousness</a:t>
+            </a:r>
+          </a:p>
+          <a:p>
+            <a:endParaRPr lang="en-US" dirty="0"/>
+          </a:p>
+        </p:txBody>
+      </p:sp>
+    </p:spTree>
+    <p:extLst>
+      <p:ext uri="{BB962C8B-B14F-4D97-AF65-F5344CB8AC3E}">
+        <p14:creationId xmlns:p14="http://schemas.microsoft.com/office/powerpoint/2010/main" val="2083920774"/>
+      </p:ext>
+    </p:extLst>
+  </p:cSld>
+  <p:clrMapOvr>
+    <a:masterClrMapping/>
+  </p:clrMapOvr>
+</p:sld>
+</file>
+
+<file path=ppt/slides/slide4.xml><?xml version="1.0" encoding="utf-8"?>
+<p:sld xmlns:a="http://schemas.openxmlformats.org/drawingml/2006/main" xmlns:r="http://schemas.openxmlformats.org/officeDocument/2006/relationships" xmlns:p="http://schemas.openxmlformats.org/presentationml/2006/main">
+  <p:cSld>
+    <p:spTree>
+      <p:nvGrpSpPr>
+        <p:cNvPr id="1" name=""/>
+        <p:cNvGrpSpPr/>
+        <p:nvPr/>
+      </p:nvGrpSpPr>
+      <p:grpSpPr>
+        <a:xfrm>
+          <a:off x="0" y="0"/>
+          <a:ext cx="0" cy="0"/>
+          <a:chOff x="0" y="0"/>
+          <a:chExt cx="0" cy="0"/>
+        </a:xfrm>
+      </p:grpSpPr>
+      <p:sp>
+        <p:nvSpPr>
+          <p:cNvPr id="2" name="Title 1">
+            <a:extLst>
+              <a:ext uri="{FF2B5EF4-FFF2-40B4-BE49-F238E27FC236}">
+                <a16:creationId xmlns:a16="http://schemas.microsoft.com/office/drawing/2014/main" id="{0F45063C-9EFA-4066-8A05-DB9B79AD8E99}"/>
+              </a:ext>
+            </a:extLst>
+          </p:cNvPr>
+          <p:cNvSpPr>
+            <a:spLocks noGrp="1"/>
+          </p:cNvSpPr>
+          <p:nvPr>
+            <p:ph type="title"/>
+          </p:nvPr>
+        </p:nvSpPr>
+        <p:spPr/>
+        <p:txBody>
+          <a:bodyPr/>
+          <a:lstStyle/>
+          <a:p>
+            <a:r>
+              <a:rPr lang="en-US" dirty="0">
+                <a:effectLst/>
+              </a:rPr>
+              <a:t>How has the perception evolved</a:t>
+            </a:r>
+            <a:endParaRPr lang="en-US" dirty="0"/>
+          </a:p>
+        </p:txBody>
+      </p:sp>
+      <p:sp>
+        <p:nvSpPr>
+          <p:cNvPr id="3" name="Content Placeholder 2">
+            <a:extLst>
+              <a:ext uri="{FF2B5EF4-FFF2-40B4-BE49-F238E27FC236}">
+                <a16:creationId xmlns:a16="http://schemas.microsoft.com/office/drawing/2014/main" id="{26E6C89D-1B17-4919-8556-A51ADF7EF87C}"/>
+              </a:ext>
+            </a:extLst>
+          </p:cNvPr>
+          <p:cNvSpPr>
+            <a:spLocks noGrp="1"/>
+          </p:cNvSpPr>
+          <p:nvPr>
+            <p:ph idx="1"/>
+          </p:nvPr>
+        </p:nvSpPr>
+        <p:spPr/>
+        <p:txBody>
+          <a:bodyPr/>
+          <a:lstStyle/>
+          <a:p>
+            <a:r>
+              <a:rPr lang="en-US" sz="2200" dirty="0">
+                <a:effectLst/>
+              </a:rPr>
+              <a:t>Focus on individual attackers</a:t>
+            </a:r>
+          </a:p>
+          <a:p>
+            <a:r>
+              <a:rPr lang="en-US" sz="2200" dirty="0">
+                <a:effectLst/>
+              </a:rPr>
+              <a:t>Focus on technology</a:t>
+            </a:r>
+          </a:p>
+          <a:p>
+            <a:r>
+              <a:rPr lang="en-US" sz="2200" dirty="0">
+                <a:effectLst/>
+              </a:rPr>
+              <a:t>Focus on national states</a:t>
+            </a:r>
+          </a:p>
+          <a:p>
+            <a:r>
+              <a:rPr lang="en-US" sz="2200" dirty="0">
+                <a:effectLst/>
+              </a:rPr>
+              <a:t>Focus on assume breach</a:t>
+            </a:r>
+          </a:p>
+          <a:p>
+            <a:r>
+              <a:rPr lang="en-US" sz="2200" dirty="0">
+                <a:effectLst/>
+              </a:rPr>
+              <a:t>Focus on people</a:t>
+            </a:r>
+          </a:p>
+        </p:txBody>
+      </p:sp>
+    </p:spTree>
+    <p:extLst>
+      <p:ext uri="{BB962C8B-B14F-4D97-AF65-F5344CB8AC3E}">
+        <p14:creationId xmlns:p14="http://schemas.microsoft.com/office/powerpoint/2010/main" val="1194302208"/>
+      </p:ext>
+    </p:extLst>
+  </p:cSld>
+  <p:clrMapOvr>
+    <a:masterClrMapping/>
+  </p:clrMapOvr>
+</p:sld>
+</file>
+
+<file path=ppt/slides/slide5.xml><?xml version="1.0" encoding="utf-8"?>
+<p:sld xmlns:a="http://schemas.openxmlformats.org/drawingml/2006/main" xmlns:r="http://schemas.openxmlformats.org/officeDocument/2006/relationships" xmlns:p="http://schemas.openxmlformats.org/presentationml/2006/main">
+  <p:cSld>
+    <p:spTree>
+      <p:nvGrpSpPr>
+        <p:cNvPr id="1" name=""/>
+        <p:cNvGrpSpPr/>
+        <p:nvPr/>
+      </p:nvGrpSpPr>
+      <p:grpSpPr>
+        <a:xfrm>
+          <a:off x="0" y="0"/>
+          <a:ext cx="0" cy="0"/>
+          <a:chOff x="0" y="0"/>
+          <a:chExt cx="0" cy="0"/>
+        </a:xfrm>
+      </p:grpSpPr>
+      <p:sp>
+        <p:nvSpPr>
+          <p:cNvPr id="2" name="Title 1">
+            <a:extLst>
+              <a:ext uri="{FF2B5EF4-FFF2-40B4-BE49-F238E27FC236}">
+                <a16:creationId xmlns:a16="http://schemas.microsoft.com/office/drawing/2014/main" id="{9DF0EBF5-8F24-443D-84F4-09EF0CB3019C}"/>
+              </a:ext>
+            </a:extLst>
+          </p:cNvPr>
+          <p:cNvSpPr>
+            <a:spLocks noGrp="1"/>
+          </p:cNvSpPr>
+          <p:nvPr>
+            <p:ph type="title"/>
+          </p:nvPr>
+        </p:nvSpPr>
+        <p:spPr/>
+        <p:txBody>
+          <a:bodyPr/>
+          <a:lstStyle/>
+          <a:p>
+            <a:r>
+              <a:rPr lang="en-US" dirty="0">
+                <a:effectLst/>
+              </a:rPr>
+              <a:t>Why are people now the focal point</a:t>
+            </a:r>
+            <a:endParaRPr lang="en-US" dirty="0"/>
+          </a:p>
+        </p:txBody>
+      </p:sp>
+      <p:sp>
+        <p:nvSpPr>
+          <p:cNvPr id="3" name="Content Placeholder 2">
+            <a:extLst>
+              <a:ext uri="{FF2B5EF4-FFF2-40B4-BE49-F238E27FC236}">
+                <a16:creationId xmlns:a16="http://schemas.microsoft.com/office/drawing/2014/main" id="{C8D91BC4-5410-4202-8519-46EE5EBDCC70}"/>
+              </a:ext>
+            </a:extLst>
+          </p:cNvPr>
+          <p:cNvSpPr>
+            <a:spLocks noGrp="1"/>
+          </p:cNvSpPr>
+          <p:nvPr>
+            <p:ph idx="1"/>
+          </p:nvPr>
+        </p:nvSpPr>
+        <p:spPr/>
+        <p:txBody>
+          <a:bodyPr/>
+          <a:lstStyle/>
+          <a:p>
+            <a:r>
+              <a:rPr lang="en-US" sz="2200" dirty="0">
+                <a:effectLst/>
+              </a:rPr>
+              <a:t>50% attacks are technology malicious</a:t>
+            </a:r>
+          </a:p>
+          <a:p>
+            <a:r>
+              <a:rPr lang="en-US" sz="2200" dirty="0">
+                <a:effectLst/>
+              </a:rPr>
+              <a:t>25% attacks are malicious against humans</a:t>
+            </a:r>
+          </a:p>
+          <a:p>
+            <a:r>
+              <a:rPr lang="en-US" sz="2200" dirty="0">
+                <a:effectLst/>
+              </a:rPr>
+              <a:t>25% attacks are human errors</a:t>
+            </a:r>
+          </a:p>
+          <a:p>
+            <a:pPr marL="36900" indent="0">
+              <a:buNone/>
+            </a:pPr>
+            <a:endParaRPr lang="en-US" dirty="0"/>
+          </a:p>
+        </p:txBody>
+      </p:sp>
+    </p:spTree>
+    <p:extLst>
+      <p:ext uri="{BB962C8B-B14F-4D97-AF65-F5344CB8AC3E}">
+        <p14:creationId xmlns:p14="http://schemas.microsoft.com/office/powerpoint/2010/main" val="3587444469"/>
+      </p:ext>
+    </p:extLst>
+  </p:cSld>
+  <p:clrMapOvr>
+    <a:masterClrMapping/>
+  </p:clrMapOvr>
+</p:sld>
+</file>
+
+<file path=ppt/slides/slide6.xml><?xml version="1.0" encoding="utf-8"?>
+<p:sld xmlns:a="http://schemas.openxmlformats.org/drawingml/2006/main" xmlns:r="http://schemas.openxmlformats.org/officeDocument/2006/relationships" xmlns:p="http://schemas.openxmlformats.org/presentationml/2006/main">
+  <p:cSld>
+    <p:spTree>
+      <p:nvGrpSpPr>
+        <p:cNvPr id="1" name=""/>
+        <p:cNvGrpSpPr/>
+        <p:nvPr/>
+      </p:nvGrpSpPr>
+      <p:grpSpPr>
+        <a:xfrm>
+          <a:off x="0" y="0"/>
+          <a:ext cx="0" cy="0"/>
+          <a:chOff x="0" y="0"/>
+          <a:chExt cx="0" cy="0"/>
+        </a:xfrm>
+      </p:grpSpPr>
+      <p:sp>
+        <p:nvSpPr>
+          <p:cNvPr id="2" name="Title 1">
+            <a:extLst>
+              <a:ext uri="{FF2B5EF4-FFF2-40B4-BE49-F238E27FC236}">
+                <a16:creationId xmlns:a16="http://schemas.microsoft.com/office/drawing/2014/main" id="{1C649B69-D0FF-4BFB-BB22-C1D88A0B03F3}"/>
+              </a:ext>
+            </a:extLst>
+          </p:cNvPr>
+          <p:cNvSpPr>
+            <a:spLocks noGrp="1"/>
+          </p:cNvSpPr>
+          <p:nvPr>
+            <p:ph type="title"/>
+          </p:nvPr>
+        </p:nvSpPr>
+        <p:spPr/>
+        <p:txBody>
+          <a:bodyPr/>
+          <a:lstStyle/>
+          <a:p>
+            <a:r>
+              <a:rPr lang="en-US" dirty="0">
+                <a:effectLst/>
+              </a:rPr>
+              <a:t>Where do we need to protect humans</a:t>
+            </a:r>
+            <a:endParaRPr lang="en-US" dirty="0"/>
+          </a:p>
+        </p:txBody>
+      </p:sp>
+      <p:sp>
+        <p:nvSpPr>
+          <p:cNvPr id="3" name="Content Placeholder 2">
+            <a:extLst>
+              <a:ext uri="{FF2B5EF4-FFF2-40B4-BE49-F238E27FC236}">
+                <a16:creationId xmlns:a16="http://schemas.microsoft.com/office/drawing/2014/main" id="{0A2C431B-5003-4F77-9DB6-8EC08E7C355F}"/>
+              </a:ext>
+            </a:extLst>
+          </p:cNvPr>
+          <p:cNvSpPr>
+            <a:spLocks noGrp="1"/>
+          </p:cNvSpPr>
+          <p:nvPr>
+            <p:ph idx="1"/>
+          </p:nvPr>
+        </p:nvSpPr>
+        <p:spPr/>
+        <p:txBody>
+          <a:bodyPr/>
+          <a:lstStyle/>
+          <a:p>
+            <a:r>
+              <a:rPr lang="en-US" sz="2200" dirty="0">
+                <a:effectLst/>
+              </a:rPr>
+              <a:t>Network borders are abstract</a:t>
+            </a:r>
+          </a:p>
+          <a:p>
+            <a:r>
+              <a:rPr lang="en-US" sz="2200" dirty="0">
+                <a:effectLst/>
+              </a:rPr>
+              <a:t>Connections come across heterogeneous devices</a:t>
+            </a:r>
+          </a:p>
+          <a:p>
+            <a:r>
+              <a:rPr lang="en-US" sz="2200" dirty="0">
+                <a:effectLst/>
+              </a:rPr>
+              <a:t>Any communication/interaction could result in undesirable behavior</a:t>
+            </a:r>
+          </a:p>
+          <a:p>
+            <a:endParaRPr lang="en-US" dirty="0"/>
+          </a:p>
+        </p:txBody>
+      </p:sp>
+    </p:spTree>
+    <p:extLst>
+      <p:ext uri="{BB962C8B-B14F-4D97-AF65-F5344CB8AC3E}">
+        <p14:creationId xmlns:p14="http://schemas.microsoft.com/office/powerpoint/2010/main" val="43159024"/>
+      </p:ext>
+    </p:extLst>
+  </p:cSld>
+  <p:clrMapOvr>
+    <a:masterClrMapping/>
+  </p:clrMapOvr>
+</p:sld>
+</file>
+
+<file path=ppt/slides/slide7.xml><?xml version="1.0" encoding="utf-8"?>
+<p:sld xmlns:a="http://schemas.openxmlformats.org/drawingml/2006/main" xmlns:r="http://schemas.openxmlformats.org/officeDocument/2006/relationships" xmlns:p="http://schemas.openxmlformats.org/presentationml/2006/main">
+  <p:cSld>
+    <p:spTree>
+      <p:nvGrpSpPr>
+        <p:cNvPr id="1" name=""/>
+        <p:cNvGrpSpPr/>
+        <p:nvPr/>
+      </p:nvGrpSpPr>
+      <p:grpSpPr>
+        <a:xfrm>
+          <a:off x="0" y="0"/>
+          <a:ext cx="0" cy="0"/>
+          <a:chOff x="0" y="0"/>
+          <a:chExt cx="0" cy="0"/>
+        </a:xfrm>
+      </p:grpSpPr>
+      <p:sp>
+        <p:nvSpPr>
+          <p:cNvPr id="2" name="Title 1">
+            <a:extLst>
+              <a:ext uri="{FF2B5EF4-FFF2-40B4-BE49-F238E27FC236}">
+                <a16:creationId xmlns:a16="http://schemas.microsoft.com/office/drawing/2014/main" id="{BC83E04C-7361-4C07-B0D6-33DCAF81A52A}"/>
+              </a:ext>
+            </a:extLst>
+          </p:cNvPr>
+          <p:cNvSpPr>
+            <a:spLocks noGrp="1"/>
+          </p:cNvSpPr>
+          <p:nvPr>
+            <p:ph type="title"/>
+          </p:nvPr>
+        </p:nvSpPr>
+        <p:spPr/>
+        <p:txBody>
+          <a:bodyPr/>
+          <a:lstStyle/>
+          <a:p>
+            <a:r>
+              <a:rPr lang="en-US" dirty="0">
+                <a:effectLst/>
+              </a:rPr>
+              <a:t>Understanding STRIDE categorizations</a:t>
+            </a:r>
+            <a:endParaRPr lang="en-US" dirty="0"/>
+          </a:p>
+        </p:txBody>
+      </p:sp>
+      <p:sp>
+        <p:nvSpPr>
+          <p:cNvPr id="3" name="Content Placeholder 2">
+            <a:extLst>
+              <a:ext uri="{FF2B5EF4-FFF2-40B4-BE49-F238E27FC236}">
+                <a16:creationId xmlns:a16="http://schemas.microsoft.com/office/drawing/2014/main" id="{385786E9-ABD7-4999-A14C-D6CE0EBAB380}"/>
+              </a:ext>
+            </a:extLst>
+          </p:cNvPr>
+          <p:cNvSpPr>
+            <a:spLocks noGrp="1"/>
+          </p:cNvSpPr>
+          <p:nvPr>
+            <p:ph idx="1"/>
+          </p:nvPr>
+        </p:nvSpPr>
+        <p:spPr/>
+        <p:txBody>
+          <a:bodyPr/>
+          <a:lstStyle/>
+          <a:p>
+            <a:r>
+              <a:rPr lang="en-US" sz="2200" dirty="0">
+                <a:effectLst/>
+              </a:rPr>
+              <a:t>Spoofing</a:t>
+            </a:r>
+          </a:p>
+          <a:p>
+            <a:r>
+              <a:rPr lang="en-US" sz="2200" dirty="0">
+                <a:effectLst/>
+              </a:rPr>
+              <a:t>Tampering</a:t>
+            </a:r>
+          </a:p>
+          <a:p>
+            <a:r>
+              <a:rPr lang="en-US" sz="2200" dirty="0">
+                <a:effectLst/>
+              </a:rPr>
+              <a:t>Repudiation</a:t>
+            </a:r>
+          </a:p>
+          <a:p>
+            <a:r>
+              <a:rPr lang="en-US" sz="2200" dirty="0">
+                <a:effectLst/>
+              </a:rPr>
+              <a:t>Information Disclosure</a:t>
+            </a:r>
+          </a:p>
+          <a:p>
+            <a:r>
+              <a:rPr lang="en-US" sz="2200" dirty="0">
+                <a:effectLst/>
+              </a:rPr>
+              <a:t>Denial of Service</a:t>
+            </a:r>
+          </a:p>
+          <a:p>
+            <a:r>
+              <a:rPr lang="en-US" sz="2200" dirty="0">
+                <a:effectLst/>
+              </a:rPr>
+              <a:t>Elevation of Privileges</a:t>
+            </a:r>
+          </a:p>
+          <a:p>
+            <a:endParaRPr lang="en-US" dirty="0"/>
+          </a:p>
+        </p:txBody>
+      </p:sp>
+    </p:spTree>
+    <p:extLst>
+      <p:ext uri="{BB962C8B-B14F-4D97-AF65-F5344CB8AC3E}">
+        <p14:creationId xmlns:p14="http://schemas.microsoft.com/office/powerpoint/2010/main" val="206885940"/>
       </p:ext>
     </p:extLst>
   </p:cSld>
@@ -11642,7 +8658,7 @@
           <p:cNvPr id="2" name="Title 1">
             <a:extLst>
               <a:ext uri="{FF2B5EF4-FFF2-40B4-BE49-F238E27FC236}">
-                <a16:creationId xmlns:a16="http://schemas.microsoft.com/office/drawing/2014/main" id="{AE7F66C6-FC75-42BD-9B00-B7A75C1EC41F}"/>
+                <a16:creationId xmlns:a16="http://schemas.microsoft.com/office/drawing/2014/main" id="{2D8B7EDB-892F-4AC2-8361-8EE90DA6093A}"/>
               </a:ext>
             </a:extLst>
           </p:cNvPr>
@@ -11659,9 +8675,12 @@
           <a:lstStyle/>
           <a:p>
             <a:r>
-              <a:rPr lang="en-US" dirty="0"/>
-              <a:t>Information Disclosure</a:t>
-            </a:r>
+              <a:rPr lang="en-US" dirty="0">
+                <a:effectLst/>
+              </a:rPr>
+              <a:t>How do these apply to humans</a:t>
+            </a:r>
+            <a:endParaRPr lang="en-US" dirty="0"/>
           </a:p>
         </p:txBody>
       </p:sp>
@@ -11670,7 +8689,7 @@
           <p:cNvPr id="3" name="Content Placeholder 2">
             <a:extLst>
               <a:ext uri="{FF2B5EF4-FFF2-40B4-BE49-F238E27FC236}">
-                <a16:creationId xmlns:a16="http://schemas.microsoft.com/office/drawing/2014/main" id="{352088FE-7008-488C-A1FA-A4B874D4C56E}"/>
+                <a16:creationId xmlns:a16="http://schemas.microsoft.com/office/drawing/2014/main" id="{DAFB9A34-5431-44DF-9647-CB6007411F1A}"/>
               </a:ext>
             </a:extLst>
           </p:cNvPr>
@@ -11687,26 +8706,20 @@
           <a:lstStyle/>
           <a:p>
             <a:r>
+              <a:rPr lang="en-US" dirty="0">
+                <a:effectLst/>
+              </a:rPr>
+              <a:t>Getting a free cup of coffee</a:t>
+            </a:r>
+          </a:p>
+          <a:p>
+            <a:pPr lvl="1"/>
+            <a:r>
               <a:rPr lang="en-US" dirty="0"/>
-              <a:t>Providing private information to an expected third-party</a:t>
-            </a:r>
-          </a:p>
-          <a:p>
-            <a:pPr lvl="1"/>
-            <a:r>
-              <a:rPr lang="en-US" dirty="0"/>
-              <a:t>Verbose error logs</a:t>
-            </a:r>
-          </a:p>
-          <a:p>
-            <a:pPr lvl="1"/>
-            <a:r>
-              <a:rPr lang="en-US" dirty="0"/>
-              <a:t>Facebook and social media</a:t>
-            </a:r>
-          </a:p>
-          <a:p>
-            <a:pPr lvl="1"/>
+              <a:t>Enumerate examples here</a:t>
+            </a:r>
+          </a:p>
+          <a:p>
             <a:endParaRPr lang="en-US" dirty="0"/>
           </a:p>
         </p:txBody>
@@ -11714,7 +8727,7 @@
     </p:spTree>
     <p:extLst>
       <p:ext uri="{BB962C8B-B14F-4D97-AF65-F5344CB8AC3E}">
-        <p14:creationId xmlns:p14="http://schemas.microsoft.com/office/powerpoint/2010/main" val="1903719942"/>
+        <p14:creationId xmlns:p14="http://schemas.microsoft.com/office/powerpoint/2010/main" val="2333230953"/>
       </p:ext>
     </p:extLst>
   </p:cSld>
@@ -11746,7 +8759,7 @@
           <p:cNvPr id="2" name="Title 1">
             <a:extLst>
               <a:ext uri="{FF2B5EF4-FFF2-40B4-BE49-F238E27FC236}">
-                <a16:creationId xmlns:a16="http://schemas.microsoft.com/office/drawing/2014/main" id="{C8080DB4-4297-4781-8332-27AB10B2A828}"/>
+                <a16:creationId xmlns:a16="http://schemas.microsoft.com/office/drawing/2014/main" id="{38BC131B-A4E5-45AF-A378-22B83C4CCD12}"/>
               </a:ext>
             </a:extLst>
           </p:cNvPr>
@@ -11759,13 +8772,18 @@
         </p:nvSpPr>
         <p:spPr/>
         <p:txBody>
-          <a:bodyPr/>
-          <a:lstStyle/>
-          <a:p>
-            <a:r>
-              <a:rPr lang="en-US" dirty="0"/>
-              <a:t>Denial of Service</a:t>
-            </a:r>
+          <a:bodyPr>
+            <a:normAutofit/>
+          </a:bodyPr>
+          <a:lstStyle/>
+          <a:p>
+            <a:r>
+              <a:rPr lang="en-US" dirty="0">
+                <a:effectLst/>
+              </a:rPr>
+              <a:t>How can we define the coffee in terms of threat modeling</a:t>
+            </a:r>
+            <a:endParaRPr lang="en-US" dirty="0"/>
           </a:p>
         </p:txBody>
       </p:sp>
@@ -11774,7 +8792,7 @@
           <p:cNvPr id="3" name="Content Placeholder 2">
             <a:extLst>
               <a:ext uri="{FF2B5EF4-FFF2-40B4-BE49-F238E27FC236}">
-                <a16:creationId xmlns:a16="http://schemas.microsoft.com/office/drawing/2014/main" id="{399E5BCD-1FCF-4F02-99AB-80558C8DCE1C}"/>
+                <a16:creationId xmlns:a16="http://schemas.microsoft.com/office/drawing/2014/main" id="{76A95211-2AEA-4A9E-90CA-5B9543675AB1}"/>
               </a:ext>
             </a:extLst>
           </p:cNvPr>
@@ -11791,47 +8809,13 @@
           <a:lstStyle/>
           <a:p>
             <a:r>
-              <a:rPr lang="en-US" dirty="0"/>
-              <a:t>When the actions of one user prevents another user from doing an authorized action</a:t>
-            </a:r>
-          </a:p>
-          <a:p>
-            <a:pPr lvl="1"/>
-            <a:r>
-              <a:rPr lang="en-US" dirty="0"/>
-              <a:t>Quotas</a:t>
-            </a:r>
-          </a:p>
-          <a:p>
-            <a:pPr lvl="1"/>
-            <a:r>
-              <a:rPr lang="en-US" dirty="0"/>
-              <a:t>Multi-tenant scenarios</a:t>
-            </a:r>
-          </a:p>
-          <a:p>
-            <a:pPr lvl="1"/>
-            <a:r>
-              <a:rPr lang="en-US" dirty="0"/>
-              <a:t>Insufficient backups</a:t>
-            </a:r>
-          </a:p>
-          <a:p>
-            <a:pPr lvl="1"/>
-            <a:r>
-              <a:rPr lang="en-US" dirty="0"/>
-              <a:t>Noisy component</a:t>
-            </a:r>
-          </a:p>
-          <a:p>
-            <a:pPr lvl="1"/>
-            <a:r>
-              <a:rPr lang="en-US" dirty="0"/>
-              <a:t>External caller</a:t>
-            </a:r>
-          </a:p>
-          <a:p>
-            <a:pPr lvl="1"/>
+              <a:rPr lang="en-US" dirty="0">
+                <a:effectLst/>
+              </a:rPr>
+              <a:t>Assets, endpoints, trust boundaries, protocols, and threats</a:t>
+            </a:r>
+          </a:p>
+          <a:p>
             <a:endParaRPr lang="en-US" dirty="0"/>
           </a:p>
         </p:txBody>
@@ -11839,7 +8823,7 @@
     </p:spTree>
     <p:extLst>
       <p:ext uri="{BB962C8B-B14F-4D97-AF65-F5344CB8AC3E}">
-        <p14:creationId xmlns:p14="http://schemas.microsoft.com/office/powerpoint/2010/main" val="227760700"/>
+        <p14:creationId xmlns:p14="http://schemas.microsoft.com/office/powerpoint/2010/main" val="926975806"/>
       </p:ext>
     </p:extLst>
   </p:cSld>
